--- a/final_report.pptx
+++ b/final_report.pptx
@@ -5,7 +5,7 @@
     <p:sldMasterId id="2147483734" r:id="rId1"/>
   </p:sldMasterIdLst>
   <p:notesMasterIdLst>
-    <p:notesMasterId r:id="rId30"/>
+    <p:notesMasterId r:id="rId31"/>
   </p:notesMasterIdLst>
   <p:sldIdLst>
     <p:sldId id="256" r:id="rId2"/>
@@ -24,18 +24,19 @@
     <p:sldId id="297" r:id="rId15"/>
     <p:sldId id="298" r:id="rId16"/>
     <p:sldId id="288" r:id="rId17"/>
-    <p:sldId id="289" r:id="rId18"/>
-    <p:sldId id="300" r:id="rId19"/>
-    <p:sldId id="301" r:id="rId20"/>
-    <p:sldId id="303" r:id="rId21"/>
-    <p:sldId id="302" r:id="rId22"/>
-    <p:sldId id="290" r:id="rId23"/>
-    <p:sldId id="291" r:id="rId24"/>
-    <p:sldId id="292" r:id="rId25"/>
-    <p:sldId id="296" r:id="rId26"/>
-    <p:sldId id="294" r:id="rId27"/>
-    <p:sldId id="295" r:id="rId28"/>
-    <p:sldId id="276" r:id="rId29"/>
+    <p:sldId id="304" r:id="rId18"/>
+    <p:sldId id="289" r:id="rId19"/>
+    <p:sldId id="300" r:id="rId20"/>
+    <p:sldId id="301" r:id="rId21"/>
+    <p:sldId id="303" r:id="rId22"/>
+    <p:sldId id="302" r:id="rId23"/>
+    <p:sldId id="290" r:id="rId24"/>
+    <p:sldId id="291" r:id="rId25"/>
+    <p:sldId id="292" r:id="rId26"/>
+    <p:sldId id="296" r:id="rId27"/>
+    <p:sldId id="294" r:id="rId28"/>
+    <p:sldId id="295" r:id="rId29"/>
+    <p:sldId id="276" r:id="rId30"/>
   </p:sldIdLst>
   <p:sldSz cx="12192000" cy="6858000"/>
   <p:notesSz cx="6858000" cy="9144000"/>
@@ -1565,7 +1566,7 @@
     </p:spTree>
     <p:extLst>
       <p:ext uri="{BB962C8B-B14F-4D97-AF65-F5344CB8AC3E}">
-        <p14:creationId xmlns:p14="http://schemas.microsoft.com/office/powerpoint/2010/main" val="3601927836"/>
+        <p14:creationId xmlns:p14="http://schemas.microsoft.com/office/powerpoint/2010/main" val="428179436"/>
       </p:ext>
     </p:extLst>
   </p:cSld>
@@ -1649,7 +1650,7 @@
     </p:spTree>
     <p:extLst>
       <p:ext uri="{BB962C8B-B14F-4D97-AF65-F5344CB8AC3E}">
-        <p14:creationId xmlns:p14="http://schemas.microsoft.com/office/powerpoint/2010/main" val="1268844488"/>
+        <p14:creationId xmlns:p14="http://schemas.microsoft.com/office/powerpoint/2010/main" val="3601927836"/>
       </p:ext>
     </p:extLst>
   </p:cSld>
@@ -1733,7 +1734,7 @@
     </p:spTree>
     <p:extLst>
       <p:ext uri="{BB962C8B-B14F-4D97-AF65-F5344CB8AC3E}">
-        <p14:creationId xmlns:p14="http://schemas.microsoft.com/office/powerpoint/2010/main" val="1218713088"/>
+        <p14:creationId xmlns:p14="http://schemas.microsoft.com/office/powerpoint/2010/main" val="1268844488"/>
       </p:ext>
     </p:extLst>
   </p:cSld>
@@ -1817,7 +1818,7 @@
     </p:spTree>
     <p:extLst>
       <p:ext uri="{BB962C8B-B14F-4D97-AF65-F5344CB8AC3E}">
-        <p14:creationId xmlns:p14="http://schemas.microsoft.com/office/powerpoint/2010/main" val="2569853569"/>
+        <p14:creationId xmlns:p14="http://schemas.microsoft.com/office/powerpoint/2010/main" val="1218713088"/>
       </p:ext>
     </p:extLst>
   </p:cSld>
@@ -1871,78 +1872,6 @@
           <a:bodyPr/>
           <a:lstStyle/>
           <a:p>
-            <a:r>
-              <a:rPr lang="zh-CN" altLang="en-US" sz="1200" b="0" i="0" kern="1200" dirty="0">
-                <a:solidFill>
-                  <a:schemeClr val="tx1"/>
-                </a:solidFill>
-                <a:effectLst/>
-                <a:latin typeface="+mn-lt"/>
-                <a:ea typeface="+mn-ea"/>
-                <a:cs typeface="+mn-cs"/>
-              </a:rPr>
-              <a:t>访问同一个</a:t>
-            </a:r>
-            <a:r>
-              <a:rPr lang="en-US" altLang="zh-CN" sz="1200" b="0" i="0" kern="1200" dirty="0" err="1">
-                <a:solidFill>
-                  <a:schemeClr val="tx1"/>
-                </a:solidFill>
-                <a:effectLst/>
-                <a:latin typeface="+mn-lt"/>
-                <a:ea typeface="+mn-ea"/>
-                <a:cs typeface="+mn-cs"/>
-              </a:rPr>
-              <a:t>inode</a:t>
-            </a:r>
-            <a:r>
-              <a:rPr lang="zh-CN" altLang="en-US" sz="1200" b="0" i="0" kern="1200" dirty="0">
-                <a:solidFill>
-                  <a:schemeClr val="tx1"/>
-                </a:solidFill>
-                <a:effectLst/>
-                <a:latin typeface="+mn-lt"/>
-                <a:ea typeface="+mn-ea"/>
-                <a:cs typeface="+mn-cs"/>
-              </a:rPr>
-              <a:t>会造成访问冲突，而不同的</a:t>
-            </a:r>
-            <a:r>
-              <a:rPr lang="en-US" altLang="zh-CN" sz="1200" b="0" i="0" kern="1200" dirty="0" err="1">
-                <a:solidFill>
-                  <a:schemeClr val="tx1"/>
-                </a:solidFill>
-                <a:effectLst/>
-                <a:latin typeface="+mn-lt"/>
-                <a:ea typeface="+mn-ea"/>
-                <a:cs typeface="+mn-cs"/>
-              </a:rPr>
-              <a:t>inode</a:t>
-            </a:r>
-            <a:r>
-              <a:rPr lang="zh-CN" altLang="en-US" sz="1200" b="0" i="0" kern="1200" dirty="0">
-                <a:solidFill>
-                  <a:schemeClr val="tx1"/>
-                </a:solidFill>
-                <a:effectLst/>
-                <a:latin typeface="+mn-lt"/>
-                <a:ea typeface="+mn-ea"/>
-                <a:cs typeface="+mn-cs"/>
-              </a:rPr>
-              <a:t>访问则可以并行化，所以在这里我们遍历了不同的访问模式，从而实现了</a:t>
-            </a:r>
-            <a:r>
-              <a:rPr lang="en-US" altLang="zh-CN" sz="1200" b="0" i="0" kern="1200" dirty="0">
-                <a:solidFill>
-                  <a:schemeClr val="tx1"/>
-                </a:solidFill>
-                <a:effectLst/>
-                <a:latin typeface="+mn-lt"/>
-                <a:ea typeface="+mn-ea"/>
-                <a:cs typeface="+mn-cs"/>
-              </a:rPr>
-              <a:t>conflict coverage</a:t>
-            </a:r>
             <a:endParaRPr lang="zh-CN" altLang="en-US" dirty="0"/>
           </a:p>
         </p:txBody>
@@ -1973,7 +1902,7 @@
     </p:spTree>
     <p:extLst>
       <p:ext uri="{BB962C8B-B14F-4D97-AF65-F5344CB8AC3E}">
-        <p14:creationId xmlns:p14="http://schemas.microsoft.com/office/powerpoint/2010/main" val="1882639277"/>
+        <p14:creationId xmlns:p14="http://schemas.microsoft.com/office/powerpoint/2010/main" val="2569853569"/>
       </p:ext>
     </p:extLst>
   </p:cSld>
@@ -2027,6 +1956,78 @@
           <a:bodyPr/>
           <a:lstStyle/>
           <a:p>
+            <a:r>
+              <a:rPr lang="zh-CN" altLang="en-US" sz="1200" b="0" i="0" kern="1200" dirty="0">
+                <a:solidFill>
+                  <a:schemeClr val="tx1"/>
+                </a:solidFill>
+                <a:effectLst/>
+                <a:latin typeface="+mn-lt"/>
+                <a:ea typeface="+mn-ea"/>
+                <a:cs typeface="+mn-cs"/>
+              </a:rPr>
+              <a:t>访问同一个</a:t>
+            </a:r>
+            <a:r>
+              <a:rPr lang="en-US" altLang="zh-CN" sz="1200" b="0" i="0" kern="1200" dirty="0" err="1">
+                <a:solidFill>
+                  <a:schemeClr val="tx1"/>
+                </a:solidFill>
+                <a:effectLst/>
+                <a:latin typeface="+mn-lt"/>
+                <a:ea typeface="+mn-ea"/>
+                <a:cs typeface="+mn-cs"/>
+              </a:rPr>
+              <a:t>inode</a:t>
+            </a:r>
+            <a:r>
+              <a:rPr lang="zh-CN" altLang="en-US" sz="1200" b="0" i="0" kern="1200" dirty="0">
+                <a:solidFill>
+                  <a:schemeClr val="tx1"/>
+                </a:solidFill>
+                <a:effectLst/>
+                <a:latin typeface="+mn-lt"/>
+                <a:ea typeface="+mn-ea"/>
+                <a:cs typeface="+mn-cs"/>
+              </a:rPr>
+              <a:t>会造成访问冲突，而不同的</a:t>
+            </a:r>
+            <a:r>
+              <a:rPr lang="en-US" altLang="zh-CN" sz="1200" b="0" i="0" kern="1200" dirty="0" err="1">
+                <a:solidFill>
+                  <a:schemeClr val="tx1"/>
+                </a:solidFill>
+                <a:effectLst/>
+                <a:latin typeface="+mn-lt"/>
+                <a:ea typeface="+mn-ea"/>
+                <a:cs typeface="+mn-cs"/>
+              </a:rPr>
+              <a:t>inode</a:t>
+            </a:r>
+            <a:r>
+              <a:rPr lang="zh-CN" altLang="en-US" sz="1200" b="0" i="0" kern="1200" dirty="0">
+                <a:solidFill>
+                  <a:schemeClr val="tx1"/>
+                </a:solidFill>
+                <a:effectLst/>
+                <a:latin typeface="+mn-lt"/>
+                <a:ea typeface="+mn-ea"/>
+                <a:cs typeface="+mn-cs"/>
+              </a:rPr>
+              <a:t>访问则可以并行化，所以在这里我们遍历了不同的访问模式，从而实现了</a:t>
+            </a:r>
+            <a:r>
+              <a:rPr lang="en-US" altLang="zh-CN" sz="1200" b="0" i="0" kern="1200" dirty="0">
+                <a:solidFill>
+                  <a:schemeClr val="tx1"/>
+                </a:solidFill>
+                <a:effectLst/>
+                <a:latin typeface="+mn-lt"/>
+                <a:ea typeface="+mn-ea"/>
+                <a:cs typeface="+mn-cs"/>
+              </a:rPr>
+              <a:t>conflict coverage</a:t>
+            </a:r>
             <a:endParaRPr lang="zh-CN" altLang="en-US" dirty="0"/>
           </a:p>
         </p:txBody>
@@ -2057,7 +2058,7 @@
     </p:spTree>
     <p:extLst>
       <p:ext uri="{BB962C8B-B14F-4D97-AF65-F5344CB8AC3E}">
-        <p14:creationId xmlns:p14="http://schemas.microsoft.com/office/powerpoint/2010/main" val="2118930737"/>
+        <p14:creationId xmlns:p14="http://schemas.microsoft.com/office/powerpoint/2010/main" val="1882639277"/>
       </p:ext>
     </p:extLst>
   </p:cSld>
@@ -2111,222 +2112,6 @@
           <a:bodyPr/>
           <a:lstStyle/>
           <a:p>
-            <a:r>
-              <a:rPr lang="en-US" altLang="zh-CN" sz="1200" b="0" i="0" kern="1200" dirty="0">
-                <a:solidFill>
-                  <a:schemeClr val="tx1"/>
-                </a:solidFill>
-                <a:effectLst/>
-                <a:latin typeface="+mn-lt"/>
-                <a:ea typeface="+mn-ea"/>
-                <a:cs typeface="+mn-cs"/>
-              </a:rPr>
-              <a:t>socket</a:t>
-            </a:r>
-            <a:r>
-              <a:rPr lang="zh-CN" altLang="en-US" sz="1200" b="0" i="0" kern="1200" dirty="0">
-                <a:solidFill>
-                  <a:schemeClr val="tx1"/>
-                </a:solidFill>
-                <a:effectLst/>
-                <a:latin typeface="+mn-lt"/>
-                <a:ea typeface="+mn-ea"/>
-                <a:cs typeface="+mn-cs"/>
-              </a:rPr>
-              <a:t>中需要维护两个缓冲队列，一个负责缓冲</a:t>
-            </a:r>
-            <a:r>
-              <a:rPr lang="en-US" altLang="zh-CN" sz="1200" b="0" i="0" kern="1200" dirty="0">
-                <a:solidFill>
-                  <a:schemeClr val="tx1"/>
-                </a:solidFill>
-                <a:effectLst/>
-                <a:latin typeface="+mn-lt"/>
-                <a:ea typeface="+mn-ea"/>
-                <a:cs typeface="+mn-cs"/>
-              </a:rPr>
-              <a:t>socket</a:t>
-            </a:r>
-            <a:r>
-              <a:rPr lang="zh-CN" altLang="en-US" sz="1200" b="0" i="0" kern="1200" dirty="0">
-                <a:solidFill>
-                  <a:schemeClr val="tx1"/>
-                </a:solidFill>
-                <a:effectLst/>
-                <a:latin typeface="+mn-lt"/>
-                <a:ea typeface="+mn-ea"/>
-                <a:cs typeface="+mn-cs"/>
-              </a:rPr>
-              <a:t>接收到的数据，另一个负责缓冲</a:t>
-            </a:r>
-            <a:r>
-              <a:rPr lang="en-US" altLang="zh-CN" sz="1200" b="0" i="0" kern="1200" dirty="0">
-                <a:solidFill>
-                  <a:schemeClr val="tx1"/>
-                </a:solidFill>
-                <a:effectLst/>
-                <a:latin typeface="+mn-lt"/>
-                <a:ea typeface="+mn-ea"/>
-                <a:cs typeface="+mn-cs"/>
-              </a:rPr>
-              <a:t>socket</a:t>
-            </a:r>
-            <a:r>
-              <a:rPr lang="zh-CN" altLang="en-US" sz="1200" b="0" i="0" kern="1200" dirty="0">
-                <a:solidFill>
-                  <a:schemeClr val="tx1"/>
-                </a:solidFill>
-                <a:effectLst/>
-                <a:latin typeface="+mn-lt"/>
-                <a:ea typeface="+mn-ea"/>
-                <a:cs typeface="+mn-cs"/>
-              </a:rPr>
-              <a:t>需要发送的数据，</a:t>
-            </a:r>
-            <a:r>
-              <a:rPr lang="en-US" altLang="zh-CN" sz="1200" b="0" i="0" kern="1200" dirty="0">
-                <a:solidFill>
-                  <a:schemeClr val="tx1"/>
-                </a:solidFill>
-                <a:effectLst/>
-                <a:latin typeface="+mn-lt"/>
-                <a:ea typeface="+mn-ea"/>
-                <a:cs typeface="+mn-cs"/>
-              </a:rPr>
-              <a:t>socket</a:t>
-            </a:r>
-            <a:r>
-              <a:rPr lang="zh-CN" altLang="en-US" sz="1200" b="0" i="0" kern="1200" dirty="0">
-                <a:solidFill>
-                  <a:schemeClr val="tx1"/>
-                </a:solidFill>
-                <a:effectLst/>
-                <a:latin typeface="+mn-lt"/>
-                <a:ea typeface="+mn-ea"/>
-                <a:cs typeface="+mn-cs"/>
-              </a:rPr>
-              <a:t>还保存了它感兴趣的远程地址和远程端口号。每个进程中。会维护一个整数到</a:t>
-            </a:r>
-            <a:r>
-              <a:rPr lang="en-US" altLang="zh-CN" sz="1200" b="0" i="0" kern="1200" dirty="0">
-                <a:solidFill>
-                  <a:schemeClr val="tx1"/>
-                </a:solidFill>
-                <a:effectLst/>
-                <a:latin typeface="+mn-lt"/>
-                <a:ea typeface="+mn-ea"/>
-                <a:cs typeface="+mn-cs"/>
-              </a:rPr>
-              <a:t>socket</a:t>
-            </a:r>
-            <a:r>
-              <a:rPr lang="zh-CN" altLang="en-US" sz="1200" b="0" i="0" kern="1200" dirty="0">
-                <a:solidFill>
-                  <a:schemeClr val="tx1"/>
-                </a:solidFill>
-                <a:effectLst/>
-                <a:latin typeface="+mn-lt"/>
-                <a:ea typeface="+mn-ea"/>
-                <a:cs typeface="+mn-cs"/>
-              </a:rPr>
-              <a:t>的映射</a:t>
-            </a:r>
-            <a:r>
-              <a:rPr lang="en-US" altLang="zh-CN" sz="1200" b="0" i="0" kern="1200" dirty="0" err="1">
-                <a:solidFill>
-                  <a:schemeClr val="tx1"/>
-                </a:solidFill>
-                <a:effectLst/>
-                <a:latin typeface="+mn-lt"/>
-                <a:ea typeface="+mn-ea"/>
-                <a:cs typeface="+mn-cs"/>
-              </a:rPr>
-              <a:t>fd_map</a:t>
-            </a:r>
-            <a:r>
-              <a:rPr lang="zh-CN" altLang="en-US" sz="1200" b="0" i="0" kern="1200" dirty="0">
-                <a:solidFill>
-                  <a:schemeClr val="tx1"/>
-                </a:solidFill>
-                <a:effectLst/>
-                <a:latin typeface="+mn-lt"/>
-                <a:ea typeface="+mn-ea"/>
-                <a:cs typeface="+mn-cs"/>
-              </a:rPr>
-              <a:t>，在创建</a:t>
-            </a:r>
-            <a:r>
-              <a:rPr lang="en-US" altLang="zh-CN" sz="1200" b="0" i="0" kern="1200" dirty="0">
-                <a:solidFill>
-                  <a:schemeClr val="tx1"/>
-                </a:solidFill>
-                <a:effectLst/>
-                <a:latin typeface="+mn-lt"/>
-                <a:ea typeface="+mn-ea"/>
-                <a:cs typeface="+mn-cs"/>
-              </a:rPr>
-              <a:t>socket</a:t>
-            </a:r>
-            <a:r>
-              <a:rPr lang="zh-CN" altLang="en-US" sz="1200" b="0" i="0" kern="1200" dirty="0">
-                <a:solidFill>
-                  <a:schemeClr val="tx1"/>
-                </a:solidFill>
-                <a:effectLst/>
-                <a:latin typeface="+mn-lt"/>
-                <a:ea typeface="+mn-ea"/>
-                <a:cs typeface="+mn-cs"/>
-              </a:rPr>
-              <a:t>的时候会返回其对应的整数，而对于其他系统调用，会有一个输入参数是</a:t>
-            </a:r>
-            <a:r>
-              <a:rPr lang="en-US" altLang="zh-CN" sz="1200" b="0" i="0" kern="1200" dirty="0">
-                <a:solidFill>
-                  <a:schemeClr val="tx1"/>
-                </a:solidFill>
-                <a:effectLst/>
-                <a:latin typeface="+mn-lt"/>
-                <a:ea typeface="+mn-ea"/>
-                <a:cs typeface="+mn-cs"/>
-              </a:rPr>
-              <a:t>socket</a:t>
-            </a:r>
-            <a:r>
-              <a:rPr lang="zh-CN" altLang="en-US" sz="1200" b="0" i="0" kern="1200" dirty="0">
-                <a:solidFill>
-                  <a:schemeClr val="tx1"/>
-                </a:solidFill>
-                <a:effectLst/>
-                <a:latin typeface="+mn-lt"/>
-                <a:ea typeface="+mn-ea"/>
-                <a:cs typeface="+mn-cs"/>
-              </a:rPr>
-              <a:t>对应的整数。此外，我们还需要维护一个全局的表，表里面存放的是哪些进程对哪些</a:t>
-            </a:r>
-            <a:r>
-              <a:rPr lang="en-US" altLang="zh-CN" sz="1200" b="0" i="0" kern="1200" dirty="0">
-                <a:solidFill>
-                  <a:schemeClr val="tx1"/>
-                </a:solidFill>
-                <a:effectLst/>
-                <a:latin typeface="+mn-lt"/>
-                <a:ea typeface="+mn-ea"/>
-                <a:cs typeface="+mn-cs"/>
-              </a:rPr>
-              <a:t>UDP</a:t>
-            </a:r>
-            <a:r>
-              <a:rPr lang="zh-CN" altLang="en-US" sz="1200" b="0" i="0" kern="1200" dirty="0">
-                <a:solidFill>
-                  <a:schemeClr val="tx1"/>
-                </a:solidFill>
-                <a:effectLst/>
-                <a:latin typeface="+mn-lt"/>
-                <a:ea typeface="+mn-ea"/>
-                <a:cs typeface="+mn-cs"/>
-              </a:rPr>
-              <a:t>端口接收到的数据感兴趣。</a:t>
-            </a:r>
             <a:endParaRPr lang="zh-CN" altLang="en-US" dirty="0"/>
           </a:p>
         </p:txBody>
@@ -2348,7 +2133,7 @@
           <a:p>
             <a:fld id="{7F489343-4191-49DA-9D85-6F731C7C87F7}" type="slidenum">
               <a:rPr lang="zh-CN" altLang="en-US" smtClean="0"/>
-              <a:t>24</a:t>
+              <a:t>23</a:t>
             </a:fld>
             <a:endParaRPr lang="zh-CN" altLang="en-US"/>
           </a:p>
@@ -2357,7 +2142,7 @@
     </p:spTree>
     <p:extLst>
       <p:ext uri="{BB962C8B-B14F-4D97-AF65-F5344CB8AC3E}">
-        <p14:creationId xmlns:p14="http://schemas.microsoft.com/office/powerpoint/2010/main" val="3596274414"/>
+        <p14:creationId xmlns:p14="http://schemas.microsoft.com/office/powerpoint/2010/main" val="2118930737"/>
       </p:ext>
     </p:extLst>
   </p:cSld>
@@ -2495,6 +2280,222 @@
           <a:bodyPr/>
           <a:lstStyle/>
           <a:p>
+            <a:r>
+              <a:rPr lang="en-US" altLang="zh-CN" sz="1200" b="0" i="0" kern="1200" dirty="0">
+                <a:solidFill>
+                  <a:schemeClr val="tx1"/>
+                </a:solidFill>
+                <a:effectLst/>
+                <a:latin typeface="+mn-lt"/>
+                <a:ea typeface="+mn-ea"/>
+                <a:cs typeface="+mn-cs"/>
+              </a:rPr>
+              <a:t>socket</a:t>
+            </a:r>
+            <a:r>
+              <a:rPr lang="zh-CN" altLang="en-US" sz="1200" b="0" i="0" kern="1200" dirty="0">
+                <a:solidFill>
+                  <a:schemeClr val="tx1"/>
+                </a:solidFill>
+                <a:effectLst/>
+                <a:latin typeface="+mn-lt"/>
+                <a:ea typeface="+mn-ea"/>
+                <a:cs typeface="+mn-cs"/>
+              </a:rPr>
+              <a:t>中需要维护两个缓冲队列，一个负责缓冲</a:t>
+            </a:r>
+            <a:r>
+              <a:rPr lang="en-US" altLang="zh-CN" sz="1200" b="0" i="0" kern="1200" dirty="0">
+                <a:solidFill>
+                  <a:schemeClr val="tx1"/>
+                </a:solidFill>
+                <a:effectLst/>
+                <a:latin typeface="+mn-lt"/>
+                <a:ea typeface="+mn-ea"/>
+                <a:cs typeface="+mn-cs"/>
+              </a:rPr>
+              <a:t>socket</a:t>
+            </a:r>
+            <a:r>
+              <a:rPr lang="zh-CN" altLang="en-US" sz="1200" b="0" i="0" kern="1200" dirty="0">
+                <a:solidFill>
+                  <a:schemeClr val="tx1"/>
+                </a:solidFill>
+                <a:effectLst/>
+                <a:latin typeface="+mn-lt"/>
+                <a:ea typeface="+mn-ea"/>
+                <a:cs typeface="+mn-cs"/>
+              </a:rPr>
+              <a:t>接收到的数据，另一个负责缓冲</a:t>
+            </a:r>
+            <a:r>
+              <a:rPr lang="en-US" altLang="zh-CN" sz="1200" b="0" i="0" kern="1200" dirty="0">
+                <a:solidFill>
+                  <a:schemeClr val="tx1"/>
+                </a:solidFill>
+                <a:effectLst/>
+                <a:latin typeface="+mn-lt"/>
+                <a:ea typeface="+mn-ea"/>
+                <a:cs typeface="+mn-cs"/>
+              </a:rPr>
+              <a:t>socket</a:t>
+            </a:r>
+            <a:r>
+              <a:rPr lang="zh-CN" altLang="en-US" sz="1200" b="0" i="0" kern="1200" dirty="0">
+                <a:solidFill>
+                  <a:schemeClr val="tx1"/>
+                </a:solidFill>
+                <a:effectLst/>
+                <a:latin typeface="+mn-lt"/>
+                <a:ea typeface="+mn-ea"/>
+                <a:cs typeface="+mn-cs"/>
+              </a:rPr>
+              <a:t>需要发送的数据，</a:t>
+            </a:r>
+            <a:r>
+              <a:rPr lang="en-US" altLang="zh-CN" sz="1200" b="0" i="0" kern="1200" dirty="0">
+                <a:solidFill>
+                  <a:schemeClr val="tx1"/>
+                </a:solidFill>
+                <a:effectLst/>
+                <a:latin typeface="+mn-lt"/>
+                <a:ea typeface="+mn-ea"/>
+                <a:cs typeface="+mn-cs"/>
+              </a:rPr>
+              <a:t>socket</a:t>
+            </a:r>
+            <a:r>
+              <a:rPr lang="zh-CN" altLang="en-US" sz="1200" b="0" i="0" kern="1200" dirty="0">
+                <a:solidFill>
+                  <a:schemeClr val="tx1"/>
+                </a:solidFill>
+                <a:effectLst/>
+                <a:latin typeface="+mn-lt"/>
+                <a:ea typeface="+mn-ea"/>
+                <a:cs typeface="+mn-cs"/>
+              </a:rPr>
+              <a:t>还保存了它感兴趣的远程地址和远程端口号。每个进程中。会维护一个整数到</a:t>
+            </a:r>
+            <a:r>
+              <a:rPr lang="en-US" altLang="zh-CN" sz="1200" b="0" i="0" kern="1200" dirty="0">
+                <a:solidFill>
+                  <a:schemeClr val="tx1"/>
+                </a:solidFill>
+                <a:effectLst/>
+                <a:latin typeface="+mn-lt"/>
+                <a:ea typeface="+mn-ea"/>
+                <a:cs typeface="+mn-cs"/>
+              </a:rPr>
+              <a:t>socket</a:t>
+            </a:r>
+            <a:r>
+              <a:rPr lang="zh-CN" altLang="en-US" sz="1200" b="0" i="0" kern="1200" dirty="0">
+                <a:solidFill>
+                  <a:schemeClr val="tx1"/>
+                </a:solidFill>
+                <a:effectLst/>
+                <a:latin typeface="+mn-lt"/>
+                <a:ea typeface="+mn-ea"/>
+                <a:cs typeface="+mn-cs"/>
+              </a:rPr>
+              <a:t>的映射</a:t>
+            </a:r>
+            <a:r>
+              <a:rPr lang="en-US" altLang="zh-CN" sz="1200" b="0" i="0" kern="1200" dirty="0" err="1">
+                <a:solidFill>
+                  <a:schemeClr val="tx1"/>
+                </a:solidFill>
+                <a:effectLst/>
+                <a:latin typeface="+mn-lt"/>
+                <a:ea typeface="+mn-ea"/>
+                <a:cs typeface="+mn-cs"/>
+              </a:rPr>
+              <a:t>fd_map</a:t>
+            </a:r>
+            <a:r>
+              <a:rPr lang="zh-CN" altLang="en-US" sz="1200" b="0" i="0" kern="1200" dirty="0">
+                <a:solidFill>
+                  <a:schemeClr val="tx1"/>
+                </a:solidFill>
+                <a:effectLst/>
+                <a:latin typeface="+mn-lt"/>
+                <a:ea typeface="+mn-ea"/>
+                <a:cs typeface="+mn-cs"/>
+              </a:rPr>
+              <a:t>，在创建</a:t>
+            </a:r>
+            <a:r>
+              <a:rPr lang="en-US" altLang="zh-CN" sz="1200" b="0" i="0" kern="1200" dirty="0">
+                <a:solidFill>
+                  <a:schemeClr val="tx1"/>
+                </a:solidFill>
+                <a:effectLst/>
+                <a:latin typeface="+mn-lt"/>
+                <a:ea typeface="+mn-ea"/>
+                <a:cs typeface="+mn-cs"/>
+              </a:rPr>
+              <a:t>socket</a:t>
+            </a:r>
+            <a:r>
+              <a:rPr lang="zh-CN" altLang="en-US" sz="1200" b="0" i="0" kern="1200" dirty="0">
+                <a:solidFill>
+                  <a:schemeClr val="tx1"/>
+                </a:solidFill>
+                <a:effectLst/>
+                <a:latin typeface="+mn-lt"/>
+                <a:ea typeface="+mn-ea"/>
+                <a:cs typeface="+mn-cs"/>
+              </a:rPr>
+              <a:t>的时候会返回其对应的整数，而对于其他系统调用，会有一个输入参数是</a:t>
+            </a:r>
+            <a:r>
+              <a:rPr lang="en-US" altLang="zh-CN" sz="1200" b="0" i="0" kern="1200" dirty="0">
+                <a:solidFill>
+                  <a:schemeClr val="tx1"/>
+                </a:solidFill>
+                <a:effectLst/>
+                <a:latin typeface="+mn-lt"/>
+                <a:ea typeface="+mn-ea"/>
+                <a:cs typeface="+mn-cs"/>
+              </a:rPr>
+              <a:t>socket</a:t>
+            </a:r>
+            <a:r>
+              <a:rPr lang="zh-CN" altLang="en-US" sz="1200" b="0" i="0" kern="1200" dirty="0">
+                <a:solidFill>
+                  <a:schemeClr val="tx1"/>
+                </a:solidFill>
+                <a:effectLst/>
+                <a:latin typeface="+mn-lt"/>
+                <a:ea typeface="+mn-ea"/>
+                <a:cs typeface="+mn-cs"/>
+              </a:rPr>
+              <a:t>对应的整数。此外，我们还需要维护一个全局的表，表里面存放的是哪些进程对哪些</a:t>
+            </a:r>
+            <a:r>
+              <a:rPr lang="en-US" altLang="zh-CN" sz="1200" b="0" i="0" kern="1200" dirty="0">
+                <a:solidFill>
+                  <a:schemeClr val="tx1"/>
+                </a:solidFill>
+                <a:effectLst/>
+                <a:latin typeface="+mn-lt"/>
+                <a:ea typeface="+mn-ea"/>
+                <a:cs typeface="+mn-cs"/>
+              </a:rPr>
+              <a:t>UDP</a:t>
+            </a:r>
+            <a:r>
+              <a:rPr lang="zh-CN" altLang="en-US" sz="1200" b="0" i="0" kern="1200" dirty="0">
+                <a:solidFill>
+                  <a:schemeClr val="tx1"/>
+                </a:solidFill>
+                <a:effectLst/>
+                <a:latin typeface="+mn-lt"/>
+                <a:ea typeface="+mn-ea"/>
+                <a:cs typeface="+mn-cs"/>
+              </a:rPr>
+              <a:t>端口接收到的数据感兴趣。</a:t>
+            </a:r>
             <a:endParaRPr lang="zh-CN" altLang="en-US" dirty="0"/>
           </a:p>
         </p:txBody>
@@ -2525,7 +2526,7 @@
     </p:spTree>
     <p:extLst>
       <p:ext uri="{BB962C8B-B14F-4D97-AF65-F5344CB8AC3E}">
-        <p14:creationId xmlns:p14="http://schemas.microsoft.com/office/powerpoint/2010/main" val="735000720"/>
+        <p14:creationId xmlns:p14="http://schemas.microsoft.com/office/powerpoint/2010/main" val="3596274414"/>
       </p:ext>
     </p:extLst>
   </p:cSld>
@@ -2609,7 +2610,7 @@
     </p:spTree>
     <p:extLst>
       <p:ext uri="{BB962C8B-B14F-4D97-AF65-F5344CB8AC3E}">
-        <p14:creationId xmlns:p14="http://schemas.microsoft.com/office/powerpoint/2010/main" val="2804829032"/>
+        <p14:creationId xmlns:p14="http://schemas.microsoft.com/office/powerpoint/2010/main" val="735000720"/>
       </p:ext>
     </p:extLst>
   </p:cSld>
@@ -2685,6 +2686,90 @@
             <a:fld id="{7F489343-4191-49DA-9D85-6F731C7C87F7}" type="slidenum">
               <a:rPr lang="zh-CN" altLang="en-US" smtClean="0"/>
               <a:t>27</a:t>
+            </a:fld>
+            <a:endParaRPr lang="zh-CN" altLang="en-US"/>
+          </a:p>
+        </p:txBody>
+      </p:sp>
+    </p:spTree>
+    <p:extLst>
+      <p:ext uri="{BB962C8B-B14F-4D97-AF65-F5344CB8AC3E}">
+        <p14:creationId xmlns:p14="http://schemas.microsoft.com/office/powerpoint/2010/main" val="2804829032"/>
+      </p:ext>
+    </p:extLst>
+  </p:cSld>
+  <p:clrMapOvr>
+    <a:masterClrMapping/>
+  </p:clrMapOvr>
+</p:notes>
+</file>
+
+<file path=ppt/notesSlides/notesSlide23.xml><?xml version="1.0" encoding="utf-8"?>
+<p:notes xmlns:a="http://schemas.openxmlformats.org/drawingml/2006/main" xmlns:r="http://schemas.openxmlformats.org/officeDocument/2006/relationships" xmlns:p="http://schemas.openxmlformats.org/presentationml/2006/main">
+  <p:cSld>
+    <p:spTree>
+      <p:nvGrpSpPr>
+        <p:cNvPr id="1" name=""/>
+        <p:cNvGrpSpPr/>
+        <p:nvPr/>
+      </p:nvGrpSpPr>
+      <p:grpSpPr>
+        <a:xfrm>
+          <a:off x="0" y="0"/>
+          <a:ext cx="0" cy="0"/>
+          <a:chOff x="0" y="0"/>
+          <a:chExt cx="0" cy="0"/>
+        </a:xfrm>
+      </p:grpSpPr>
+      <p:sp>
+        <p:nvSpPr>
+          <p:cNvPr id="2" name="幻灯片图像占位符 1"/>
+          <p:cNvSpPr>
+            <a:spLocks noGrp="1" noRot="1" noChangeAspect="1"/>
+          </p:cNvSpPr>
+          <p:nvPr>
+            <p:ph type="sldImg"/>
+          </p:nvPr>
+        </p:nvSpPr>
+        <p:spPr/>
+      </p:sp>
+      <p:sp>
+        <p:nvSpPr>
+          <p:cNvPr id="3" name="备注占位符 2"/>
+          <p:cNvSpPr>
+            <a:spLocks noGrp="1"/>
+          </p:cNvSpPr>
+          <p:nvPr>
+            <p:ph type="body" idx="1"/>
+          </p:nvPr>
+        </p:nvSpPr>
+        <p:spPr/>
+        <p:txBody>
+          <a:bodyPr/>
+          <a:lstStyle/>
+          <a:p>
+            <a:endParaRPr lang="zh-CN" altLang="en-US" dirty="0"/>
+          </a:p>
+        </p:txBody>
+      </p:sp>
+      <p:sp>
+        <p:nvSpPr>
+          <p:cNvPr id="4" name="灯片编号占位符 3"/>
+          <p:cNvSpPr>
+            <a:spLocks noGrp="1"/>
+          </p:cNvSpPr>
+          <p:nvPr>
+            <p:ph type="sldNum" sz="quarter" idx="10"/>
+          </p:nvPr>
+        </p:nvSpPr>
+        <p:spPr/>
+        <p:txBody>
+          <a:bodyPr/>
+          <a:lstStyle/>
+          <a:p>
+            <a:fld id="{7F489343-4191-49DA-9D85-6F731C7C87F7}" type="slidenum">
+              <a:rPr lang="zh-CN" altLang="en-US" smtClean="0"/>
+              <a:t>28</a:t>
             </a:fld>
             <a:endParaRPr lang="zh-CN" altLang="en-US"/>
           </a:p>
@@ -7864,7 +7949,10 @@
               <a:rPr lang="en-US" altLang="zh-CN" dirty="0" err="1"/>
               <a:t>TestGen</a:t>
             </a:r>
-            <a:endParaRPr lang="zh-CN" altLang="en-US" dirty="0"/>
+            <a:r>
+              <a:rPr lang="zh-CN" altLang="en-US" dirty="0"/>
+              <a:t>分析和理解的难点</a:t>
+            </a:r>
           </a:p>
         </p:txBody>
       </p:sp>
@@ -7892,46 +7980,45 @@
           <a:lstStyle/>
           <a:p>
             <a:r>
-              <a:rPr lang="en-US" altLang="zh-CN" sz="3200" dirty="0" err="1"/>
-              <a:t>TestGen</a:t>
-            </a:r>
-            <a:r>
               <a:rPr lang="zh-CN" altLang="en-US" sz="3200" dirty="0"/>
-              <a:t>的任务是记录下来</a:t>
+              <a:t>限于篇幅，许多概念和细节，作者并没有真正阐释清楚</a:t>
+            </a:r>
+            <a:endParaRPr lang="en-US" altLang="zh-CN" sz="3200" dirty="0"/>
+          </a:p>
+          <a:p>
+            <a:r>
+              <a:rPr lang="zh-CN" altLang="en-US" sz="3200" dirty="0"/>
+              <a:t>杂乱的代码注释，复杂的函数调用关系，以及</a:t>
             </a:r>
             <a:r>
               <a:rPr lang="en-US" altLang="zh-CN" sz="3200" dirty="0"/>
-              <a:t>Analyzer</a:t>
+              <a:t>python</a:t>
             </a:r>
             <a:r>
               <a:rPr lang="zh-CN" altLang="en-US" sz="3200" dirty="0"/>
-              <a:t>输出的</a:t>
+              <a:t>本身欠缺类型声明</a:t>
+            </a:r>
+            <a:endParaRPr lang="en-US" altLang="zh-CN" sz="3200" dirty="0"/>
+          </a:p>
+          <a:p>
+            <a:r>
+              <a:rPr lang="zh-CN" altLang="en-US" sz="3200" dirty="0"/>
+              <a:t>没有其他相关的文献参考</a:t>
+            </a:r>
+            <a:endParaRPr lang="en-US" altLang="zh-CN" sz="3200" dirty="0"/>
+          </a:p>
+          <a:p>
+            <a:r>
+              <a:rPr lang="zh-CN" altLang="en-US" sz="3200" dirty="0"/>
+              <a:t>我们是唯一一组对</a:t>
             </a:r>
             <a:r>
               <a:rPr lang="en-US" altLang="zh-CN" sz="3200" dirty="0"/>
-              <a:t>Commutativity conditions</a:t>
+              <a:t>Commuter</a:t>
             </a:r>
             <a:r>
               <a:rPr lang="zh-CN" altLang="en-US" sz="3200" dirty="0"/>
-              <a:t>，并将其中的符号化变量实例化，然后生成实际的测试代码。</a:t>
-            </a:r>
-            <a:endParaRPr lang="en-US" altLang="zh-CN" sz="3200" dirty="0"/>
-          </a:p>
-          <a:p>
-            <a:r>
-              <a:rPr lang="en-US" altLang="zh-CN" sz="3200" dirty="0" err="1"/>
-              <a:t>TestGen</a:t>
-            </a:r>
-            <a:r>
-              <a:rPr lang="zh-CN" altLang="en-US" sz="3200" dirty="0"/>
-              <a:t>生成测试代码的目的就是寻找的潜在的系统调用实现的并行化问题。</a:t>
-            </a:r>
-            <a:endParaRPr lang="en-US" altLang="zh-CN" sz="3200" dirty="0"/>
-          </a:p>
-          <a:p>
-            <a:r>
-              <a:rPr lang="zh-CN" altLang="en-US" sz="3200" dirty="0"/>
-              <a:t>因此，我们需要构造一种合适的覆盖模式，使得我们的测试代码可以尽可能地找出可能的并行化问题。</a:t>
+              <a:t>工具进行分析和理解的小组，没有其他小组可以给予帮助</a:t>
             </a:r>
           </a:p>
         </p:txBody>
@@ -7939,7 +8026,7 @@
     </p:spTree>
     <p:extLst>
       <p:ext uri="{BB962C8B-B14F-4D97-AF65-F5344CB8AC3E}">
-        <p14:creationId xmlns:p14="http://schemas.microsoft.com/office/powerpoint/2010/main" val="258733318"/>
+        <p14:creationId xmlns:p14="http://schemas.microsoft.com/office/powerpoint/2010/main" val="4179389474"/>
       </p:ext>
     </p:extLst>
   </p:cSld>
@@ -7988,6 +8075,133 @@
           <a:lstStyle/>
           <a:p>
             <a:r>
+              <a:rPr lang="en-US" altLang="zh-CN" dirty="0" err="1"/>
+              <a:t>TestGen</a:t>
+            </a:r>
+            <a:endParaRPr lang="zh-CN" altLang="en-US" dirty="0"/>
+          </a:p>
+        </p:txBody>
+      </p:sp>
+      <p:sp>
+        <p:nvSpPr>
+          <p:cNvPr id="3" name="内容占位符 2">
+            <a:extLst>
+              <a:ext uri="{FF2B5EF4-FFF2-40B4-BE49-F238E27FC236}">
+                <a16:creationId xmlns:a16="http://schemas.microsoft.com/office/drawing/2014/main" id="{52E57387-6F0C-496C-9655-45DED2B76AB2}"/>
+              </a:ext>
+            </a:extLst>
+          </p:cNvPr>
+          <p:cNvSpPr>
+            <a:spLocks noGrp="1"/>
+          </p:cNvSpPr>
+          <p:nvPr>
+            <p:ph idx="1"/>
+          </p:nvPr>
+        </p:nvSpPr>
+        <p:spPr/>
+        <p:txBody>
+          <a:bodyPr>
+            <a:normAutofit/>
+          </a:bodyPr>
+          <a:lstStyle/>
+          <a:p>
+            <a:r>
+              <a:rPr lang="en-US" altLang="zh-CN" sz="3200" dirty="0" err="1"/>
+              <a:t>TestGen</a:t>
+            </a:r>
+            <a:r>
+              <a:rPr lang="zh-CN" altLang="en-US" sz="3200" dirty="0"/>
+              <a:t>的任务是记录下来</a:t>
+            </a:r>
+            <a:r>
+              <a:rPr lang="en-US" altLang="zh-CN" sz="3200" dirty="0"/>
+              <a:t>Analyzer</a:t>
+            </a:r>
+            <a:r>
+              <a:rPr lang="zh-CN" altLang="en-US" sz="3200" dirty="0"/>
+              <a:t>输出的</a:t>
+            </a:r>
+            <a:r>
+              <a:rPr lang="en-US" altLang="zh-CN" sz="3200" dirty="0"/>
+              <a:t>Commutativity conditions</a:t>
+            </a:r>
+            <a:r>
+              <a:rPr lang="zh-CN" altLang="en-US" sz="3200" dirty="0"/>
+              <a:t>，并将其中的符号化变量实例化，然后生成实际的测试代码。</a:t>
+            </a:r>
+            <a:endParaRPr lang="en-US" altLang="zh-CN" sz="3200" dirty="0"/>
+          </a:p>
+          <a:p>
+            <a:r>
+              <a:rPr lang="en-US" altLang="zh-CN" sz="3200" dirty="0" err="1"/>
+              <a:t>TestGen</a:t>
+            </a:r>
+            <a:r>
+              <a:rPr lang="zh-CN" altLang="en-US" sz="3200" dirty="0"/>
+              <a:t>生成测试代码的目的就是寻找的潜在的系统调用实现的并行化问题。</a:t>
+            </a:r>
+            <a:endParaRPr lang="en-US" altLang="zh-CN" sz="3200" dirty="0"/>
+          </a:p>
+          <a:p>
+            <a:r>
+              <a:rPr lang="zh-CN" altLang="en-US" sz="3200" dirty="0"/>
+              <a:t>因此，我们需要构造一种合适的覆盖模式，使得我们的测试代码可以尽可能地找出可能的并行化问题。</a:t>
+            </a:r>
+          </a:p>
+        </p:txBody>
+      </p:sp>
+    </p:spTree>
+    <p:extLst>
+      <p:ext uri="{BB962C8B-B14F-4D97-AF65-F5344CB8AC3E}">
+        <p14:creationId xmlns:p14="http://schemas.microsoft.com/office/powerpoint/2010/main" val="258733318"/>
+      </p:ext>
+    </p:extLst>
+  </p:cSld>
+  <p:clrMapOvr>
+    <a:masterClrMapping/>
+  </p:clrMapOvr>
+</p:sld>
+</file>
+
+<file path=ppt/slides/slide19.xml><?xml version="1.0" encoding="utf-8"?>
+<p:sld xmlns:a="http://schemas.openxmlformats.org/drawingml/2006/main" xmlns:r="http://schemas.openxmlformats.org/officeDocument/2006/relationships" xmlns:p="http://schemas.openxmlformats.org/presentationml/2006/main">
+  <p:cSld>
+    <p:spTree>
+      <p:nvGrpSpPr>
+        <p:cNvPr id="1" name=""/>
+        <p:cNvGrpSpPr/>
+        <p:nvPr/>
+      </p:nvGrpSpPr>
+      <p:grpSpPr>
+        <a:xfrm>
+          <a:off x="0" y="0"/>
+          <a:ext cx="0" cy="0"/>
+          <a:chOff x="0" y="0"/>
+          <a:chExt cx="0" cy="0"/>
+        </a:xfrm>
+      </p:grpSpPr>
+      <p:sp>
+        <p:nvSpPr>
+          <p:cNvPr id="2" name="标题 1">
+            <a:extLst>
+              <a:ext uri="{FF2B5EF4-FFF2-40B4-BE49-F238E27FC236}">
+                <a16:creationId xmlns:a16="http://schemas.microsoft.com/office/drawing/2014/main" id="{B7F27D61-C7B7-4164-82D0-4F7D56D360F4}"/>
+              </a:ext>
+            </a:extLst>
+          </p:cNvPr>
+          <p:cNvSpPr>
+            <a:spLocks noGrp="1"/>
+          </p:cNvSpPr>
+          <p:nvPr>
+            <p:ph type="title"/>
+          </p:nvPr>
+        </p:nvSpPr>
+        <p:spPr/>
+        <p:txBody>
+          <a:bodyPr/>
+          <a:lstStyle/>
+          <a:p>
+            <a:r>
               <a:rPr lang="en-US" altLang="zh-CN" dirty="0"/>
               <a:t>conflict coverage</a:t>
             </a:r>
@@ -8057,7 +8271,163 @@
 </p:sld>
 </file>
 
-<file path=ppt/slides/slide19.xml><?xml version="1.0" encoding="utf-8"?>
+<file path=ppt/slides/slide2.xml><?xml version="1.0" encoding="utf-8"?>
+<p:sld xmlns:a="http://schemas.openxmlformats.org/drawingml/2006/main" xmlns:r="http://schemas.openxmlformats.org/officeDocument/2006/relationships" xmlns:p="http://schemas.openxmlformats.org/presentationml/2006/main">
+  <p:cSld>
+    <p:spTree>
+      <p:nvGrpSpPr>
+        <p:cNvPr id="1" name=""/>
+        <p:cNvGrpSpPr/>
+        <p:nvPr/>
+      </p:nvGrpSpPr>
+      <p:grpSpPr>
+        <a:xfrm>
+          <a:off x="0" y="0"/>
+          <a:ext cx="0" cy="0"/>
+          <a:chOff x="0" y="0"/>
+          <a:chExt cx="0" cy="0"/>
+        </a:xfrm>
+      </p:grpSpPr>
+      <p:sp>
+        <p:nvSpPr>
+          <p:cNvPr id="2" name="标题 1">
+            <a:extLst>
+              <a:ext uri="{FF2B5EF4-FFF2-40B4-BE49-F238E27FC236}">
+                <a16:creationId xmlns:a16="http://schemas.microsoft.com/office/drawing/2014/main" id="{AF4A9058-0A99-4C34-9A1E-866444B016C5}"/>
+              </a:ext>
+            </a:extLst>
+          </p:cNvPr>
+          <p:cNvSpPr>
+            <a:spLocks noGrp="1"/>
+          </p:cNvSpPr>
+          <p:nvPr>
+            <p:ph type="title"/>
+          </p:nvPr>
+        </p:nvSpPr>
+        <p:spPr/>
+        <p:txBody>
+          <a:bodyPr>
+            <a:normAutofit/>
+          </a:bodyPr>
+          <a:lstStyle/>
+          <a:p>
+            <a:pPr algn="ctr"/>
+            <a:r>
+              <a:rPr lang="zh-CN" altLang="en-US" sz="4000" b="1" dirty="0">
+                <a:solidFill>
+                  <a:srgbClr val="11576A"/>
+                </a:solidFill>
+                <a:latin typeface="微软雅黑" pitchFamily="34" charset="-122"/>
+                <a:ea typeface="微软雅黑" pitchFamily="34" charset="-122"/>
+                <a:cs typeface="+mn-cs"/>
+              </a:rPr>
+              <a:t>报告流程</a:t>
+            </a:r>
+          </a:p>
+        </p:txBody>
+      </p:sp>
+      <p:sp>
+        <p:nvSpPr>
+          <p:cNvPr id="3" name="内容占位符 2">
+            <a:extLst>
+              <a:ext uri="{FF2B5EF4-FFF2-40B4-BE49-F238E27FC236}">
+                <a16:creationId xmlns:a16="http://schemas.microsoft.com/office/drawing/2014/main" id="{72743921-57C6-4090-84A9-CEC673734288}"/>
+              </a:ext>
+            </a:extLst>
+          </p:cNvPr>
+          <p:cNvSpPr>
+            <a:spLocks noGrp="1"/>
+          </p:cNvSpPr>
+          <p:nvPr>
+            <p:ph idx="1"/>
+          </p:nvPr>
+        </p:nvSpPr>
+        <p:spPr/>
+        <p:txBody>
+          <a:bodyPr>
+            <a:normAutofit/>
+          </a:bodyPr>
+          <a:lstStyle/>
+          <a:p>
+            <a:r>
+              <a:rPr lang="zh-CN" altLang="en-US" dirty="0"/>
+              <a:t>选题概述</a:t>
+            </a:r>
+            <a:endParaRPr lang="en-US" altLang="zh-CN" dirty="0"/>
+          </a:p>
+          <a:p>
+            <a:r>
+              <a:rPr lang="en-US" altLang="zh-CN" dirty="0"/>
+              <a:t>sv6</a:t>
+            </a:r>
+            <a:r>
+              <a:rPr lang="zh-CN" altLang="en-US" dirty="0"/>
+              <a:t>移植</a:t>
+            </a:r>
+            <a:endParaRPr lang="en-US" altLang="zh-CN" dirty="0"/>
+          </a:p>
+          <a:p>
+            <a:r>
+              <a:rPr lang="en-US" altLang="zh-CN" dirty="0"/>
+              <a:t>Commuter</a:t>
+            </a:r>
+            <a:r>
+              <a:rPr lang="zh-CN" altLang="en-US" dirty="0"/>
+              <a:t>分析与理解</a:t>
+            </a:r>
+            <a:endParaRPr lang="en-US" altLang="zh-CN" dirty="0"/>
+          </a:p>
+          <a:p>
+            <a:r>
+              <a:rPr lang="zh-CN" altLang="en-US" dirty="0"/>
+              <a:t>基于</a:t>
+            </a:r>
+            <a:r>
+              <a:rPr lang="en-US" altLang="zh-CN" dirty="0"/>
+              <a:t>Commuter</a:t>
+            </a:r>
+            <a:r>
+              <a:rPr lang="zh-CN" altLang="en-US" dirty="0"/>
+              <a:t>对</a:t>
+            </a:r>
+            <a:r>
+              <a:rPr lang="en-US" altLang="zh-CN" dirty="0"/>
+              <a:t>POSIX socket API</a:t>
+            </a:r>
+            <a:r>
+              <a:rPr lang="zh-CN" altLang="en-US" dirty="0"/>
+              <a:t>建模</a:t>
+            </a:r>
+            <a:endParaRPr lang="en-US" altLang="zh-CN" dirty="0"/>
+          </a:p>
+          <a:p>
+            <a:r>
+              <a:rPr lang="zh-CN" altLang="en-US" sz="3600" b="1" dirty="0">
+                <a:solidFill>
+                  <a:srgbClr val="11576A"/>
+                </a:solidFill>
+                <a:latin typeface="微软雅黑" pitchFamily="34" charset="-122"/>
+                <a:ea typeface="微软雅黑" pitchFamily="34" charset="-122"/>
+              </a:rPr>
+              <a:t>实验收获</a:t>
+            </a:r>
+          </a:p>
+        </p:txBody>
+      </p:sp>
+    </p:spTree>
+    <p:extLst>
+      <p:ext uri="{BB962C8B-B14F-4D97-AF65-F5344CB8AC3E}">
+        <p14:creationId xmlns:p14="http://schemas.microsoft.com/office/powerpoint/2010/main" val="4292578268"/>
+      </p:ext>
+    </p:extLst>
+  </p:cSld>
+  <p:clrMapOvr>
+    <a:masterClrMapping/>
+  </p:clrMapOvr>
+</p:sld>
+</file>
+
+<file path=ppt/slides/slide20.xml><?xml version="1.0" encoding="utf-8"?>
 <p:sld xmlns:a="http://schemas.openxmlformats.org/drawingml/2006/main" xmlns:r="http://schemas.openxmlformats.org/officeDocument/2006/relationships" xmlns:p="http://schemas.openxmlformats.org/presentationml/2006/main">
   <p:cSld>
     <p:spTree>
@@ -8151,7 +8521,7 @@
 </p:sld>
 </file>
 
-<file path=ppt/slides/slide2.xml><?xml version="1.0" encoding="utf-8"?>
+<file path=ppt/slides/slide21.xml><?xml version="1.0" encoding="utf-8"?>
 <p:sld xmlns:a="http://schemas.openxmlformats.org/drawingml/2006/main" xmlns:r="http://schemas.openxmlformats.org/officeDocument/2006/relationships" xmlns:p="http://schemas.openxmlformats.org/presentationml/2006/main">
   <p:cSld>
     <p:spTree>
@@ -8173,162 +8543,6 @@
           <p:cNvPr id="2" name="标题 1">
             <a:extLst>
               <a:ext uri="{FF2B5EF4-FFF2-40B4-BE49-F238E27FC236}">
-                <a16:creationId xmlns:a16="http://schemas.microsoft.com/office/drawing/2014/main" id="{AF4A9058-0A99-4C34-9A1E-866444B016C5}"/>
-              </a:ext>
-            </a:extLst>
-          </p:cNvPr>
-          <p:cNvSpPr>
-            <a:spLocks noGrp="1"/>
-          </p:cNvSpPr>
-          <p:nvPr>
-            <p:ph type="title"/>
-          </p:nvPr>
-        </p:nvSpPr>
-        <p:spPr/>
-        <p:txBody>
-          <a:bodyPr>
-            <a:normAutofit/>
-          </a:bodyPr>
-          <a:lstStyle/>
-          <a:p>
-            <a:pPr algn="ctr"/>
-            <a:r>
-              <a:rPr lang="zh-CN" altLang="en-US" sz="4000" b="1" dirty="0">
-                <a:solidFill>
-                  <a:srgbClr val="11576A"/>
-                </a:solidFill>
-                <a:latin typeface="微软雅黑" pitchFamily="34" charset="-122"/>
-                <a:ea typeface="微软雅黑" pitchFamily="34" charset="-122"/>
-                <a:cs typeface="+mn-cs"/>
-              </a:rPr>
-              <a:t>报告流程</a:t>
-            </a:r>
-          </a:p>
-        </p:txBody>
-      </p:sp>
-      <p:sp>
-        <p:nvSpPr>
-          <p:cNvPr id="3" name="内容占位符 2">
-            <a:extLst>
-              <a:ext uri="{FF2B5EF4-FFF2-40B4-BE49-F238E27FC236}">
-                <a16:creationId xmlns:a16="http://schemas.microsoft.com/office/drawing/2014/main" id="{72743921-57C6-4090-84A9-CEC673734288}"/>
-              </a:ext>
-            </a:extLst>
-          </p:cNvPr>
-          <p:cNvSpPr>
-            <a:spLocks noGrp="1"/>
-          </p:cNvSpPr>
-          <p:nvPr>
-            <p:ph idx="1"/>
-          </p:nvPr>
-        </p:nvSpPr>
-        <p:spPr/>
-        <p:txBody>
-          <a:bodyPr>
-            <a:normAutofit/>
-          </a:bodyPr>
-          <a:lstStyle/>
-          <a:p>
-            <a:r>
-              <a:rPr lang="zh-CN" altLang="en-US" dirty="0"/>
-              <a:t>选题概述</a:t>
-            </a:r>
-            <a:endParaRPr lang="en-US" altLang="zh-CN" dirty="0"/>
-          </a:p>
-          <a:p>
-            <a:r>
-              <a:rPr lang="en-US" altLang="zh-CN" dirty="0"/>
-              <a:t>sv6</a:t>
-            </a:r>
-            <a:r>
-              <a:rPr lang="zh-CN" altLang="en-US" dirty="0"/>
-              <a:t>移植</a:t>
-            </a:r>
-            <a:endParaRPr lang="en-US" altLang="zh-CN" dirty="0"/>
-          </a:p>
-          <a:p>
-            <a:r>
-              <a:rPr lang="en-US" altLang="zh-CN" dirty="0"/>
-              <a:t>Commuter</a:t>
-            </a:r>
-            <a:r>
-              <a:rPr lang="zh-CN" altLang="en-US" dirty="0"/>
-              <a:t>分析与理解</a:t>
-            </a:r>
-            <a:endParaRPr lang="en-US" altLang="zh-CN" dirty="0"/>
-          </a:p>
-          <a:p>
-            <a:r>
-              <a:rPr lang="zh-CN" altLang="en-US" dirty="0"/>
-              <a:t>基于</a:t>
-            </a:r>
-            <a:r>
-              <a:rPr lang="en-US" altLang="zh-CN" dirty="0"/>
-              <a:t>Commuter</a:t>
-            </a:r>
-            <a:r>
-              <a:rPr lang="zh-CN" altLang="en-US" dirty="0"/>
-              <a:t>对</a:t>
-            </a:r>
-            <a:r>
-              <a:rPr lang="en-US" altLang="zh-CN" dirty="0"/>
-              <a:t>POSIX socket API</a:t>
-            </a:r>
-            <a:r>
-              <a:rPr lang="zh-CN" altLang="en-US" dirty="0"/>
-              <a:t>建模</a:t>
-            </a:r>
-            <a:endParaRPr lang="en-US" altLang="zh-CN" dirty="0"/>
-          </a:p>
-          <a:p>
-            <a:r>
-              <a:rPr lang="zh-CN" altLang="en-US" sz="3600" b="1" dirty="0">
-                <a:solidFill>
-                  <a:srgbClr val="11576A"/>
-                </a:solidFill>
-                <a:latin typeface="微软雅黑" pitchFamily="34" charset="-122"/>
-                <a:ea typeface="微软雅黑" pitchFamily="34" charset="-122"/>
-              </a:rPr>
-              <a:t>实验收获</a:t>
-            </a:r>
-          </a:p>
-        </p:txBody>
-      </p:sp>
-    </p:spTree>
-    <p:extLst>
-      <p:ext uri="{BB962C8B-B14F-4D97-AF65-F5344CB8AC3E}">
-        <p14:creationId xmlns:p14="http://schemas.microsoft.com/office/powerpoint/2010/main" val="4292578268"/>
-      </p:ext>
-    </p:extLst>
-  </p:cSld>
-  <p:clrMapOvr>
-    <a:masterClrMapping/>
-  </p:clrMapOvr>
-</p:sld>
-</file>
-
-<file path=ppt/slides/slide20.xml><?xml version="1.0" encoding="utf-8"?>
-<p:sld xmlns:a="http://schemas.openxmlformats.org/drawingml/2006/main" xmlns:r="http://schemas.openxmlformats.org/officeDocument/2006/relationships" xmlns:p="http://schemas.openxmlformats.org/presentationml/2006/main">
-  <p:cSld>
-    <p:spTree>
-      <p:nvGrpSpPr>
-        <p:cNvPr id="1" name=""/>
-        <p:cNvGrpSpPr/>
-        <p:nvPr/>
-      </p:nvGrpSpPr>
-      <p:grpSpPr>
-        <a:xfrm>
-          <a:off x="0" y="0"/>
-          <a:ext cx="0" cy="0"/>
-          <a:chOff x="0" y="0"/>
-          <a:chExt cx="0" cy="0"/>
-        </a:xfrm>
-      </p:grpSpPr>
-      <p:sp>
-        <p:nvSpPr>
-          <p:cNvPr id="2" name="标题 1">
-            <a:extLst>
-              <a:ext uri="{FF2B5EF4-FFF2-40B4-BE49-F238E27FC236}">
                 <a16:creationId xmlns:a16="http://schemas.microsoft.com/office/drawing/2014/main" id="{B7F27D61-C7B7-4164-82D0-4F7D56D360F4}"/>
               </a:ext>
             </a:extLst>
@@ -8410,7 +8624,7 @@
 </p:sld>
 </file>
 
-<file path=ppt/slides/slide21.xml><?xml version="1.0" encoding="utf-8"?>
+<file path=ppt/slides/slide22.xml><?xml version="1.0" encoding="utf-8"?>
 <p:sld xmlns:a="http://schemas.openxmlformats.org/drawingml/2006/main" xmlns:r="http://schemas.openxmlformats.org/officeDocument/2006/relationships" xmlns:p="http://schemas.openxmlformats.org/presentationml/2006/main">
   <p:cSld>
     <p:spTree>
@@ -8500,123 +8714,6 @@
 </p:sld>
 </file>
 
-<file path=ppt/slides/slide22.xml><?xml version="1.0" encoding="utf-8"?>
-<p:sld xmlns:a="http://schemas.openxmlformats.org/drawingml/2006/main" xmlns:r="http://schemas.openxmlformats.org/officeDocument/2006/relationships" xmlns:p="http://schemas.openxmlformats.org/presentationml/2006/main">
-  <p:cSld>
-    <p:spTree>
-      <p:nvGrpSpPr>
-        <p:cNvPr id="1" name=""/>
-        <p:cNvGrpSpPr/>
-        <p:nvPr/>
-      </p:nvGrpSpPr>
-      <p:grpSpPr>
-        <a:xfrm>
-          <a:off x="0" y="0"/>
-          <a:ext cx="0" cy="0"/>
-          <a:chOff x="0" y="0"/>
-          <a:chExt cx="0" cy="0"/>
-        </a:xfrm>
-      </p:grpSpPr>
-      <p:sp>
-        <p:nvSpPr>
-          <p:cNvPr id="2" name="标题 1">
-            <a:extLst>
-              <a:ext uri="{FF2B5EF4-FFF2-40B4-BE49-F238E27FC236}">
-                <a16:creationId xmlns:a16="http://schemas.microsoft.com/office/drawing/2014/main" id="{B7F27D61-C7B7-4164-82D0-4F7D56D360F4}"/>
-              </a:ext>
-            </a:extLst>
-          </p:cNvPr>
-          <p:cNvSpPr>
-            <a:spLocks noGrp="1"/>
-          </p:cNvSpPr>
-          <p:nvPr>
-            <p:ph type="title"/>
-          </p:nvPr>
-        </p:nvSpPr>
-        <p:spPr/>
-        <p:txBody>
-          <a:bodyPr/>
-          <a:lstStyle/>
-          <a:p>
-            <a:r>
-              <a:rPr lang="en-US" altLang="zh-CN" dirty="0" err="1"/>
-              <a:t>MTrace</a:t>
-            </a:r>
-            <a:endParaRPr lang="zh-CN" altLang="en-US" dirty="0"/>
-          </a:p>
-        </p:txBody>
-      </p:sp>
-      <p:sp>
-        <p:nvSpPr>
-          <p:cNvPr id="3" name="内容占位符 2">
-            <a:extLst>
-              <a:ext uri="{FF2B5EF4-FFF2-40B4-BE49-F238E27FC236}">
-                <a16:creationId xmlns:a16="http://schemas.microsoft.com/office/drawing/2014/main" id="{52E57387-6F0C-496C-9655-45DED2B76AB2}"/>
-              </a:ext>
-            </a:extLst>
-          </p:cNvPr>
-          <p:cNvSpPr>
-            <a:spLocks noGrp="1"/>
-          </p:cNvSpPr>
-          <p:nvPr>
-            <p:ph idx="1"/>
-          </p:nvPr>
-        </p:nvSpPr>
-        <p:spPr/>
-        <p:txBody>
-          <a:bodyPr>
-            <a:normAutofit/>
-          </a:bodyPr>
-          <a:lstStyle/>
-          <a:p>
-            <a:r>
-              <a:rPr lang="en-US" altLang="zh-CN" sz="3200" dirty="0" err="1"/>
-              <a:t>MTrace</a:t>
-            </a:r>
-            <a:r>
-              <a:rPr lang="zh-CN" altLang="en-US" sz="3200" dirty="0"/>
-              <a:t>的功能是运行</a:t>
-            </a:r>
-            <a:r>
-              <a:rPr lang="en-US" altLang="zh-CN" sz="3200" dirty="0" err="1"/>
-              <a:t>TestGen</a:t>
-            </a:r>
-            <a:r>
-              <a:rPr lang="zh-CN" altLang="en-US" sz="3200" dirty="0"/>
-              <a:t>的测试代码，</a:t>
-            </a:r>
-            <a:r>
-              <a:rPr lang="en-US" altLang="zh-CN" sz="3200" dirty="0" err="1"/>
-              <a:t>MTrace</a:t>
-            </a:r>
-            <a:r>
-              <a:rPr lang="zh-CN" altLang="en-US" sz="3200" dirty="0"/>
-              <a:t>会查看每个测试代码是否会有访问冲突。通过</a:t>
-            </a:r>
-            <a:r>
-              <a:rPr lang="en-US" altLang="zh-CN" sz="3200" dirty="0" err="1"/>
-              <a:t>MTrace</a:t>
-            </a:r>
-            <a:r>
-              <a:rPr lang="zh-CN" altLang="en-US" sz="3200" dirty="0"/>
-              <a:t>，开发者可以利用这些测试代码来寻找并修正代码中的并行性问题。</a:t>
-            </a:r>
-          </a:p>
-        </p:txBody>
-      </p:sp>
-    </p:spTree>
-    <p:extLst>
-      <p:ext uri="{BB962C8B-B14F-4D97-AF65-F5344CB8AC3E}">
-        <p14:creationId xmlns:p14="http://schemas.microsoft.com/office/powerpoint/2010/main" val="1329139863"/>
-      </p:ext>
-    </p:extLst>
-  </p:cSld>
-  <p:clrMapOvr>
-    <a:masterClrMapping/>
-  </p:clrMapOvr>
-</p:sld>
-</file>
-
 <file path=ppt/slides/slide23.xml><?xml version="1.0" encoding="utf-8"?>
 <p:sld xmlns:a="http://schemas.openxmlformats.org/drawingml/2006/main" xmlns:r="http://schemas.openxmlformats.org/officeDocument/2006/relationships" xmlns:p="http://schemas.openxmlformats.org/presentationml/2006/main">
   <p:cSld>
@@ -8639,7 +8736,7 @@
           <p:cNvPr id="2" name="标题 1">
             <a:extLst>
               <a:ext uri="{FF2B5EF4-FFF2-40B4-BE49-F238E27FC236}">
-                <a16:creationId xmlns:a16="http://schemas.microsoft.com/office/drawing/2014/main" id="{BAEAB90C-1C1D-4D2A-A666-BD11484D8E8C}"/>
+                <a16:creationId xmlns:a16="http://schemas.microsoft.com/office/drawing/2014/main" id="{B7F27D61-C7B7-4164-82D0-4F7D56D360F4}"/>
               </a:ext>
             </a:extLst>
           </p:cNvPr>
@@ -8652,102 +8749,79 @@
         </p:nvSpPr>
         <p:spPr/>
         <p:txBody>
+          <a:bodyPr/>
+          <a:lstStyle/>
+          <a:p>
+            <a:r>
+              <a:rPr lang="en-US" altLang="zh-CN" dirty="0" err="1"/>
+              <a:t>MTrace</a:t>
+            </a:r>
+            <a:endParaRPr lang="zh-CN" altLang="en-US" dirty="0"/>
+          </a:p>
+        </p:txBody>
+      </p:sp>
+      <p:sp>
+        <p:nvSpPr>
+          <p:cNvPr id="3" name="内容占位符 2">
+            <a:extLst>
+              <a:ext uri="{FF2B5EF4-FFF2-40B4-BE49-F238E27FC236}">
+                <a16:creationId xmlns:a16="http://schemas.microsoft.com/office/drawing/2014/main" id="{52E57387-6F0C-496C-9655-45DED2B76AB2}"/>
+              </a:ext>
+            </a:extLst>
+          </p:cNvPr>
+          <p:cNvSpPr>
+            <a:spLocks noGrp="1"/>
+          </p:cNvSpPr>
+          <p:nvPr>
+            <p:ph idx="1"/>
+          </p:nvPr>
+        </p:nvSpPr>
+        <p:spPr/>
+        <p:txBody>
           <a:bodyPr>
             <a:normAutofit/>
           </a:bodyPr>
           <a:lstStyle/>
           <a:p>
             <a:r>
-              <a:rPr lang="zh-CN" altLang="en-US" b="1" dirty="0">
-                <a:solidFill>
-                  <a:srgbClr val="11576A"/>
-                </a:solidFill>
-                <a:latin typeface="微软雅黑" pitchFamily="34" charset="-122"/>
-                <a:ea typeface="微软雅黑" pitchFamily="34" charset="-122"/>
-                <a:cs typeface="+mn-cs"/>
-              </a:rPr>
-              <a:t>基于</a:t>
-            </a:r>
-            <a:r>
-              <a:rPr lang="en-US" altLang="zh-CN" b="1" dirty="0">
-                <a:solidFill>
-                  <a:srgbClr val="11576A"/>
-                </a:solidFill>
-                <a:latin typeface="微软雅黑" pitchFamily="34" charset="-122"/>
-                <a:ea typeface="微软雅黑" pitchFamily="34" charset="-122"/>
-                <a:cs typeface="+mn-cs"/>
-              </a:rPr>
-              <a:t>Commuter</a:t>
-            </a:r>
-            <a:r>
-              <a:rPr lang="zh-CN" altLang="en-US" b="1" dirty="0">
-                <a:solidFill>
-                  <a:srgbClr val="11576A"/>
-                </a:solidFill>
-                <a:latin typeface="微软雅黑" pitchFamily="34" charset="-122"/>
-                <a:ea typeface="微软雅黑" pitchFamily="34" charset="-122"/>
-                <a:cs typeface="+mn-cs"/>
-              </a:rPr>
-              <a:t>对</a:t>
-            </a:r>
-            <a:r>
-              <a:rPr lang="en-US" altLang="zh-CN" b="1" dirty="0">
-                <a:solidFill>
-                  <a:srgbClr val="11576A"/>
-                </a:solidFill>
-                <a:latin typeface="微软雅黑" pitchFamily="34" charset="-122"/>
-                <a:ea typeface="微软雅黑" pitchFamily="34" charset="-122"/>
-                <a:cs typeface="+mn-cs"/>
-              </a:rPr>
-              <a:t>POSIX socket API</a:t>
-            </a:r>
-            <a:r>
-              <a:rPr lang="zh-CN" altLang="en-US" b="1" dirty="0">
-                <a:solidFill>
-                  <a:srgbClr val="11576A"/>
-                </a:solidFill>
-                <a:latin typeface="微软雅黑" pitchFamily="34" charset="-122"/>
-                <a:ea typeface="微软雅黑" pitchFamily="34" charset="-122"/>
-                <a:cs typeface="+mn-cs"/>
-              </a:rPr>
-              <a:t>建模</a:t>
-            </a:r>
-            <a:endParaRPr lang="zh-CN" altLang="en-US" b="1" dirty="0">
-              <a:latin typeface="微软雅黑" panose="020B0503020204020204" pitchFamily="34" charset="-122"/>
-              <a:ea typeface="微软雅黑" panose="020B0503020204020204" pitchFamily="34" charset="-122"/>
-            </a:endParaRPr>
-          </a:p>
-        </p:txBody>
-      </p:sp>
-      <p:sp>
-        <p:nvSpPr>
-          <p:cNvPr id="3" name="文本占位符 2">
-            <a:extLst>
-              <a:ext uri="{FF2B5EF4-FFF2-40B4-BE49-F238E27FC236}">
-                <a16:creationId xmlns:a16="http://schemas.microsoft.com/office/drawing/2014/main" id="{33453BAE-5B56-48B1-823D-D06712952257}"/>
-              </a:ext>
-            </a:extLst>
-          </p:cNvPr>
-          <p:cNvSpPr>
-            <a:spLocks noGrp="1"/>
-          </p:cNvSpPr>
-          <p:nvPr>
-            <p:ph type="body" idx="1"/>
-          </p:nvPr>
-        </p:nvSpPr>
-        <p:spPr/>
-        <p:txBody>
-          <a:bodyPr/>
-          <a:lstStyle/>
-          <a:p>
-            <a:endParaRPr lang="zh-CN" altLang="en-US"/>
+              <a:rPr lang="en-US" altLang="zh-CN" sz="3200" dirty="0" err="1"/>
+              <a:t>MTrace</a:t>
+            </a:r>
+            <a:r>
+              <a:rPr lang="zh-CN" altLang="en-US" sz="3200" dirty="0"/>
+              <a:t>的功能是运行</a:t>
+            </a:r>
+            <a:r>
+              <a:rPr lang="en-US" altLang="zh-CN" sz="3200" dirty="0" err="1"/>
+              <a:t>TestGen</a:t>
+            </a:r>
+            <a:r>
+              <a:rPr lang="zh-CN" altLang="en-US" sz="3200" dirty="0"/>
+              <a:t>的测试代码，</a:t>
+            </a:r>
+            <a:r>
+              <a:rPr lang="en-US" altLang="zh-CN" sz="3200" dirty="0" err="1"/>
+              <a:t>MTrace</a:t>
+            </a:r>
+            <a:r>
+              <a:rPr lang="zh-CN" altLang="en-US" sz="3200" dirty="0"/>
+              <a:t>会查看每个测试代码是否会有访问冲突。通过</a:t>
+            </a:r>
+            <a:r>
+              <a:rPr lang="en-US" altLang="zh-CN" sz="3200" dirty="0" err="1"/>
+              <a:t>MTrace</a:t>
+            </a:r>
+            <a:r>
+              <a:rPr lang="zh-CN" altLang="en-US" sz="3200" dirty="0"/>
+              <a:t>，开发者可以利用这些测试代码来寻找并修正代码中的并行性问题。</a:t>
+            </a:r>
           </a:p>
         </p:txBody>
       </p:sp>
     </p:spTree>
     <p:extLst>
       <p:ext uri="{BB962C8B-B14F-4D97-AF65-F5344CB8AC3E}">
-        <p14:creationId xmlns:p14="http://schemas.microsoft.com/office/powerpoint/2010/main" val="4022041270"/>
+        <p14:creationId xmlns:p14="http://schemas.microsoft.com/office/powerpoint/2010/main" val="1329139863"/>
       </p:ext>
     </p:extLst>
   </p:cSld>
@@ -8779,7 +8853,7 @@
           <p:cNvPr id="2" name="标题 1">
             <a:extLst>
               <a:ext uri="{FF2B5EF4-FFF2-40B4-BE49-F238E27FC236}">
-                <a16:creationId xmlns:a16="http://schemas.microsoft.com/office/drawing/2014/main" id="{B7F27D61-C7B7-4164-82D0-4F7D56D360F4}"/>
+                <a16:creationId xmlns:a16="http://schemas.microsoft.com/office/drawing/2014/main" id="{BAEAB90C-1C1D-4D2A-A666-BD11484D8E8C}"/>
               </a:ext>
             </a:extLst>
           </p:cNvPr>
@@ -8792,26 +8866,79 @@
         </p:nvSpPr>
         <p:spPr/>
         <p:txBody>
-          <a:bodyPr/>
-          <a:lstStyle/>
-          <a:p>
-            <a:r>
-              <a:rPr lang="en-US" altLang="zh-CN" dirty="0"/>
-              <a:t>socket</a:t>
-            </a:r>
-            <a:r>
-              <a:rPr lang="zh-CN" altLang="en-US" dirty="0"/>
-              <a:t>总体设计</a:t>
-            </a:r>
-          </a:p>
-        </p:txBody>
-      </p:sp>
-      <p:sp>
-        <p:nvSpPr>
-          <p:cNvPr id="3" name="内容占位符 2">
+          <a:bodyPr>
+            <a:normAutofit/>
+          </a:bodyPr>
+          <a:lstStyle/>
+          <a:p>
+            <a:r>
+              <a:rPr lang="zh-CN" altLang="en-US" b="1" dirty="0">
+                <a:solidFill>
+                  <a:srgbClr val="11576A"/>
+                </a:solidFill>
+                <a:latin typeface="微软雅黑" pitchFamily="34" charset="-122"/>
+                <a:ea typeface="微软雅黑" pitchFamily="34" charset="-122"/>
+                <a:cs typeface="+mn-cs"/>
+              </a:rPr>
+              <a:t>基于</a:t>
+            </a:r>
+            <a:r>
+              <a:rPr lang="en-US" altLang="zh-CN" b="1" dirty="0">
+                <a:solidFill>
+                  <a:srgbClr val="11576A"/>
+                </a:solidFill>
+                <a:latin typeface="微软雅黑" pitchFamily="34" charset="-122"/>
+                <a:ea typeface="微软雅黑" pitchFamily="34" charset="-122"/>
+                <a:cs typeface="+mn-cs"/>
+              </a:rPr>
+              <a:t>Commuter</a:t>
+            </a:r>
+            <a:r>
+              <a:rPr lang="zh-CN" altLang="en-US" b="1" dirty="0">
+                <a:solidFill>
+                  <a:srgbClr val="11576A"/>
+                </a:solidFill>
+                <a:latin typeface="微软雅黑" pitchFamily="34" charset="-122"/>
+                <a:ea typeface="微软雅黑" pitchFamily="34" charset="-122"/>
+                <a:cs typeface="+mn-cs"/>
+              </a:rPr>
+              <a:t>对</a:t>
+            </a:r>
+            <a:r>
+              <a:rPr lang="en-US" altLang="zh-CN" b="1" dirty="0">
+                <a:solidFill>
+                  <a:srgbClr val="11576A"/>
+                </a:solidFill>
+                <a:latin typeface="微软雅黑" pitchFamily="34" charset="-122"/>
+                <a:ea typeface="微软雅黑" pitchFamily="34" charset="-122"/>
+                <a:cs typeface="+mn-cs"/>
+              </a:rPr>
+              <a:t>POSIX socket API</a:t>
+            </a:r>
+            <a:r>
+              <a:rPr lang="zh-CN" altLang="en-US" b="1" dirty="0">
+                <a:solidFill>
+                  <a:srgbClr val="11576A"/>
+                </a:solidFill>
+                <a:latin typeface="微软雅黑" pitchFamily="34" charset="-122"/>
+                <a:ea typeface="微软雅黑" pitchFamily="34" charset="-122"/>
+                <a:cs typeface="+mn-cs"/>
+              </a:rPr>
+              <a:t>建模</a:t>
+            </a:r>
+            <a:endParaRPr lang="zh-CN" altLang="en-US" b="1" dirty="0">
+              <a:latin typeface="微软雅黑" panose="020B0503020204020204" pitchFamily="34" charset="-122"/>
+              <a:ea typeface="微软雅黑" panose="020B0503020204020204" pitchFamily="34" charset="-122"/>
+            </a:endParaRPr>
+          </a:p>
+        </p:txBody>
+      </p:sp>
+      <p:sp>
+        <p:nvSpPr>
+          <p:cNvPr id="3" name="文本占位符 2">
             <a:extLst>
               <a:ext uri="{FF2B5EF4-FFF2-40B4-BE49-F238E27FC236}">
-                <a16:creationId xmlns:a16="http://schemas.microsoft.com/office/drawing/2014/main" id="{52E57387-6F0C-496C-9655-45DED2B76AB2}"/>
+                <a16:creationId xmlns:a16="http://schemas.microsoft.com/office/drawing/2014/main" id="{33453BAE-5B56-48B1-823D-D06712952257}"/>
               </a:ext>
             </a:extLst>
           </p:cNvPr>
@@ -8819,123 +8946,22 @@
             <a:spLocks noGrp="1"/>
           </p:cNvSpPr>
           <p:nvPr>
-            <p:ph idx="1"/>
-          </p:nvPr>
-        </p:nvSpPr>
-        <p:spPr/>
-        <p:txBody>
-          <a:bodyPr>
-            <a:normAutofit/>
-          </a:bodyPr>
-          <a:lstStyle/>
-          <a:p>
-            <a:r>
-              <a:rPr lang="zh-CN" altLang="en-US" sz="3200" dirty="0"/>
-              <a:t>考虑到</a:t>
-            </a:r>
-            <a:r>
-              <a:rPr lang="en-US" altLang="zh-CN" sz="3200" dirty="0" err="1"/>
-              <a:t>tcp</a:t>
-            </a:r>
-            <a:r>
-              <a:rPr lang="zh-CN" altLang="en-US" sz="3200" dirty="0"/>
-              <a:t>的协议状态机太过于复杂，我们选择了对无连接不可靠的</a:t>
-            </a:r>
-            <a:r>
-              <a:rPr lang="en-US" altLang="zh-CN" sz="3200" dirty="0" err="1"/>
-              <a:t>udp</a:t>
-            </a:r>
-            <a:r>
-              <a:rPr lang="zh-CN" altLang="en-US" sz="3200" dirty="0"/>
-              <a:t>进行建模，主要建模的系统调用有</a:t>
-            </a:r>
-            <a:r>
-              <a:rPr lang="en-US" altLang="zh-CN" sz="3200" dirty="0"/>
-              <a:t>9</a:t>
-            </a:r>
-            <a:r>
-              <a:rPr lang="zh-CN" altLang="en-US" sz="3200" dirty="0"/>
-              <a:t>个，分别是：</a:t>
-            </a:r>
-            <a:r>
-              <a:rPr lang="en-US" altLang="zh-CN" sz="3200" dirty="0"/>
-              <a:t>socket</a:t>
-            </a:r>
-            <a:r>
-              <a:rPr lang="zh-CN" altLang="en-US" sz="3200" dirty="0"/>
-              <a:t>，</a:t>
-            </a:r>
-            <a:r>
-              <a:rPr lang="en-US" altLang="zh-CN" sz="3200" dirty="0"/>
-              <a:t>read</a:t>
-            </a:r>
-            <a:r>
-              <a:rPr lang="zh-CN" altLang="en-US" sz="3200" dirty="0"/>
-              <a:t>，</a:t>
-            </a:r>
-            <a:r>
-              <a:rPr lang="en-US" altLang="zh-CN" sz="3200" dirty="0"/>
-              <a:t>write</a:t>
-            </a:r>
-            <a:r>
-              <a:rPr lang="zh-CN" altLang="en-US" sz="3200" dirty="0"/>
-              <a:t>，</a:t>
-            </a:r>
-            <a:r>
-              <a:rPr lang="en-US" altLang="zh-CN" sz="3200" dirty="0"/>
-              <a:t>connect</a:t>
-            </a:r>
-            <a:r>
-              <a:rPr lang="zh-CN" altLang="en-US" sz="3200" dirty="0"/>
-              <a:t>，</a:t>
-            </a:r>
-            <a:r>
-              <a:rPr lang="en-US" altLang="zh-CN" sz="3200" dirty="0"/>
-              <a:t>bind</a:t>
-            </a:r>
-            <a:r>
-              <a:rPr lang="zh-CN" altLang="en-US" sz="3200" dirty="0"/>
-              <a:t>，</a:t>
-            </a:r>
-            <a:r>
-              <a:rPr lang="en-US" altLang="zh-CN" sz="3200" dirty="0"/>
-              <a:t>listen</a:t>
-            </a:r>
-            <a:r>
-              <a:rPr lang="zh-CN" altLang="en-US" sz="3200" dirty="0"/>
-              <a:t>，</a:t>
-            </a:r>
-            <a:r>
-              <a:rPr lang="en-US" altLang="zh-CN" sz="3200" dirty="0"/>
-              <a:t>accept</a:t>
-            </a:r>
-            <a:r>
-              <a:rPr lang="zh-CN" altLang="en-US" sz="3200" dirty="0"/>
-              <a:t>，</a:t>
-            </a:r>
-            <a:r>
-              <a:rPr lang="en-US" altLang="zh-CN" sz="3200" dirty="0"/>
-              <a:t>shutdown</a:t>
-            </a:r>
-            <a:r>
-              <a:rPr lang="zh-CN" altLang="en-US" sz="3200" dirty="0"/>
-              <a:t>以及</a:t>
-            </a:r>
-            <a:r>
-              <a:rPr lang="en-US" altLang="zh-CN" sz="3200" dirty="0"/>
-              <a:t>close</a:t>
-            </a:r>
-            <a:r>
-              <a:rPr lang="zh-CN" altLang="en-US" sz="3200" dirty="0"/>
-              <a:t>。</a:t>
-            </a:r>
+            <p:ph type="body" idx="1"/>
+          </p:nvPr>
+        </p:nvSpPr>
+        <p:spPr/>
+        <p:txBody>
+          <a:bodyPr/>
+          <a:lstStyle/>
+          <a:p>
+            <a:endParaRPr lang="zh-CN" altLang="en-US"/>
           </a:p>
         </p:txBody>
       </p:sp>
     </p:spTree>
     <p:extLst>
       <p:ext uri="{BB962C8B-B14F-4D97-AF65-F5344CB8AC3E}">
-        <p14:creationId xmlns:p14="http://schemas.microsoft.com/office/powerpoint/2010/main" val="1873927061"/>
+        <p14:creationId xmlns:p14="http://schemas.microsoft.com/office/powerpoint/2010/main" val="4022041270"/>
       </p:ext>
     </p:extLst>
   </p:cSld>
@@ -9019,7 +9045,31 @@
           <a:p>
             <a:r>
               <a:rPr lang="zh-CN" altLang="en-US" sz="3200" dirty="0"/>
-              <a:t>目前的模型描述了从传输层到应用层的</a:t>
+              <a:t>考虑到</a:t>
+            </a:r>
+            <a:r>
+              <a:rPr lang="en-US" altLang="zh-CN" sz="3200" dirty="0" err="1"/>
+              <a:t>tcp</a:t>
+            </a:r>
+            <a:r>
+              <a:rPr lang="zh-CN" altLang="en-US" sz="3200" dirty="0"/>
+              <a:t>的协议状态机太过于复杂，我们选择了对无连接不可靠的</a:t>
+            </a:r>
+            <a:r>
+              <a:rPr lang="en-US" altLang="zh-CN" sz="3200" dirty="0" err="1"/>
+              <a:t>udp</a:t>
+            </a:r>
+            <a:r>
+              <a:rPr lang="zh-CN" altLang="en-US" sz="3200" dirty="0"/>
+              <a:t>进行建模，主要建模的系统调用有</a:t>
+            </a:r>
+            <a:r>
+              <a:rPr lang="en-US" altLang="zh-CN" sz="3200" dirty="0"/>
+              <a:t>9</a:t>
+            </a:r>
+            <a:r>
+              <a:rPr lang="zh-CN" altLang="en-US" sz="3200" dirty="0"/>
+              <a:t>个，分别是：</a:t>
             </a:r>
             <a:r>
               <a:rPr lang="en-US" altLang="zh-CN" sz="3200" dirty="0"/>
@@ -9027,7 +9077,71 @@
             </a:r>
             <a:r>
               <a:rPr lang="zh-CN" altLang="en-US" sz="3200" dirty="0"/>
-              <a:t>的行为，未来还可以用此模型对实际操作系统的网络子模块进行并行性测试与优化。</a:t>
+              <a:t>，</a:t>
+            </a:r>
+            <a:r>
+              <a:rPr lang="en-US" altLang="zh-CN" sz="3200" dirty="0"/>
+              <a:t>read</a:t>
+            </a:r>
+            <a:r>
+              <a:rPr lang="zh-CN" altLang="en-US" sz="3200" dirty="0"/>
+              <a:t>，</a:t>
+            </a:r>
+            <a:r>
+              <a:rPr lang="en-US" altLang="zh-CN" sz="3200" dirty="0"/>
+              <a:t>write</a:t>
+            </a:r>
+            <a:r>
+              <a:rPr lang="zh-CN" altLang="en-US" sz="3200" dirty="0"/>
+              <a:t>，</a:t>
+            </a:r>
+            <a:r>
+              <a:rPr lang="en-US" altLang="zh-CN" sz="3200" dirty="0"/>
+              <a:t>connect</a:t>
+            </a:r>
+            <a:r>
+              <a:rPr lang="zh-CN" altLang="en-US" sz="3200" dirty="0"/>
+              <a:t>，</a:t>
+            </a:r>
+            <a:r>
+              <a:rPr lang="en-US" altLang="zh-CN" sz="3200" dirty="0"/>
+              <a:t>bind</a:t>
+            </a:r>
+            <a:r>
+              <a:rPr lang="zh-CN" altLang="en-US" sz="3200" dirty="0"/>
+              <a:t>，</a:t>
+            </a:r>
+            <a:r>
+              <a:rPr lang="en-US" altLang="zh-CN" sz="3200" dirty="0"/>
+              <a:t>listen</a:t>
+            </a:r>
+            <a:r>
+              <a:rPr lang="zh-CN" altLang="en-US" sz="3200" dirty="0"/>
+              <a:t>，</a:t>
+            </a:r>
+            <a:r>
+              <a:rPr lang="en-US" altLang="zh-CN" sz="3200" dirty="0"/>
+              <a:t>accept</a:t>
+            </a:r>
+            <a:r>
+              <a:rPr lang="zh-CN" altLang="en-US" sz="3200" dirty="0"/>
+              <a:t>，</a:t>
+            </a:r>
+            <a:r>
+              <a:rPr lang="en-US" altLang="zh-CN" sz="3200" dirty="0"/>
+              <a:t>shutdown</a:t>
+            </a:r>
+            <a:r>
+              <a:rPr lang="zh-CN" altLang="en-US" sz="3200" dirty="0"/>
+              <a:t>以及</a:t>
+            </a:r>
+            <a:r>
+              <a:rPr lang="en-US" altLang="zh-CN" sz="3200" dirty="0"/>
+              <a:t>close</a:t>
+            </a:r>
+            <a:r>
+              <a:rPr lang="zh-CN" altLang="en-US" sz="3200" dirty="0"/>
+              <a:t>。</a:t>
             </a:r>
           </a:p>
         </p:txBody>
@@ -9035,7 +9149,7 @@
     </p:spTree>
     <p:extLst>
       <p:ext uri="{BB962C8B-B14F-4D97-AF65-F5344CB8AC3E}">
-        <p14:creationId xmlns:p14="http://schemas.microsoft.com/office/powerpoint/2010/main" val="3848281177"/>
+        <p14:creationId xmlns:p14="http://schemas.microsoft.com/office/powerpoint/2010/main" val="1873927061"/>
       </p:ext>
     </p:extLst>
   </p:cSld>
@@ -9084,10 +9198,13 @@
           <a:lstStyle/>
           <a:p>
             <a:r>
+              <a:rPr lang="en-US" altLang="zh-CN" dirty="0"/>
+              <a:t>socket</a:t>
+            </a:r>
+            <a:r>
               <a:rPr lang="zh-CN" altLang="en-US" dirty="0"/>
-              <a:t>实验收获</a:t>
-            </a:r>
-            <a:endParaRPr lang="en-US" altLang="zh-CN" dirty="0"/>
+              <a:t>总体设计</a:t>
+            </a:r>
           </a:p>
         </p:txBody>
       </p:sp>
@@ -9110,107 +9227,29 @@
         <p:spPr/>
         <p:txBody>
           <a:bodyPr>
-            <a:normAutofit fontScale="92500" lnSpcReduction="10000"/>
+            <a:normAutofit/>
           </a:bodyPr>
           <a:lstStyle/>
           <a:p>
             <a:r>
               <a:rPr lang="zh-CN" altLang="en-US" sz="3200" dirty="0"/>
-              <a:t>熟悉了</a:t>
+              <a:t>目前的模型描述了从传输层到应用层的</a:t>
             </a:r>
             <a:r>
               <a:rPr lang="en-US" altLang="zh-CN" sz="3200" dirty="0"/>
-              <a:t>RV64</a:t>
+              <a:t>socket</a:t>
             </a:r>
             <a:r>
               <a:rPr lang="zh-CN" altLang="en-US" sz="3200" dirty="0"/>
-              <a:t>指令集及其工具链</a:t>
-            </a:r>
-            <a:endParaRPr lang="en-US" altLang="zh-CN" sz="3200" dirty="0"/>
-          </a:p>
-          <a:p>
-            <a:r>
-              <a:rPr lang="zh-CN" altLang="en-US" sz="3200" dirty="0"/>
-              <a:t>进一步熟悉了</a:t>
-            </a:r>
-            <a:r>
-              <a:rPr lang="en-US" altLang="zh-CN" sz="3200" dirty="0"/>
-              <a:t>x86-64</a:t>
-            </a:r>
-            <a:r>
-              <a:rPr lang="zh-CN" altLang="en-US" sz="3200" dirty="0"/>
-              <a:t>指令集</a:t>
-            </a:r>
-            <a:endParaRPr lang="en-US" altLang="zh-CN" sz="3200" dirty="0"/>
-          </a:p>
-          <a:p>
-            <a:r>
-              <a:rPr lang="zh-CN" altLang="en-US" sz="3200" dirty="0"/>
-              <a:t>了解了</a:t>
-            </a:r>
-            <a:r>
-              <a:rPr lang="en-US" altLang="zh-CN" sz="3200" dirty="0"/>
-              <a:t>sv6</a:t>
-            </a:r>
-          </a:p>
-          <a:p>
-            <a:r>
-              <a:rPr lang="zh-CN" altLang="en-US" sz="3200" dirty="0"/>
-              <a:t>了解了</a:t>
-            </a:r>
-            <a:r>
-              <a:rPr lang="en-US" altLang="zh-CN" sz="3200" dirty="0"/>
-              <a:t>C++</a:t>
-            </a:r>
-            <a:r>
-              <a:rPr lang="zh-CN" altLang="en-US" sz="3200" dirty="0"/>
-              <a:t>运行时环境的设计</a:t>
-            </a:r>
-            <a:endParaRPr lang="en-US" altLang="zh-CN" sz="3200" dirty="0"/>
-          </a:p>
-          <a:p>
-            <a:r>
-              <a:rPr lang="zh-CN" altLang="en-US" sz="3200" dirty="0"/>
-              <a:t>了解了</a:t>
-            </a:r>
-            <a:r>
-              <a:rPr lang="en-US" altLang="zh-CN" sz="3200" dirty="0"/>
-              <a:t>RV64</a:t>
-            </a:r>
-            <a:r>
-              <a:rPr lang="zh-CN" altLang="en-US" sz="3200" dirty="0"/>
-              <a:t>的代码模型</a:t>
-            </a:r>
-            <a:endParaRPr lang="en-US" altLang="zh-CN" sz="3200" dirty="0"/>
-          </a:p>
-          <a:p>
-            <a:r>
-              <a:rPr lang="zh-CN" altLang="en-US" sz="3200" dirty="0"/>
-              <a:t>了解了</a:t>
-            </a:r>
-            <a:r>
-              <a:rPr lang="en-US" altLang="zh-CN" sz="3200" dirty="0"/>
-              <a:t>Berkeley Boot Loader</a:t>
-            </a:r>
-            <a:r>
-              <a:rPr lang="zh-CN" altLang="en-US" sz="3200" dirty="0"/>
-              <a:t>的设计与实现</a:t>
-            </a:r>
-            <a:endParaRPr lang="en-US" altLang="zh-CN" sz="3200" dirty="0"/>
-          </a:p>
-          <a:p>
-            <a:r>
-              <a:rPr lang="zh-CN" altLang="en-US" sz="3200" dirty="0"/>
-              <a:t>熟悉并经历了一个多核操作系统的移植过程</a:t>
-            </a:r>
-            <a:endParaRPr lang="en-US" altLang="zh-CN" sz="3200" dirty="0"/>
+              <a:t>的行为，未来还可以用此模型对实际操作系统的网络子模块进行并行性测试与优化。</a:t>
+            </a:r>
           </a:p>
         </p:txBody>
       </p:sp>
     </p:spTree>
     <p:extLst>
       <p:ext uri="{BB962C8B-B14F-4D97-AF65-F5344CB8AC3E}">
-        <p14:creationId xmlns:p14="http://schemas.microsoft.com/office/powerpoint/2010/main" val="2255939495"/>
+        <p14:creationId xmlns:p14="http://schemas.microsoft.com/office/powerpoint/2010/main" val="3848281177"/>
       </p:ext>
     </p:extLst>
   </p:cSld>
@@ -9285,6 +9324,181 @@
         <p:spPr/>
         <p:txBody>
           <a:bodyPr>
+            <a:normAutofit fontScale="92500" lnSpcReduction="10000"/>
+          </a:bodyPr>
+          <a:lstStyle/>
+          <a:p>
+            <a:r>
+              <a:rPr lang="zh-CN" altLang="en-US" sz="3200" dirty="0"/>
+              <a:t>熟悉了</a:t>
+            </a:r>
+            <a:r>
+              <a:rPr lang="en-US" altLang="zh-CN" sz="3200" dirty="0"/>
+              <a:t>RV64</a:t>
+            </a:r>
+            <a:r>
+              <a:rPr lang="zh-CN" altLang="en-US" sz="3200" dirty="0"/>
+              <a:t>指令集及其工具链</a:t>
+            </a:r>
+            <a:endParaRPr lang="en-US" altLang="zh-CN" sz="3200" dirty="0"/>
+          </a:p>
+          <a:p>
+            <a:r>
+              <a:rPr lang="zh-CN" altLang="en-US" sz="3200" dirty="0"/>
+              <a:t>进一步熟悉了</a:t>
+            </a:r>
+            <a:r>
+              <a:rPr lang="en-US" altLang="zh-CN" sz="3200" dirty="0"/>
+              <a:t>x86-64</a:t>
+            </a:r>
+            <a:r>
+              <a:rPr lang="zh-CN" altLang="en-US" sz="3200" dirty="0"/>
+              <a:t>指令集</a:t>
+            </a:r>
+            <a:endParaRPr lang="en-US" altLang="zh-CN" sz="3200" dirty="0"/>
+          </a:p>
+          <a:p>
+            <a:r>
+              <a:rPr lang="zh-CN" altLang="en-US" sz="3200" dirty="0"/>
+              <a:t>了解了</a:t>
+            </a:r>
+            <a:r>
+              <a:rPr lang="en-US" altLang="zh-CN" sz="3200" dirty="0"/>
+              <a:t>sv6</a:t>
+            </a:r>
+          </a:p>
+          <a:p>
+            <a:r>
+              <a:rPr lang="zh-CN" altLang="en-US" sz="3200" dirty="0"/>
+              <a:t>了解了</a:t>
+            </a:r>
+            <a:r>
+              <a:rPr lang="en-US" altLang="zh-CN" sz="3200" dirty="0"/>
+              <a:t>C++</a:t>
+            </a:r>
+            <a:r>
+              <a:rPr lang="zh-CN" altLang="en-US" sz="3200" dirty="0"/>
+              <a:t>运行时环境的设计</a:t>
+            </a:r>
+            <a:endParaRPr lang="en-US" altLang="zh-CN" sz="3200" dirty="0"/>
+          </a:p>
+          <a:p>
+            <a:r>
+              <a:rPr lang="zh-CN" altLang="en-US" sz="3200" dirty="0"/>
+              <a:t>了解了</a:t>
+            </a:r>
+            <a:r>
+              <a:rPr lang="en-US" altLang="zh-CN" sz="3200" dirty="0"/>
+              <a:t>RV64</a:t>
+            </a:r>
+            <a:r>
+              <a:rPr lang="zh-CN" altLang="en-US" sz="3200" dirty="0"/>
+              <a:t>的代码模型</a:t>
+            </a:r>
+            <a:endParaRPr lang="en-US" altLang="zh-CN" sz="3200" dirty="0"/>
+          </a:p>
+          <a:p>
+            <a:r>
+              <a:rPr lang="zh-CN" altLang="en-US" sz="3200" dirty="0"/>
+              <a:t>了解了</a:t>
+            </a:r>
+            <a:r>
+              <a:rPr lang="en-US" altLang="zh-CN" sz="3200" dirty="0"/>
+              <a:t>Berkeley Boot Loader</a:t>
+            </a:r>
+            <a:r>
+              <a:rPr lang="zh-CN" altLang="en-US" sz="3200" dirty="0"/>
+              <a:t>的设计与实现</a:t>
+            </a:r>
+            <a:endParaRPr lang="en-US" altLang="zh-CN" sz="3200" dirty="0"/>
+          </a:p>
+          <a:p>
+            <a:r>
+              <a:rPr lang="zh-CN" altLang="en-US" sz="3200" dirty="0"/>
+              <a:t>熟悉并经历了一个多核操作系统的移植过程</a:t>
+            </a:r>
+            <a:endParaRPr lang="en-US" altLang="zh-CN" sz="3200" dirty="0"/>
+          </a:p>
+        </p:txBody>
+      </p:sp>
+    </p:spTree>
+    <p:extLst>
+      <p:ext uri="{BB962C8B-B14F-4D97-AF65-F5344CB8AC3E}">
+        <p14:creationId xmlns:p14="http://schemas.microsoft.com/office/powerpoint/2010/main" val="2255939495"/>
+      </p:ext>
+    </p:extLst>
+  </p:cSld>
+  <p:clrMapOvr>
+    <a:masterClrMapping/>
+  </p:clrMapOvr>
+</p:sld>
+</file>
+
+<file path=ppt/slides/slide28.xml><?xml version="1.0" encoding="utf-8"?>
+<p:sld xmlns:a="http://schemas.openxmlformats.org/drawingml/2006/main" xmlns:r="http://schemas.openxmlformats.org/officeDocument/2006/relationships" xmlns:p="http://schemas.openxmlformats.org/presentationml/2006/main">
+  <p:cSld>
+    <p:spTree>
+      <p:nvGrpSpPr>
+        <p:cNvPr id="1" name=""/>
+        <p:cNvGrpSpPr/>
+        <p:nvPr/>
+      </p:nvGrpSpPr>
+      <p:grpSpPr>
+        <a:xfrm>
+          <a:off x="0" y="0"/>
+          <a:ext cx="0" cy="0"/>
+          <a:chOff x="0" y="0"/>
+          <a:chExt cx="0" cy="0"/>
+        </a:xfrm>
+      </p:grpSpPr>
+      <p:sp>
+        <p:nvSpPr>
+          <p:cNvPr id="2" name="标题 1">
+            <a:extLst>
+              <a:ext uri="{FF2B5EF4-FFF2-40B4-BE49-F238E27FC236}">
+                <a16:creationId xmlns:a16="http://schemas.microsoft.com/office/drawing/2014/main" id="{B7F27D61-C7B7-4164-82D0-4F7D56D360F4}"/>
+              </a:ext>
+            </a:extLst>
+          </p:cNvPr>
+          <p:cNvSpPr>
+            <a:spLocks noGrp="1"/>
+          </p:cNvSpPr>
+          <p:nvPr>
+            <p:ph type="title"/>
+          </p:nvPr>
+        </p:nvSpPr>
+        <p:spPr/>
+        <p:txBody>
+          <a:bodyPr/>
+          <a:lstStyle/>
+          <a:p>
+            <a:r>
+              <a:rPr lang="zh-CN" altLang="en-US" dirty="0"/>
+              <a:t>实验收获</a:t>
+            </a:r>
+            <a:endParaRPr lang="en-US" altLang="zh-CN" dirty="0"/>
+          </a:p>
+        </p:txBody>
+      </p:sp>
+      <p:sp>
+        <p:nvSpPr>
+          <p:cNvPr id="3" name="内容占位符 2">
+            <a:extLst>
+              <a:ext uri="{FF2B5EF4-FFF2-40B4-BE49-F238E27FC236}">
+                <a16:creationId xmlns:a16="http://schemas.microsoft.com/office/drawing/2014/main" id="{52E57387-6F0C-496C-9655-45DED2B76AB2}"/>
+              </a:ext>
+            </a:extLst>
+          </p:cNvPr>
+          <p:cNvSpPr>
+            <a:spLocks noGrp="1"/>
+          </p:cNvSpPr>
+          <p:nvPr>
+            <p:ph idx="1"/>
+          </p:nvPr>
+        </p:nvSpPr>
+        <p:spPr/>
+        <p:txBody>
+          <a:bodyPr>
             <a:normAutofit/>
           </a:bodyPr>
           <a:lstStyle/>
@@ -9364,7 +9578,7 @@
 </p:sld>
 </file>
 
-<file path=ppt/slides/slide28.xml><?xml version="1.0" encoding="utf-8"?>
+<file path=ppt/slides/slide29.xml><?xml version="1.0" encoding="utf-8"?>
 <p:sld xmlns:a="http://schemas.openxmlformats.org/drawingml/2006/main" xmlns:r="http://schemas.openxmlformats.org/officeDocument/2006/relationships" xmlns:p="http://schemas.openxmlformats.org/presentationml/2006/main">
   <p:cSld>
     <p:spTree>

--- a/final_report.pptx
+++ b/final_report.pptx
@@ -225,7 +225,7 @@
           <a:p>
             <a:fld id="{7966F250-E1E1-474A-BDFF-A985A8EE7376}" type="datetimeFigureOut">
               <a:rPr lang="zh-CN" altLang="en-US" smtClean="0"/>
-              <a:t>2018/5/25</a:t>
+              <a:t>18/5/26</a:t>
             </a:fld>
             <a:endParaRPr lang="zh-CN" altLang="en-US"/>
           </a:p>
@@ -3781,7 +3781,7 @@
           <a:p>
             <a:fld id="{9ED90016-FE2B-4C93-AEF3-0E4E12969ECA}" type="datetimeFigureOut">
               <a:rPr lang="zh-CN" altLang="en-US" smtClean="0"/>
-              <a:t>2018/5/25</a:t>
+              <a:t>18/5/26</a:t>
             </a:fld>
             <a:endParaRPr lang="zh-CN" altLang="en-US"/>
           </a:p>
@@ -3949,7 +3949,7 @@
           <a:p>
             <a:fld id="{9ED90016-FE2B-4C93-AEF3-0E4E12969ECA}" type="datetimeFigureOut">
               <a:rPr lang="zh-CN" altLang="en-US" smtClean="0"/>
-              <a:t>2018/5/25</a:t>
+              <a:t>18/5/26</a:t>
             </a:fld>
             <a:endParaRPr lang="zh-CN" altLang="en-US"/>
           </a:p>
@@ -4127,7 +4127,7 @@
           <a:p>
             <a:fld id="{9ED90016-FE2B-4C93-AEF3-0E4E12969ECA}" type="datetimeFigureOut">
               <a:rPr lang="zh-CN" altLang="en-US" smtClean="0"/>
-              <a:t>2018/5/25</a:t>
+              <a:t>18/5/26</a:t>
             </a:fld>
             <a:endParaRPr lang="zh-CN" altLang="en-US"/>
           </a:p>
@@ -4503,7 +4503,7 @@
           <a:p>
             <a:fld id="{9ED90016-FE2B-4C93-AEF3-0E4E12969ECA}" type="datetimeFigureOut">
               <a:rPr lang="zh-CN" altLang="en-US" smtClean="0"/>
-              <a:t>2018/5/25</a:t>
+              <a:t>18/5/26</a:t>
             </a:fld>
             <a:endParaRPr lang="zh-CN" altLang="en-US"/>
           </a:p>
@@ -4748,7 +4748,7 @@
           <a:p>
             <a:fld id="{9ED90016-FE2B-4C93-AEF3-0E4E12969ECA}" type="datetimeFigureOut">
               <a:rPr lang="zh-CN" altLang="en-US" smtClean="0"/>
-              <a:t>2018/5/25</a:t>
+              <a:t>18/5/26</a:t>
             </a:fld>
             <a:endParaRPr lang="zh-CN" altLang="en-US"/>
           </a:p>
@@ -4977,7 +4977,7 @@
           <a:p>
             <a:fld id="{9ED90016-FE2B-4C93-AEF3-0E4E12969ECA}" type="datetimeFigureOut">
               <a:rPr lang="zh-CN" altLang="en-US" smtClean="0"/>
-              <a:t>2018/5/25</a:t>
+              <a:t>18/5/26</a:t>
             </a:fld>
             <a:endParaRPr lang="zh-CN" altLang="en-US"/>
           </a:p>
@@ -5342,7 +5342,7 @@
           <a:p>
             <a:fld id="{9ED90016-FE2B-4C93-AEF3-0E4E12969ECA}" type="datetimeFigureOut">
               <a:rPr lang="zh-CN" altLang="en-US" smtClean="0"/>
-              <a:t>2018/5/25</a:t>
+              <a:t>18/5/26</a:t>
             </a:fld>
             <a:endParaRPr lang="zh-CN" altLang="en-US"/>
           </a:p>
@@ -5459,7 +5459,7 @@
           <a:p>
             <a:fld id="{9ED90016-FE2B-4C93-AEF3-0E4E12969ECA}" type="datetimeFigureOut">
               <a:rPr lang="zh-CN" altLang="en-US" smtClean="0"/>
-              <a:t>2018/5/25</a:t>
+              <a:t>18/5/26</a:t>
             </a:fld>
             <a:endParaRPr lang="zh-CN" altLang="en-US"/>
           </a:p>
@@ -5554,7 +5554,7 @@
           <a:p>
             <a:fld id="{9ED90016-FE2B-4C93-AEF3-0E4E12969ECA}" type="datetimeFigureOut">
               <a:rPr lang="zh-CN" altLang="en-US" smtClean="0"/>
-              <a:t>2018/5/25</a:t>
+              <a:t>18/5/26</a:t>
             </a:fld>
             <a:endParaRPr lang="zh-CN" altLang="en-US"/>
           </a:p>
@@ -5832,7 +5832,7 @@
           <a:p>
             <a:fld id="{9ED90016-FE2B-4C93-AEF3-0E4E12969ECA}" type="datetimeFigureOut">
               <a:rPr lang="zh-CN" altLang="en-US" smtClean="0"/>
-              <a:t>2018/5/25</a:t>
+              <a:t>18/5/26</a:t>
             </a:fld>
             <a:endParaRPr lang="zh-CN" altLang="en-US"/>
           </a:p>
@@ -6087,7 +6087,7 @@
           <a:p>
             <a:fld id="{9ED90016-FE2B-4C93-AEF3-0E4E12969ECA}" type="datetimeFigureOut">
               <a:rPr lang="zh-CN" altLang="en-US" smtClean="0"/>
-              <a:t>2018/5/25</a:t>
+              <a:t>18/5/26</a:t>
             </a:fld>
             <a:endParaRPr lang="zh-CN" altLang="en-US"/>
           </a:p>
@@ -6298,7 +6298,7 @@
           <a:p>
             <a:fld id="{9ED90016-FE2B-4C93-AEF3-0E4E12969ECA}" type="datetimeFigureOut">
               <a:rPr lang="zh-CN" altLang="en-US" smtClean="0"/>
-              <a:t>2018/5/25</a:t>
+              <a:t>18/5/26</a:t>
             </a:fld>
             <a:endParaRPr lang="zh-CN" altLang="en-US"/>
           </a:p>
@@ -6766,7 +6766,7 @@
           <p:cNvPr id="2" name="标题 1">
             <a:extLst>
               <a:ext uri="{FF2B5EF4-FFF2-40B4-BE49-F238E27FC236}">
-                <a16:creationId xmlns:a16="http://schemas.microsoft.com/office/drawing/2014/main" id="{585A6C5C-78A9-42A3-B504-FA4747B8A7AC}"/>
+                <a16:creationId xmlns:a16="http://schemas.microsoft.com/office/drawing/2014/main" xmlns="" id="{585A6C5C-78A9-42A3-B504-FA4747B8A7AC}"/>
               </a:ext>
             </a:extLst>
           </p:cNvPr>
@@ -6844,7 +6844,7 @@
           <p:cNvPr id="3" name="副标题 2">
             <a:extLst>
               <a:ext uri="{FF2B5EF4-FFF2-40B4-BE49-F238E27FC236}">
-                <a16:creationId xmlns:a16="http://schemas.microsoft.com/office/drawing/2014/main" id="{FE645471-E7C3-4B41-B02C-E4467F26772C}"/>
+                <a16:creationId xmlns:a16="http://schemas.microsoft.com/office/drawing/2014/main" xmlns="" id="{FE645471-E7C3-4B41-B02C-E4467F26772C}"/>
               </a:ext>
             </a:extLst>
           </p:cNvPr>
@@ -6959,7 +6959,7 @@
           <p:cNvPr id="2" name="标题 1">
             <a:extLst>
               <a:ext uri="{FF2B5EF4-FFF2-40B4-BE49-F238E27FC236}">
-                <a16:creationId xmlns:a16="http://schemas.microsoft.com/office/drawing/2014/main" id="{B7F27D61-C7B7-4164-82D0-4F7D56D360F4}"/>
+                <a16:creationId xmlns:a16="http://schemas.microsoft.com/office/drawing/2014/main" xmlns="" id="{B7F27D61-C7B7-4164-82D0-4F7D56D360F4}"/>
               </a:ext>
             </a:extLst>
           </p:cNvPr>
@@ -6988,7 +6988,7 @@
           <p:cNvPr id="6" name="内容占位符 5">
             <a:extLst>
               <a:ext uri="{FF2B5EF4-FFF2-40B4-BE49-F238E27FC236}">
-                <a16:creationId xmlns:a16="http://schemas.microsoft.com/office/drawing/2014/main" id="{B5068B3A-316B-462B-B79B-E24E8608F761}"/>
+                <a16:creationId xmlns:a16="http://schemas.microsoft.com/office/drawing/2014/main" xmlns="" id="{B5068B3A-316B-462B-B79B-E24E8608F761}"/>
               </a:ext>
             </a:extLst>
           </p:cNvPr>
@@ -7053,7 +7053,7 @@
           <p:cNvPr id="2" name="标题 1">
             <a:extLst>
               <a:ext uri="{FF2B5EF4-FFF2-40B4-BE49-F238E27FC236}">
-                <a16:creationId xmlns:a16="http://schemas.microsoft.com/office/drawing/2014/main" id="{B7F27D61-C7B7-4164-82D0-4F7D56D360F4}"/>
+                <a16:creationId xmlns:a16="http://schemas.microsoft.com/office/drawing/2014/main" xmlns="" id="{B7F27D61-C7B7-4164-82D0-4F7D56D360F4}"/>
               </a:ext>
             </a:extLst>
           </p:cNvPr>
@@ -7082,7 +7082,7 @@
           <p:cNvPr id="8" name="图片 7">
             <a:extLst>
               <a:ext uri="{FF2B5EF4-FFF2-40B4-BE49-F238E27FC236}">
-                <a16:creationId xmlns:a16="http://schemas.microsoft.com/office/drawing/2014/main" id="{A39D554E-D686-4155-9691-14409EB60799}"/>
+                <a16:creationId xmlns:a16="http://schemas.microsoft.com/office/drawing/2014/main" xmlns="" id="{A39D554E-D686-4155-9691-14409EB60799}"/>
               </a:ext>
             </a:extLst>
           </p:cNvPr>
@@ -7148,7 +7148,7 @@
           <p:cNvPr id="2" name="标题 1">
             <a:extLst>
               <a:ext uri="{FF2B5EF4-FFF2-40B4-BE49-F238E27FC236}">
-                <a16:creationId xmlns:a16="http://schemas.microsoft.com/office/drawing/2014/main" id="{BAEAB90C-1C1D-4D2A-A666-BD11484D8E8C}"/>
+                <a16:creationId xmlns:a16="http://schemas.microsoft.com/office/drawing/2014/main" xmlns="" id="{BAEAB90C-1C1D-4D2A-A666-BD11484D8E8C}"/>
               </a:ext>
             </a:extLst>
           </p:cNvPr>
@@ -7200,7 +7200,7 @@
           <p:cNvPr id="3" name="文本占位符 2">
             <a:extLst>
               <a:ext uri="{FF2B5EF4-FFF2-40B4-BE49-F238E27FC236}">
-                <a16:creationId xmlns:a16="http://schemas.microsoft.com/office/drawing/2014/main" id="{33453BAE-5B56-48B1-823D-D06712952257}"/>
+                <a16:creationId xmlns:a16="http://schemas.microsoft.com/office/drawing/2014/main" xmlns="" id="{33453BAE-5B56-48B1-823D-D06712952257}"/>
               </a:ext>
             </a:extLst>
           </p:cNvPr>
@@ -7255,7 +7255,7 @@
           <p:cNvPr id="2" name="标题 1">
             <a:extLst>
               <a:ext uri="{FF2B5EF4-FFF2-40B4-BE49-F238E27FC236}">
-                <a16:creationId xmlns:a16="http://schemas.microsoft.com/office/drawing/2014/main" id="{B7F27D61-C7B7-4164-82D0-4F7D56D360F4}"/>
+                <a16:creationId xmlns:a16="http://schemas.microsoft.com/office/drawing/2014/main" xmlns="" id="{B7F27D61-C7B7-4164-82D0-4F7D56D360F4}"/>
               </a:ext>
             </a:extLst>
           </p:cNvPr>
@@ -7287,7 +7287,7 @@
           <p:cNvPr id="3" name="内容占位符 2">
             <a:extLst>
               <a:ext uri="{FF2B5EF4-FFF2-40B4-BE49-F238E27FC236}">
-                <a16:creationId xmlns:a16="http://schemas.microsoft.com/office/drawing/2014/main" id="{52E57387-6F0C-496C-9655-45DED2B76AB2}"/>
+                <a16:creationId xmlns:a16="http://schemas.microsoft.com/office/drawing/2014/main" xmlns="" id="{52E57387-6F0C-496C-9655-45DED2B76AB2}"/>
               </a:ext>
             </a:extLst>
           </p:cNvPr>
@@ -7379,7 +7379,7 @@
           <p:cNvPr id="2" name="标题 1">
             <a:extLst>
               <a:ext uri="{FF2B5EF4-FFF2-40B4-BE49-F238E27FC236}">
-                <a16:creationId xmlns:a16="http://schemas.microsoft.com/office/drawing/2014/main" id="{B7F27D61-C7B7-4164-82D0-4F7D56D360F4}"/>
+                <a16:creationId xmlns:a16="http://schemas.microsoft.com/office/drawing/2014/main" xmlns="" id="{B7F27D61-C7B7-4164-82D0-4F7D56D360F4}"/>
               </a:ext>
             </a:extLst>
           </p:cNvPr>
@@ -7411,7 +7411,7 @@
           <p:cNvPr id="3" name="内容占位符 2">
             <a:extLst>
               <a:ext uri="{FF2B5EF4-FFF2-40B4-BE49-F238E27FC236}">
-                <a16:creationId xmlns:a16="http://schemas.microsoft.com/office/drawing/2014/main" id="{52E57387-6F0C-496C-9655-45DED2B76AB2}"/>
+                <a16:creationId xmlns:a16="http://schemas.microsoft.com/office/drawing/2014/main" xmlns="" id="{52E57387-6F0C-496C-9655-45DED2B76AB2}"/>
               </a:ext>
             </a:extLst>
           </p:cNvPr>
@@ -7479,7 +7479,7 @@
           <p:cNvPr id="2" name="标题 1">
             <a:extLst>
               <a:ext uri="{FF2B5EF4-FFF2-40B4-BE49-F238E27FC236}">
-                <a16:creationId xmlns:a16="http://schemas.microsoft.com/office/drawing/2014/main" id="{B7F27D61-C7B7-4164-82D0-4F7D56D360F4}"/>
+                <a16:creationId xmlns:a16="http://schemas.microsoft.com/office/drawing/2014/main" xmlns="" id="{B7F27D61-C7B7-4164-82D0-4F7D56D360F4}"/>
               </a:ext>
             </a:extLst>
           </p:cNvPr>
@@ -7511,7 +7511,7 @@
           <p:cNvPr id="4" name="内容占位符 3">
             <a:extLst>
               <a:ext uri="{FF2B5EF4-FFF2-40B4-BE49-F238E27FC236}">
-                <a16:creationId xmlns:a16="http://schemas.microsoft.com/office/drawing/2014/main" id="{6FEF853C-D01E-4417-805F-1D4F8973774D}"/>
+                <a16:creationId xmlns:a16="http://schemas.microsoft.com/office/drawing/2014/main" xmlns="" id="{6FEF853C-D01E-4417-805F-1D4F8973774D}"/>
               </a:ext>
             </a:extLst>
           </p:cNvPr>
@@ -7543,7 +7543,7 @@
           <p:cNvPr id="5" name="内容占位符 2">
             <a:extLst>
               <a:ext uri="{FF2B5EF4-FFF2-40B4-BE49-F238E27FC236}">
-                <a16:creationId xmlns:a16="http://schemas.microsoft.com/office/drawing/2014/main" id="{69962F2A-F96F-4B5F-9103-FF870032CCBB}"/>
+                <a16:creationId xmlns:a16="http://schemas.microsoft.com/office/drawing/2014/main" xmlns="" id="{69962F2A-F96F-4B5F-9103-FF870032CCBB}"/>
               </a:ext>
             </a:extLst>
           </p:cNvPr>
@@ -7786,7 +7786,7 @@
           <p:cNvPr id="2" name="标题 1">
             <a:extLst>
               <a:ext uri="{FF2B5EF4-FFF2-40B4-BE49-F238E27FC236}">
-                <a16:creationId xmlns:a16="http://schemas.microsoft.com/office/drawing/2014/main" id="{B7F27D61-C7B7-4164-82D0-4F7D56D360F4}"/>
+                <a16:creationId xmlns:a16="http://schemas.microsoft.com/office/drawing/2014/main" xmlns="" id="{B7F27D61-C7B7-4164-82D0-4F7D56D360F4}"/>
               </a:ext>
             </a:extLst>
           </p:cNvPr>
@@ -7815,7 +7815,7 @@
           <p:cNvPr id="3" name="内容占位符 2">
             <a:extLst>
               <a:ext uri="{FF2B5EF4-FFF2-40B4-BE49-F238E27FC236}">
-                <a16:creationId xmlns:a16="http://schemas.microsoft.com/office/drawing/2014/main" id="{52E57387-6F0C-496C-9655-45DED2B76AB2}"/>
+                <a16:creationId xmlns:a16="http://schemas.microsoft.com/office/drawing/2014/main" xmlns="" id="{52E57387-6F0C-496C-9655-45DED2B76AB2}"/>
               </a:ext>
             </a:extLst>
           </p:cNvPr>
@@ -7929,7 +7929,7 @@
           <p:cNvPr id="2" name="标题 1">
             <a:extLst>
               <a:ext uri="{FF2B5EF4-FFF2-40B4-BE49-F238E27FC236}">
-                <a16:creationId xmlns:a16="http://schemas.microsoft.com/office/drawing/2014/main" id="{B7F27D61-C7B7-4164-82D0-4F7D56D360F4}"/>
+                <a16:creationId xmlns:a16="http://schemas.microsoft.com/office/drawing/2014/main" xmlns="" id="{B7F27D61-C7B7-4164-82D0-4F7D56D360F4}"/>
               </a:ext>
             </a:extLst>
           </p:cNvPr>
@@ -7961,7 +7961,7 @@
           <p:cNvPr id="3" name="内容占位符 2">
             <a:extLst>
               <a:ext uri="{FF2B5EF4-FFF2-40B4-BE49-F238E27FC236}">
-                <a16:creationId xmlns:a16="http://schemas.microsoft.com/office/drawing/2014/main" id="{52E57387-6F0C-496C-9655-45DED2B76AB2}"/>
+                <a16:creationId xmlns:a16="http://schemas.microsoft.com/office/drawing/2014/main" xmlns="" id="{52E57387-6F0C-496C-9655-45DED2B76AB2}"/>
               </a:ext>
             </a:extLst>
           </p:cNvPr>
@@ -8058,7 +8058,7 @@
           <p:cNvPr id="2" name="标题 1">
             <a:extLst>
               <a:ext uri="{FF2B5EF4-FFF2-40B4-BE49-F238E27FC236}">
-                <a16:creationId xmlns:a16="http://schemas.microsoft.com/office/drawing/2014/main" id="{B7F27D61-C7B7-4164-82D0-4F7D56D360F4}"/>
+                <a16:creationId xmlns:a16="http://schemas.microsoft.com/office/drawing/2014/main" xmlns="" id="{B7F27D61-C7B7-4164-82D0-4F7D56D360F4}"/>
               </a:ext>
             </a:extLst>
           </p:cNvPr>
@@ -8087,7 +8087,7 @@
           <p:cNvPr id="3" name="内容占位符 2">
             <a:extLst>
               <a:ext uri="{FF2B5EF4-FFF2-40B4-BE49-F238E27FC236}">
-                <a16:creationId xmlns:a16="http://schemas.microsoft.com/office/drawing/2014/main" id="{52E57387-6F0C-496C-9655-45DED2B76AB2}"/>
+                <a16:creationId xmlns:a16="http://schemas.microsoft.com/office/drawing/2014/main" xmlns="" id="{52E57387-6F0C-496C-9655-45DED2B76AB2}"/>
               </a:ext>
             </a:extLst>
           </p:cNvPr>
@@ -8185,7 +8185,7 @@
           <p:cNvPr id="2" name="标题 1">
             <a:extLst>
               <a:ext uri="{FF2B5EF4-FFF2-40B4-BE49-F238E27FC236}">
-                <a16:creationId xmlns:a16="http://schemas.microsoft.com/office/drawing/2014/main" id="{B7F27D61-C7B7-4164-82D0-4F7D56D360F4}"/>
+                <a16:creationId xmlns:a16="http://schemas.microsoft.com/office/drawing/2014/main" xmlns="" id="{B7F27D61-C7B7-4164-82D0-4F7D56D360F4}"/>
               </a:ext>
             </a:extLst>
           </p:cNvPr>
@@ -8214,7 +8214,7 @@
           <p:cNvPr id="3" name="内容占位符 2">
             <a:extLst>
               <a:ext uri="{FF2B5EF4-FFF2-40B4-BE49-F238E27FC236}">
-                <a16:creationId xmlns:a16="http://schemas.microsoft.com/office/drawing/2014/main" id="{52E57387-6F0C-496C-9655-45DED2B76AB2}"/>
+                <a16:creationId xmlns:a16="http://schemas.microsoft.com/office/drawing/2014/main" xmlns="" id="{52E57387-6F0C-496C-9655-45DED2B76AB2}"/>
               </a:ext>
             </a:extLst>
           </p:cNvPr>
@@ -8293,7 +8293,7 @@
           <p:cNvPr id="2" name="标题 1">
             <a:extLst>
               <a:ext uri="{FF2B5EF4-FFF2-40B4-BE49-F238E27FC236}">
-                <a16:creationId xmlns:a16="http://schemas.microsoft.com/office/drawing/2014/main" id="{AF4A9058-0A99-4C34-9A1E-866444B016C5}"/>
+                <a16:creationId xmlns:a16="http://schemas.microsoft.com/office/drawing/2014/main" xmlns="" id="{AF4A9058-0A99-4C34-9A1E-866444B016C5}"/>
               </a:ext>
             </a:extLst>
           </p:cNvPr>
@@ -8331,7 +8331,7 @@
           <p:cNvPr id="3" name="内容占位符 2">
             <a:extLst>
               <a:ext uri="{FF2B5EF4-FFF2-40B4-BE49-F238E27FC236}">
-                <a16:creationId xmlns:a16="http://schemas.microsoft.com/office/drawing/2014/main" id="{72743921-57C6-4090-84A9-CEC673734288}"/>
+                <a16:creationId xmlns:a16="http://schemas.microsoft.com/office/drawing/2014/main" xmlns="" id="{72743921-57C6-4090-84A9-CEC673734288}"/>
               </a:ext>
             </a:extLst>
           </p:cNvPr>
@@ -8449,7 +8449,7 @@
           <p:cNvPr id="2" name="标题 1">
             <a:extLst>
               <a:ext uri="{FF2B5EF4-FFF2-40B4-BE49-F238E27FC236}">
-                <a16:creationId xmlns:a16="http://schemas.microsoft.com/office/drawing/2014/main" id="{B7F27D61-C7B7-4164-82D0-4F7D56D360F4}"/>
+                <a16:creationId xmlns:a16="http://schemas.microsoft.com/office/drawing/2014/main" xmlns="" id="{B7F27D61-C7B7-4164-82D0-4F7D56D360F4}"/>
               </a:ext>
             </a:extLst>
           </p:cNvPr>
@@ -8481,7 +8481,7 @@
           <p:cNvPr id="4" name="内容占位符 3">
             <a:extLst>
               <a:ext uri="{FF2B5EF4-FFF2-40B4-BE49-F238E27FC236}">
-                <a16:creationId xmlns:a16="http://schemas.microsoft.com/office/drawing/2014/main" id="{A2003350-AC6A-4973-AAA5-85523F2FD59C}"/>
+                <a16:creationId xmlns:a16="http://schemas.microsoft.com/office/drawing/2014/main" xmlns="" id="{A2003350-AC6A-4973-AAA5-85523F2FD59C}"/>
               </a:ext>
             </a:extLst>
           </p:cNvPr>
@@ -8543,7 +8543,7 @@
           <p:cNvPr id="2" name="标题 1">
             <a:extLst>
               <a:ext uri="{FF2B5EF4-FFF2-40B4-BE49-F238E27FC236}">
-                <a16:creationId xmlns:a16="http://schemas.microsoft.com/office/drawing/2014/main" id="{B7F27D61-C7B7-4164-82D0-4F7D56D360F4}"/>
+                <a16:creationId xmlns:a16="http://schemas.microsoft.com/office/drawing/2014/main" xmlns="" id="{B7F27D61-C7B7-4164-82D0-4F7D56D360F4}"/>
               </a:ext>
             </a:extLst>
           </p:cNvPr>
@@ -8572,7 +8572,7 @@
           <p:cNvPr id="5" name="内容占位符 4">
             <a:extLst>
               <a:ext uri="{FF2B5EF4-FFF2-40B4-BE49-F238E27FC236}">
-                <a16:creationId xmlns:a16="http://schemas.microsoft.com/office/drawing/2014/main" id="{CC48AD1C-58BF-43BE-BF4C-81E8D6D9AAF0}"/>
+                <a16:creationId xmlns:a16="http://schemas.microsoft.com/office/drawing/2014/main" xmlns="" id="{CC48AD1C-58BF-43BE-BF4C-81E8D6D9AAF0}"/>
               </a:ext>
             </a:extLst>
           </p:cNvPr>
@@ -8646,7 +8646,7 @@
           <p:cNvPr id="2" name="标题 1">
             <a:extLst>
               <a:ext uri="{FF2B5EF4-FFF2-40B4-BE49-F238E27FC236}">
-                <a16:creationId xmlns:a16="http://schemas.microsoft.com/office/drawing/2014/main" id="{B7F27D61-C7B7-4164-82D0-4F7D56D360F4}"/>
+                <a16:creationId xmlns:a16="http://schemas.microsoft.com/office/drawing/2014/main" xmlns="" id="{B7F27D61-C7B7-4164-82D0-4F7D56D360F4}"/>
               </a:ext>
             </a:extLst>
           </p:cNvPr>
@@ -8674,7 +8674,7 @@
           <p:cNvPr id="6" name="内容占位符 5">
             <a:extLst>
               <a:ext uri="{FF2B5EF4-FFF2-40B4-BE49-F238E27FC236}">
-                <a16:creationId xmlns:a16="http://schemas.microsoft.com/office/drawing/2014/main" id="{A1AE999A-0C87-45FC-A37C-CE787A64EBBB}"/>
+                <a16:creationId xmlns:a16="http://schemas.microsoft.com/office/drawing/2014/main" xmlns="" id="{A1AE999A-0C87-45FC-A37C-CE787A64EBBB}"/>
               </a:ext>
             </a:extLst>
           </p:cNvPr>
@@ -8736,7 +8736,7 @@
           <p:cNvPr id="2" name="标题 1">
             <a:extLst>
               <a:ext uri="{FF2B5EF4-FFF2-40B4-BE49-F238E27FC236}">
-                <a16:creationId xmlns:a16="http://schemas.microsoft.com/office/drawing/2014/main" id="{B7F27D61-C7B7-4164-82D0-4F7D56D360F4}"/>
+                <a16:creationId xmlns:a16="http://schemas.microsoft.com/office/drawing/2014/main" xmlns="" id="{B7F27D61-C7B7-4164-82D0-4F7D56D360F4}"/>
               </a:ext>
             </a:extLst>
           </p:cNvPr>
@@ -8765,7 +8765,7 @@
           <p:cNvPr id="3" name="内容占位符 2">
             <a:extLst>
               <a:ext uri="{FF2B5EF4-FFF2-40B4-BE49-F238E27FC236}">
-                <a16:creationId xmlns:a16="http://schemas.microsoft.com/office/drawing/2014/main" id="{52E57387-6F0C-496C-9655-45DED2B76AB2}"/>
+                <a16:creationId xmlns:a16="http://schemas.microsoft.com/office/drawing/2014/main" xmlns="" id="{52E57387-6F0C-496C-9655-45DED2B76AB2}"/>
               </a:ext>
             </a:extLst>
           </p:cNvPr>
@@ -8853,7 +8853,7 @@
           <p:cNvPr id="2" name="标题 1">
             <a:extLst>
               <a:ext uri="{FF2B5EF4-FFF2-40B4-BE49-F238E27FC236}">
-                <a16:creationId xmlns:a16="http://schemas.microsoft.com/office/drawing/2014/main" id="{BAEAB90C-1C1D-4D2A-A666-BD11484D8E8C}"/>
+                <a16:creationId xmlns:a16="http://schemas.microsoft.com/office/drawing/2014/main" xmlns="" id="{BAEAB90C-1C1D-4D2A-A666-BD11484D8E8C}"/>
               </a:ext>
             </a:extLst>
           </p:cNvPr>
@@ -8938,7 +8938,7 @@
           <p:cNvPr id="3" name="文本占位符 2">
             <a:extLst>
               <a:ext uri="{FF2B5EF4-FFF2-40B4-BE49-F238E27FC236}">
-                <a16:creationId xmlns:a16="http://schemas.microsoft.com/office/drawing/2014/main" id="{33453BAE-5B56-48B1-823D-D06712952257}"/>
+                <a16:creationId xmlns:a16="http://schemas.microsoft.com/office/drawing/2014/main" xmlns="" id="{33453BAE-5B56-48B1-823D-D06712952257}"/>
               </a:ext>
             </a:extLst>
           </p:cNvPr>
@@ -8993,7 +8993,7 @@
           <p:cNvPr id="2" name="标题 1">
             <a:extLst>
               <a:ext uri="{FF2B5EF4-FFF2-40B4-BE49-F238E27FC236}">
-                <a16:creationId xmlns:a16="http://schemas.microsoft.com/office/drawing/2014/main" id="{B7F27D61-C7B7-4164-82D0-4F7D56D360F4}"/>
+                <a16:creationId xmlns:a16="http://schemas.microsoft.com/office/drawing/2014/main" xmlns="" id="{B7F27D61-C7B7-4164-82D0-4F7D56D360F4}"/>
               </a:ext>
             </a:extLst>
           </p:cNvPr>
@@ -9025,7 +9025,7 @@
           <p:cNvPr id="3" name="内容占位符 2">
             <a:extLst>
               <a:ext uri="{FF2B5EF4-FFF2-40B4-BE49-F238E27FC236}">
-                <a16:creationId xmlns:a16="http://schemas.microsoft.com/office/drawing/2014/main" id="{52E57387-6F0C-496C-9655-45DED2B76AB2}"/>
+                <a16:creationId xmlns:a16="http://schemas.microsoft.com/office/drawing/2014/main" xmlns="" id="{52E57387-6F0C-496C-9655-45DED2B76AB2}"/>
               </a:ext>
             </a:extLst>
           </p:cNvPr>
@@ -9045,23 +9045,39 @@
           <a:p>
             <a:r>
               <a:rPr lang="zh-CN" altLang="en-US" sz="3200" dirty="0"/>
-              <a:t>考虑到</a:t>
-            </a:r>
-            <a:r>
-              <a:rPr lang="en-US" altLang="zh-CN" sz="3200" dirty="0" err="1"/>
-              <a:t>tcp</a:t>
+              <a:t>考虑</a:t>
+            </a:r>
+            <a:r>
+              <a:rPr lang="zh-CN" altLang="en-US" sz="3200" dirty="0" smtClean="0"/>
+              <a:t>到</a:t>
+            </a:r>
+            <a:r>
+              <a:rPr lang="en-US" altLang="zh-CN" sz="3200" dirty="0" smtClean="0"/>
+              <a:t>TCP</a:t>
+            </a:r>
+            <a:r>
+              <a:rPr lang="zh-CN" altLang="en-US" sz="3200" dirty="0" smtClean="0"/>
+              <a:t>的</a:t>
             </a:r>
             <a:r>
               <a:rPr lang="zh-CN" altLang="en-US" sz="3200" dirty="0"/>
-              <a:t>的协议状态机太过于复杂，我们选择了对无连接不可靠的</a:t>
-            </a:r>
-            <a:r>
-              <a:rPr lang="en-US" altLang="zh-CN" sz="3200" dirty="0" err="1"/>
-              <a:t>udp</a:t>
+              <a:t>协议状态机太过于复杂，我们选择了对无连接不可靠</a:t>
+            </a:r>
+            <a:r>
+              <a:rPr lang="zh-CN" altLang="en-US" sz="3200" dirty="0" smtClean="0"/>
+              <a:t>的</a:t>
+            </a:r>
+            <a:r>
+              <a:rPr lang="en-US" altLang="zh-CN" sz="3200" dirty="0" smtClean="0"/>
+              <a:t>UDP</a:t>
+            </a:r>
+            <a:r>
+              <a:rPr lang="zh-CN" altLang="en-US" sz="3200" dirty="0" smtClean="0"/>
+              <a:t>进行</a:t>
             </a:r>
             <a:r>
               <a:rPr lang="zh-CN" altLang="en-US" sz="3200" dirty="0"/>
-              <a:t>进行建模，主要建模的系统调用有</a:t>
+              <a:t>建模，主要建模的系统调用有</a:t>
             </a:r>
             <a:r>
               <a:rPr lang="en-US" altLang="zh-CN" sz="3200" dirty="0"/>
@@ -9181,7 +9197,7 @@
           <p:cNvPr id="2" name="标题 1">
             <a:extLst>
               <a:ext uri="{FF2B5EF4-FFF2-40B4-BE49-F238E27FC236}">
-                <a16:creationId xmlns:a16="http://schemas.microsoft.com/office/drawing/2014/main" id="{B7F27D61-C7B7-4164-82D0-4F7D56D360F4}"/>
+                <a16:creationId xmlns:a16="http://schemas.microsoft.com/office/drawing/2014/main" xmlns="" id="{B7F27D61-C7B7-4164-82D0-4F7D56D360F4}"/>
               </a:ext>
             </a:extLst>
           </p:cNvPr>
@@ -9213,7 +9229,7 @@
           <p:cNvPr id="3" name="内容占位符 2">
             <a:extLst>
               <a:ext uri="{FF2B5EF4-FFF2-40B4-BE49-F238E27FC236}">
-                <a16:creationId xmlns:a16="http://schemas.microsoft.com/office/drawing/2014/main" id="{52E57387-6F0C-496C-9655-45DED2B76AB2}"/>
+                <a16:creationId xmlns:a16="http://schemas.microsoft.com/office/drawing/2014/main" xmlns="" id="{52E57387-6F0C-496C-9655-45DED2B76AB2}"/>
               </a:ext>
             </a:extLst>
           </p:cNvPr>
@@ -9281,7 +9297,7 @@
           <p:cNvPr id="2" name="标题 1">
             <a:extLst>
               <a:ext uri="{FF2B5EF4-FFF2-40B4-BE49-F238E27FC236}">
-                <a16:creationId xmlns:a16="http://schemas.microsoft.com/office/drawing/2014/main" id="{B7F27D61-C7B7-4164-82D0-4F7D56D360F4}"/>
+                <a16:creationId xmlns:a16="http://schemas.microsoft.com/office/drawing/2014/main" xmlns="" id="{B7F27D61-C7B7-4164-82D0-4F7D56D360F4}"/>
               </a:ext>
             </a:extLst>
           </p:cNvPr>
@@ -9310,7 +9326,7 @@
           <p:cNvPr id="3" name="内容占位符 2">
             <a:extLst>
               <a:ext uri="{FF2B5EF4-FFF2-40B4-BE49-F238E27FC236}">
-                <a16:creationId xmlns:a16="http://schemas.microsoft.com/office/drawing/2014/main" id="{52E57387-6F0C-496C-9655-45DED2B76AB2}"/>
+                <a16:creationId xmlns:a16="http://schemas.microsoft.com/office/drawing/2014/main" xmlns="" id="{52E57387-6F0C-496C-9655-45DED2B76AB2}"/>
               </a:ext>
             </a:extLst>
           </p:cNvPr>
@@ -9456,7 +9472,7 @@
           <p:cNvPr id="2" name="标题 1">
             <a:extLst>
               <a:ext uri="{FF2B5EF4-FFF2-40B4-BE49-F238E27FC236}">
-                <a16:creationId xmlns:a16="http://schemas.microsoft.com/office/drawing/2014/main" id="{B7F27D61-C7B7-4164-82D0-4F7D56D360F4}"/>
+                <a16:creationId xmlns:a16="http://schemas.microsoft.com/office/drawing/2014/main" xmlns="" id="{B7F27D61-C7B7-4164-82D0-4F7D56D360F4}"/>
               </a:ext>
             </a:extLst>
           </p:cNvPr>
@@ -9485,7 +9501,7 @@
           <p:cNvPr id="3" name="内容占位符 2">
             <a:extLst>
               <a:ext uri="{FF2B5EF4-FFF2-40B4-BE49-F238E27FC236}">
-                <a16:creationId xmlns:a16="http://schemas.microsoft.com/office/drawing/2014/main" id="{52E57387-6F0C-496C-9655-45DED2B76AB2}"/>
+                <a16:creationId xmlns:a16="http://schemas.microsoft.com/office/drawing/2014/main" xmlns="" id="{52E57387-6F0C-496C-9655-45DED2B76AB2}"/>
               </a:ext>
             </a:extLst>
           </p:cNvPr>
@@ -9648,7 +9664,7 @@
           <p:cNvPr id="2" name="标题 1">
             <a:extLst>
               <a:ext uri="{FF2B5EF4-FFF2-40B4-BE49-F238E27FC236}">
-                <a16:creationId xmlns:a16="http://schemas.microsoft.com/office/drawing/2014/main" id="{1DAB51E8-468B-4288-BC7B-FD3D41CE4EBB}"/>
+                <a16:creationId xmlns:a16="http://schemas.microsoft.com/office/drawing/2014/main" xmlns="" id="{1DAB51E8-468B-4288-BC7B-FD3D41CE4EBB}"/>
               </a:ext>
             </a:extLst>
           </p:cNvPr>
@@ -9693,7 +9709,7 @@
           <p:cNvPr id="3" name="副标题 2">
             <a:extLst>
               <a:ext uri="{FF2B5EF4-FFF2-40B4-BE49-F238E27FC236}">
-                <a16:creationId xmlns:a16="http://schemas.microsoft.com/office/drawing/2014/main" id="{4D8617E2-BAE3-42C5-A2D7-0646ABA9E0A3}"/>
+                <a16:creationId xmlns:a16="http://schemas.microsoft.com/office/drawing/2014/main" xmlns="" id="{4D8617E2-BAE3-42C5-A2D7-0646ABA9E0A3}"/>
               </a:ext>
             </a:extLst>
           </p:cNvPr>
@@ -9771,7 +9787,7 @@
           <p:cNvPr id="2" name="标题 1">
             <a:extLst>
               <a:ext uri="{FF2B5EF4-FFF2-40B4-BE49-F238E27FC236}">
-                <a16:creationId xmlns:a16="http://schemas.microsoft.com/office/drawing/2014/main" id="{B7F27D61-C7B7-4164-82D0-4F7D56D360F4}"/>
+                <a16:creationId xmlns:a16="http://schemas.microsoft.com/office/drawing/2014/main" xmlns="" id="{B7F27D61-C7B7-4164-82D0-4F7D56D360F4}"/>
               </a:ext>
             </a:extLst>
           </p:cNvPr>
@@ -9799,7 +9815,7 @@
           <p:cNvPr id="3" name="内容占位符 2">
             <a:extLst>
               <a:ext uri="{FF2B5EF4-FFF2-40B4-BE49-F238E27FC236}">
-                <a16:creationId xmlns:a16="http://schemas.microsoft.com/office/drawing/2014/main" id="{52E57387-6F0C-496C-9655-45DED2B76AB2}"/>
+                <a16:creationId xmlns:a16="http://schemas.microsoft.com/office/drawing/2014/main" xmlns="" id="{52E57387-6F0C-496C-9655-45DED2B76AB2}"/>
               </a:ext>
             </a:extLst>
           </p:cNvPr>
@@ -9857,7 +9873,7 @@
           <p:cNvPr id="2" name="标题 1">
             <a:extLst>
               <a:ext uri="{FF2B5EF4-FFF2-40B4-BE49-F238E27FC236}">
-                <a16:creationId xmlns:a16="http://schemas.microsoft.com/office/drawing/2014/main" id="{BAEAB90C-1C1D-4D2A-A666-BD11484D8E8C}"/>
+                <a16:creationId xmlns:a16="http://schemas.microsoft.com/office/drawing/2014/main" xmlns="" id="{BAEAB90C-1C1D-4D2A-A666-BD11484D8E8C}"/>
               </a:ext>
             </a:extLst>
           </p:cNvPr>
@@ -9909,7 +9925,7 @@
           <p:cNvPr id="3" name="文本占位符 2">
             <a:extLst>
               <a:ext uri="{FF2B5EF4-FFF2-40B4-BE49-F238E27FC236}">
-                <a16:creationId xmlns:a16="http://schemas.microsoft.com/office/drawing/2014/main" id="{33453BAE-5B56-48B1-823D-D06712952257}"/>
+                <a16:creationId xmlns:a16="http://schemas.microsoft.com/office/drawing/2014/main" xmlns="" id="{33453BAE-5B56-48B1-823D-D06712952257}"/>
               </a:ext>
             </a:extLst>
           </p:cNvPr>
@@ -9964,7 +9980,7 @@
           <p:cNvPr id="2" name="标题 1">
             <a:extLst>
               <a:ext uri="{FF2B5EF4-FFF2-40B4-BE49-F238E27FC236}">
-                <a16:creationId xmlns:a16="http://schemas.microsoft.com/office/drawing/2014/main" id="{B7F27D61-C7B7-4164-82D0-4F7D56D360F4}"/>
+                <a16:creationId xmlns:a16="http://schemas.microsoft.com/office/drawing/2014/main" xmlns="" id="{B7F27D61-C7B7-4164-82D0-4F7D56D360F4}"/>
               </a:ext>
             </a:extLst>
           </p:cNvPr>
@@ -9992,7 +10008,7 @@
           <p:cNvPr id="3" name="内容占位符 2">
             <a:extLst>
               <a:ext uri="{FF2B5EF4-FFF2-40B4-BE49-F238E27FC236}">
-                <a16:creationId xmlns:a16="http://schemas.microsoft.com/office/drawing/2014/main" id="{52E57387-6F0C-496C-9655-45DED2B76AB2}"/>
+                <a16:creationId xmlns:a16="http://schemas.microsoft.com/office/drawing/2014/main" xmlns="" id="{52E57387-6F0C-496C-9655-45DED2B76AB2}"/>
               </a:ext>
             </a:extLst>
           </p:cNvPr>
@@ -10010,6 +10026,47 @@
           </a:bodyPr>
           <a:lstStyle/>
           <a:p>
+            <a:r>
+              <a:rPr lang="zh-CN" altLang="en-US" sz="3200" dirty="0" smtClean="0"/>
+              <a:t>修复</a:t>
+            </a:r>
+            <a:r>
+              <a:rPr lang="en-US" altLang="zh-CN" sz="3200" dirty="0" smtClean="0"/>
+              <a:t>x86-64</a:t>
+            </a:r>
+            <a:r>
+              <a:rPr lang="zh-CN" altLang="en-US" sz="3200" dirty="0" smtClean="0"/>
+              <a:t>下的</a:t>
+            </a:r>
+            <a:r>
+              <a:rPr lang="en-US" altLang="zh-CN" sz="3200" dirty="0" smtClean="0"/>
+              <a:t>sv6</a:t>
+            </a:r>
+            <a:endParaRPr lang="zh-CN" altLang="en-US" sz="3200" dirty="0" smtClean="0"/>
+          </a:p>
+          <a:p>
+            <a:r>
+              <a:rPr lang="zh-CN" altLang="en-US" sz="3200" dirty="0" smtClean="0"/>
+              <a:t>将汇编代码替换为死循环</a:t>
+            </a:r>
+          </a:p>
+          <a:p>
+            <a:r>
+              <a:rPr lang="zh-CN" altLang="en-US" sz="3200" dirty="0" smtClean="0"/>
+              <a:t>删除分段相关代码</a:t>
+            </a:r>
+          </a:p>
+          <a:p>
+            <a:r>
+              <a:rPr lang="zh-CN" altLang="en-US" sz="3200" dirty="0" smtClean="0"/>
+              <a:t>删除驱动程序</a:t>
+            </a:r>
+          </a:p>
+          <a:p>
+            <a:r>
+              <a:rPr lang="zh-CN" altLang="en-US" sz="3200" dirty="0"/>
+              <a:t>将其他无法编译的代码变为注释</a:t>
+            </a:r>
             <a:endParaRPr lang="zh-CN" altLang="en-US" sz="3200" dirty="0"/>
           </a:p>
         </p:txBody>
@@ -10049,7 +10106,7 @@
           <p:cNvPr id="2" name="标题 1">
             <a:extLst>
               <a:ext uri="{FF2B5EF4-FFF2-40B4-BE49-F238E27FC236}">
-                <a16:creationId xmlns:a16="http://schemas.microsoft.com/office/drawing/2014/main" id="{B7F27D61-C7B7-4164-82D0-4F7D56D360F4}"/>
+                <a16:creationId xmlns:a16="http://schemas.microsoft.com/office/drawing/2014/main" xmlns="" id="{B7F27D61-C7B7-4164-82D0-4F7D56D360F4}"/>
               </a:ext>
             </a:extLst>
           </p:cNvPr>
@@ -10077,7 +10134,7 @@
           <p:cNvPr id="3" name="内容占位符 2">
             <a:extLst>
               <a:ext uri="{FF2B5EF4-FFF2-40B4-BE49-F238E27FC236}">
-                <a16:creationId xmlns:a16="http://schemas.microsoft.com/office/drawing/2014/main" id="{52E57387-6F0C-496C-9655-45DED2B76AB2}"/>
+                <a16:creationId xmlns:a16="http://schemas.microsoft.com/office/drawing/2014/main" xmlns="" id="{52E57387-6F0C-496C-9655-45DED2B76AB2}"/>
               </a:ext>
             </a:extLst>
           </p:cNvPr>
@@ -10095,6 +10152,34 @@
           </a:bodyPr>
           <a:lstStyle/>
           <a:p>
+            <a:r>
+              <a:rPr lang="zh-CN" altLang="en-US" sz="3200" dirty="0" smtClean="0"/>
+              <a:t>运行时库问题</a:t>
+            </a:r>
+          </a:p>
+          <a:p>
+            <a:r>
+              <a:rPr lang="en-US" altLang="zh-CN" sz="3200" dirty="0" smtClean="0"/>
+              <a:t>Code</a:t>
+            </a:r>
+            <a:r>
+              <a:rPr lang="zh-CN" altLang="en-US" sz="3200" dirty="0" smtClean="0"/>
+              <a:t> </a:t>
+            </a:r>
+            <a:r>
+              <a:rPr lang="en-US" altLang="zh-CN" sz="3200" dirty="0" smtClean="0"/>
+              <a:t>Model</a:t>
+            </a:r>
+            <a:r>
+              <a:rPr lang="zh-CN" altLang="en-US" sz="3200" dirty="0" smtClean="0"/>
+              <a:t>问题</a:t>
+            </a:r>
+          </a:p>
+          <a:p>
+            <a:r>
+              <a:rPr lang="zh-CN" altLang="en-US" sz="3200" dirty="0" smtClean="0"/>
+              <a:t>原子操作问题</a:t>
+            </a:r>
             <a:endParaRPr lang="zh-CN" altLang="en-US" sz="3200" dirty="0"/>
           </a:p>
         </p:txBody>
@@ -10134,7 +10219,7 @@
           <p:cNvPr id="2" name="标题 1">
             <a:extLst>
               <a:ext uri="{FF2B5EF4-FFF2-40B4-BE49-F238E27FC236}">
-                <a16:creationId xmlns:a16="http://schemas.microsoft.com/office/drawing/2014/main" id="{B7F27D61-C7B7-4164-82D0-4F7D56D360F4}"/>
+                <a16:creationId xmlns:a16="http://schemas.microsoft.com/office/drawing/2014/main" xmlns="" id="{B7F27D61-C7B7-4164-82D0-4F7D56D360F4}"/>
               </a:ext>
             </a:extLst>
           </p:cNvPr>
@@ -10162,7 +10247,7 @@
           <p:cNvPr id="3" name="内容占位符 2">
             <a:extLst>
               <a:ext uri="{FF2B5EF4-FFF2-40B4-BE49-F238E27FC236}">
-                <a16:creationId xmlns:a16="http://schemas.microsoft.com/office/drawing/2014/main" id="{52E57387-6F0C-496C-9655-45DED2B76AB2}"/>
+                <a16:creationId xmlns:a16="http://schemas.microsoft.com/office/drawing/2014/main" xmlns="" id="{52E57387-6F0C-496C-9655-45DED2B76AB2}"/>
               </a:ext>
             </a:extLst>
           </p:cNvPr>
@@ -10180,6 +10265,54 @@
           </a:bodyPr>
           <a:lstStyle/>
           <a:p>
+            <a:r>
+              <a:rPr lang="zh-CN" altLang="en-US" sz="3200" dirty="0" smtClean="0"/>
+              <a:t>页表填写</a:t>
+            </a:r>
+          </a:p>
+          <a:p>
+            <a:r>
+              <a:rPr lang="en-US" altLang="zh-CN" sz="3200" dirty="0" err="1"/>
+              <a:t>trapframe</a:t>
+            </a:r>
+            <a:r>
+              <a:rPr lang="zh-CN" altLang="en-US" sz="3200" dirty="0"/>
+              <a:t>以及</a:t>
+            </a:r>
+            <a:r>
+              <a:rPr lang="en-US" altLang="zh-CN" sz="3200" dirty="0"/>
+              <a:t>context</a:t>
+            </a:r>
+            <a:r>
+              <a:rPr lang="zh-CN" altLang="en-US" sz="3200" dirty="0"/>
+              <a:t>结构</a:t>
+            </a:r>
+            <a:r>
+              <a:rPr lang="zh-CN" altLang="en-US" sz="3200" dirty="0" smtClean="0"/>
+              <a:t>体</a:t>
+            </a:r>
+          </a:p>
+          <a:p>
+            <a:r>
+              <a:rPr lang="zh-CN" altLang="en-US" sz="3200" dirty="0"/>
+              <a:t>中断和系统调用的</a:t>
+            </a:r>
+            <a:r>
+              <a:rPr lang="zh-CN" altLang="en-US" sz="3200" dirty="0" smtClean="0"/>
+              <a:t>处理</a:t>
+            </a:r>
+          </a:p>
+          <a:p>
+            <a:r>
+              <a:rPr lang="zh-CN" altLang="en-US" sz="3200" dirty="0" smtClean="0"/>
+              <a:t>特权指令</a:t>
+            </a:r>
+          </a:p>
+          <a:p>
+            <a:r>
+              <a:rPr lang="zh-CN" altLang="en-US" sz="3200" dirty="0" smtClean="0"/>
+              <a:t>其他</a:t>
+            </a:r>
             <a:endParaRPr lang="zh-CN" altLang="en-US" sz="3200" dirty="0"/>
           </a:p>
         </p:txBody>
@@ -10219,7 +10352,7 @@
           <p:cNvPr id="2" name="标题 1">
             <a:extLst>
               <a:ext uri="{FF2B5EF4-FFF2-40B4-BE49-F238E27FC236}">
-                <a16:creationId xmlns:a16="http://schemas.microsoft.com/office/drawing/2014/main" id="{B7F27D61-C7B7-4164-82D0-4F7D56D360F4}"/>
+                <a16:creationId xmlns:a16="http://schemas.microsoft.com/office/drawing/2014/main" xmlns="" id="{B7F27D61-C7B7-4164-82D0-4F7D56D360F4}"/>
               </a:ext>
             </a:extLst>
           </p:cNvPr>
@@ -10247,7 +10380,7 @@
           <p:cNvPr id="3" name="内容占位符 2">
             <a:extLst>
               <a:ext uri="{FF2B5EF4-FFF2-40B4-BE49-F238E27FC236}">
-                <a16:creationId xmlns:a16="http://schemas.microsoft.com/office/drawing/2014/main" id="{52E57387-6F0C-496C-9655-45DED2B76AB2}"/>
+                <a16:creationId xmlns:a16="http://schemas.microsoft.com/office/drawing/2014/main" xmlns="" id="{52E57387-6F0C-496C-9655-45DED2B76AB2}"/>
               </a:ext>
             </a:extLst>
           </p:cNvPr>
@@ -10265,6 +10398,53 @@
           </a:bodyPr>
           <a:lstStyle/>
           <a:p>
+            <a:r>
+              <a:rPr lang="zh-CN" altLang="en-US" sz="3200" dirty="0" smtClean="0"/>
+              <a:t>调用</a:t>
+            </a:r>
+            <a:r>
+              <a:rPr lang="en-US" altLang="zh-CN" sz="3200" dirty="0" err="1" smtClean="0"/>
+              <a:t>bbl</a:t>
+            </a:r>
+            <a:r>
+              <a:rPr lang="zh-CN" altLang="en-US" sz="3200" dirty="0" smtClean="0"/>
+              <a:t>提供的</a:t>
+            </a:r>
+            <a:r>
+              <a:rPr lang="en-US" altLang="zh-CN" sz="3200" dirty="0" smtClean="0"/>
+              <a:t>IPI</a:t>
+            </a:r>
+            <a:r>
+              <a:rPr lang="zh-CN" altLang="en-US" sz="3200" dirty="0" smtClean="0"/>
+              <a:t>和</a:t>
+            </a:r>
+            <a:r>
+              <a:rPr lang="en-US" altLang="zh-CN" sz="3200" dirty="0" smtClean="0"/>
+              <a:t>TLB</a:t>
+            </a:r>
+            <a:r>
+              <a:rPr lang="zh-CN" altLang="en-US" sz="3200" dirty="0" smtClean="0"/>
+              <a:t> </a:t>
+            </a:r>
+            <a:r>
+              <a:rPr lang="en-US" altLang="zh-CN" sz="3200" dirty="0" err="1" smtClean="0"/>
+              <a:t>shootdown</a:t>
+            </a:r>
+            <a:endParaRPr lang="zh-CN" altLang="en-US" sz="3200" dirty="0" smtClean="0"/>
+          </a:p>
+          <a:p>
+            <a:r>
+              <a:rPr lang="zh-CN" altLang="en-US" sz="3200" dirty="0"/>
+              <a:t>对于每一个处理器核心，需要保存自己的数据结构，考虑到</a:t>
+            </a:r>
+            <a:r>
+              <a:rPr lang="en-US" altLang="zh-CN" sz="3200" dirty="0"/>
+              <a:t>sv6</a:t>
+            </a:r>
+            <a:r>
+              <a:rPr lang="zh-CN" altLang="en-US" sz="3200" dirty="0"/>
+              <a:t>本身是多核操作系统，并且我们在单核移植的时候已经考虑到这一点，开启多核就不需要特殊处理了。</a:t>
+            </a:r>
             <a:endParaRPr lang="zh-CN" altLang="en-US" sz="3200" dirty="0"/>
           </a:p>
         </p:txBody>
@@ -10304,7 +10484,7 @@
           <p:cNvPr id="2" name="标题 1">
             <a:extLst>
               <a:ext uri="{FF2B5EF4-FFF2-40B4-BE49-F238E27FC236}">
-                <a16:creationId xmlns:a16="http://schemas.microsoft.com/office/drawing/2014/main" id="{B7F27D61-C7B7-4164-82D0-4F7D56D360F4}"/>
+                <a16:creationId xmlns:a16="http://schemas.microsoft.com/office/drawing/2014/main" xmlns="" id="{B7F27D61-C7B7-4164-82D0-4F7D56D360F4}"/>
               </a:ext>
             </a:extLst>
           </p:cNvPr>
@@ -10332,7 +10512,7 @@
           <p:cNvPr id="3" name="内容占位符 2">
             <a:extLst>
               <a:ext uri="{FF2B5EF4-FFF2-40B4-BE49-F238E27FC236}">
-                <a16:creationId xmlns:a16="http://schemas.microsoft.com/office/drawing/2014/main" id="{52E57387-6F0C-496C-9655-45DED2B76AB2}"/>
+                <a16:creationId xmlns:a16="http://schemas.microsoft.com/office/drawing/2014/main" xmlns="" id="{52E57387-6F0C-496C-9655-45DED2B76AB2}"/>
               </a:ext>
             </a:extLst>
           </p:cNvPr>
@@ -10346,10 +10526,96 @@
         <p:spPr/>
         <p:txBody>
           <a:bodyPr>
-            <a:normAutofit/>
+            <a:normAutofit fontScale="92500" lnSpcReduction="10000"/>
           </a:bodyPr>
           <a:lstStyle/>
           <a:p>
+            <a:r>
+              <a:rPr lang="zh-CN" altLang="en-US" sz="3200" dirty="0"/>
+              <a:t>第一，真实硬件启动时内存的内容是随机的，而模拟器一般会将内存空间全部</a:t>
+            </a:r>
+            <a:r>
+              <a:rPr lang="zh-CN" altLang="en-US" sz="3200"/>
+              <a:t>清零</a:t>
+            </a:r>
+            <a:r>
+              <a:rPr lang="zh-CN" altLang="en-US" sz="3200" smtClean="0"/>
+              <a:t>。</a:t>
+            </a:r>
+          </a:p>
+          <a:p>
+            <a:pPr lvl="1"/>
+            <a:r>
+              <a:rPr lang="zh-CN" altLang="en-US" sz="2800" smtClean="0"/>
+              <a:t>为此</a:t>
+            </a:r>
+            <a:r>
+              <a:rPr lang="zh-CN" altLang="en-US" sz="2800" dirty="0"/>
+              <a:t>，需要在内核启动时清零</a:t>
+            </a:r>
+            <a:r>
+              <a:rPr lang="en-US" altLang="zh-CN" sz="2800" dirty="0" err="1"/>
+              <a:t>bss</a:t>
+            </a:r>
+            <a:r>
+              <a:rPr lang="zh-CN" altLang="en-US" sz="2800" dirty="0"/>
+              <a:t>段等内存区域</a:t>
+            </a:r>
+            <a:r>
+              <a:rPr lang="zh-CN" altLang="en-US" sz="2800" dirty="0" smtClean="0"/>
+              <a:t>。</a:t>
+            </a:r>
+          </a:p>
+          <a:p>
+            <a:r>
+              <a:rPr lang="zh-CN" altLang="en-US" sz="3200" dirty="0" smtClean="0"/>
+              <a:t>第二</a:t>
+            </a:r>
+            <a:r>
+              <a:rPr lang="zh-CN" altLang="en-US" sz="3200" dirty="0"/>
+              <a:t>，真实硬件有缓存以及</a:t>
+            </a:r>
+            <a:r>
+              <a:rPr lang="en-US" altLang="zh-CN" sz="3200" dirty="0"/>
+              <a:t>TLB</a:t>
+            </a:r>
+            <a:r>
+              <a:rPr lang="zh-CN" altLang="en-US" sz="3200" dirty="0"/>
+              <a:t>，模拟器一般不会特意模拟这些</a:t>
+            </a:r>
+            <a:r>
+              <a:rPr lang="zh-CN" altLang="en-US" sz="3200"/>
+              <a:t>特性</a:t>
+            </a:r>
+            <a:r>
+              <a:rPr lang="zh-CN" altLang="en-US" sz="3200" smtClean="0"/>
+              <a:t>。</a:t>
+            </a:r>
+          </a:p>
+          <a:p>
+            <a:pPr lvl="1"/>
+            <a:r>
+              <a:rPr lang="zh-CN" altLang="en-US" sz="2800" smtClean="0"/>
+              <a:t>为此</a:t>
+            </a:r>
+            <a:r>
+              <a:rPr lang="zh-CN" altLang="en-US" sz="2800" dirty="0"/>
+              <a:t>，内核修改共享内存或者页表后，需要使用相应指令刷新缓存或</a:t>
+            </a:r>
+            <a:r>
+              <a:rPr lang="en-US" altLang="zh-CN" sz="2800" dirty="0"/>
+              <a:t>TLB</a:t>
+            </a:r>
+            <a:r>
+              <a:rPr lang="zh-CN" altLang="en-US" sz="2800" dirty="0" smtClean="0"/>
+              <a:t>。</a:t>
+            </a:r>
+          </a:p>
+          <a:p>
+            <a:r>
+              <a:rPr lang="zh-CN" altLang="en-US" sz="3200" dirty="0" smtClean="0"/>
+              <a:t>此外，有和具体开发板相关的问题。</a:t>
+            </a:r>
             <a:endParaRPr lang="zh-CN" altLang="en-US" sz="3200" dirty="0"/>
           </a:p>
         </p:txBody>

--- a/final_report.pptx
+++ b/final_report.pptx
@@ -225,7 +225,7 @@
           <a:p>
             <a:fld id="{7966F250-E1E1-474A-BDFF-A985A8EE7376}" type="datetimeFigureOut">
               <a:rPr lang="zh-CN" altLang="en-US" smtClean="0"/>
-              <a:t>18/5/26</a:t>
+              <a:t>2018/5/26</a:t>
             </a:fld>
             <a:endParaRPr lang="zh-CN" altLang="en-US"/>
           </a:p>
@@ -3781,7 +3781,7 @@
           <a:p>
             <a:fld id="{9ED90016-FE2B-4C93-AEF3-0E4E12969ECA}" type="datetimeFigureOut">
               <a:rPr lang="zh-CN" altLang="en-US" smtClean="0"/>
-              <a:t>18/5/26</a:t>
+              <a:t>2018/5/26</a:t>
             </a:fld>
             <a:endParaRPr lang="zh-CN" altLang="en-US"/>
           </a:p>
@@ -3949,7 +3949,7 @@
           <a:p>
             <a:fld id="{9ED90016-FE2B-4C93-AEF3-0E4E12969ECA}" type="datetimeFigureOut">
               <a:rPr lang="zh-CN" altLang="en-US" smtClean="0"/>
-              <a:t>18/5/26</a:t>
+              <a:t>2018/5/26</a:t>
             </a:fld>
             <a:endParaRPr lang="zh-CN" altLang="en-US"/>
           </a:p>
@@ -4127,7 +4127,7 @@
           <a:p>
             <a:fld id="{9ED90016-FE2B-4C93-AEF3-0E4E12969ECA}" type="datetimeFigureOut">
               <a:rPr lang="zh-CN" altLang="en-US" smtClean="0"/>
-              <a:t>18/5/26</a:t>
+              <a:t>2018/5/26</a:t>
             </a:fld>
             <a:endParaRPr lang="zh-CN" altLang="en-US"/>
           </a:p>
@@ -4503,7 +4503,7 @@
           <a:p>
             <a:fld id="{9ED90016-FE2B-4C93-AEF3-0E4E12969ECA}" type="datetimeFigureOut">
               <a:rPr lang="zh-CN" altLang="en-US" smtClean="0"/>
-              <a:t>18/5/26</a:t>
+              <a:t>2018/5/26</a:t>
             </a:fld>
             <a:endParaRPr lang="zh-CN" altLang="en-US"/>
           </a:p>
@@ -4748,7 +4748,7 @@
           <a:p>
             <a:fld id="{9ED90016-FE2B-4C93-AEF3-0E4E12969ECA}" type="datetimeFigureOut">
               <a:rPr lang="zh-CN" altLang="en-US" smtClean="0"/>
-              <a:t>18/5/26</a:t>
+              <a:t>2018/5/26</a:t>
             </a:fld>
             <a:endParaRPr lang="zh-CN" altLang="en-US"/>
           </a:p>
@@ -4977,7 +4977,7 @@
           <a:p>
             <a:fld id="{9ED90016-FE2B-4C93-AEF3-0E4E12969ECA}" type="datetimeFigureOut">
               <a:rPr lang="zh-CN" altLang="en-US" smtClean="0"/>
-              <a:t>18/5/26</a:t>
+              <a:t>2018/5/26</a:t>
             </a:fld>
             <a:endParaRPr lang="zh-CN" altLang="en-US"/>
           </a:p>
@@ -5342,7 +5342,7 @@
           <a:p>
             <a:fld id="{9ED90016-FE2B-4C93-AEF3-0E4E12969ECA}" type="datetimeFigureOut">
               <a:rPr lang="zh-CN" altLang="en-US" smtClean="0"/>
-              <a:t>18/5/26</a:t>
+              <a:t>2018/5/26</a:t>
             </a:fld>
             <a:endParaRPr lang="zh-CN" altLang="en-US"/>
           </a:p>
@@ -5459,7 +5459,7 @@
           <a:p>
             <a:fld id="{9ED90016-FE2B-4C93-AEF3-0E4E12969ECA}" type="datetimeFigureOut">
               <a:rPr lang="zh-CN" altLang="en-US" smtClean="0"/>
-              <a:t>18/5/26</a:t>
+              <a:t>2018/5/26</a:t>
             </a:fld>
             <a:endParaRPr lang="zh-CN" altLang="en-US"/>
           </a:p>
@@ -5554,7 +5554,7 @@
           <a:p>
             <a:fld id="{9ED90016-FE2B-4C93-AEF3-0E4E12969ECA}" type="datetimeFigureOut">
               <a:rPr lang="zh-CN" altLang="en-US" smtClean="0"/>
-              <a:t>18/5/26</a:t>
+              <a:t>2018/5/26</a:t>
             </a:fld>
             <a:endParaRPr lang="zh-CN" altLang="en-US"/>
           </a:p>
@@ -5832,7 +5832,7 @@
           <a:p>
             <a:fld id="{9ED90016-FE2B-4C93-AEF3-0E4E12969ECA}" type="datetimeFigureOut">
               <a:rPr lang="zh-CN" altLang="en-US" smtClean="0"/>
-              <a:t>18/5/26</a:t>
+              <a:t>2018/5/26</a:t>
             </a:fld>
             <a:endParaRPr lang="zh-CN" altLang="en-US"/>
           </a:p>
@@ -6087,7 +6087,7 @@
           <a:p>
             <a:fld id="{9ED90016-FE2B-4C93-AEF3-0E4E12969ECA}" type="datetimeFigureOut">
               <a:rPr lang="zh-CN" altLang="en-US" smtClean="0"/>
-              <a:t>18/5/26</a:t>
+              <a:t>2018/5/26</a:t>
             </a:fld>
             <a:endParaRPr lang="zh-CN" altLang="en-US"/>
           </a:p>
@@ -6298,7 +6298,7 @@
           <a:p>
             <a:fld id="{9ED90016-FE2B-4C93-AEF3-0E4E12969ECA}" type="datetimeFigureOut">
               <a:rPr lang="zh-CN" altLang="en-US" smtClean="0"/>
-              <a:t>18/5/26</a:t>
+              <a:t>2018/5/26</a:t>
             </a:fld>
             <a:endParaRPr lang="zh-CN" altLang="en-US"/>
           </a:p>
@@ -6766,7 +6766,7 @@
           <p:cNvPr id="2" name="标题 1">
             <a:extLst>
               <a:ext uri="{FF2B5EF4-FFF2-40B4-BE49-F238E27FC236}">
-                <a16:creationId xmlns:a16="http://schemas.microsoft.com/office/drawing/2014/main" xmlns="" id="{585A6C5C-78A9-42A3-B504-FA4747B8A7AC}"/>
+                <a16:creationId xmlns:a16="http://schemas.microsoft.com/office/drawing/2014/main" id="{585A6C5C-78A9-42A3-B504-FA4747B8A7AC}"/>
               </a:ext>
             </a:extLst>
           </p:cNvPr>
@@ -6844,7 +6844,7 @@
           <p:cNvPr id="3" name="副标题 2">
             <a:extLst>
               <a:ext uri="{FF2B5EF4-FFF2-40B4-BE49-F238E27FC236}">
-                <a16:creationId xmlns:a16="http://schemas.microsoft.com/office/drawing/2014/main" xmlns="" id="{FE645471-E7C3-4B41-B02C-E4467F26772C}"/>
+                <a16:creationId xmlns:a16="http://schemas.microsoft.com/office/drawing/2014/main" id="{FE645471-E7C3-4B41-B02C-E4467F26772C}"/>
               </a:ext>
             </a:extLst>
           </p:cNvPr>
@@ -6959,7 +6959,7 @@
           <p:cNvPr id="2" name="标题 1">
             <a:extLst>
               <a:ext uri="{FF2B5EF4-FFF2-40B4-BE49-F238E27FC236}">
-                <a16:creationId xmlns:a16="http://schemas.microsoft.com/office/drawing/2014/main" xmlns="" id="{B7F27D61-C7B7-4164-82D0-4F7D56D360F4}"/>
+                <a16:creationId xmlns:a16="http://schemas.microsoft.com/office/drawing/2014/main" id="{B7F27D61-C7B7-4164-82D0-4F7D56D360F4}"/>
               </a:ext>
             </a:extLst>
           </p:cNvPr>
@@ -6988,7 +6988,7 @@
           <p:cNvPr id="6" name="内容占位符 5">
             <a:extLst>
               <a:ext uri="{FF2B5EF4-FFF2-40B4-BE49-F238E27FC236}">
-                <a16:creationId xmlns:a16="http://schemas.microsoft.com/office/drawing/2014/main" xmlns="" id="{B5068B3A-316B-462B-B79B-E24E8608F761}"/>
+                <a16:creationId xmlns:a16="http://schemas.microsoft.com/office/drawing/2014/main" id="{B5068B3A-316B-462B-B79B-E24E8608F761}"/>
               </a:ext>
             </a:extLst>
           </p:cNvPr>
@@ -7053,7 +7053,7 @@
           <p:cNvPr id="2" name="标题 1">
             <a:extLst>
               <a:ext uri="{FF2B5EF4-FFF2-40B4-BE49-F238E27FC236}">
-                <a16:creationId xmlns:a16="http://schemas.microsoft.com/office/drawing/2014/main" xmlns="" id="{B7F27D61-C7B7-4164-82D0-4F7D56D360F4}"/>
+                <a16:creationId xmlns:a16="http://schemas.microsoft.com/office/drawing/2014/main" id="{B7F27D61-C7B7-4164-82D0-4F7D56D360F4}"/>
               </a:ext>
             </a:extLst>
           </p:cNvPr>
@@ -7082,7 +7082,7 @@
           <p:cNvPr id="8" name="图片 7">
             <a:extLst>
               <a:ext uri="{FF2B5EF4-FFF2-40B4-BE49-F238E27FC236}">
-                <a16:creationId xmlns:a16="http://schemas.microsoft.com/office/drawing/2014/main" xmlns="" id="{A39D554E-D686-4155-9691-14409EB60799}"/>
+                <a16:creationId xmlns:a16="http://schemas.microsoft.com/office/drawing/2014/main" id="{A39D554E-D686-4155-9691-14409EB60799}"/>
               </a:ext>
             </a:extLst>
           </p:cNvPr>
@@ -7148,7 +7148,7 @@
           <p:cNvPr id="2" name="标题 1">
             <a:extLst>
               <a:ext uri="{FF2B5EF4-FFF2-40B4-BE49-F238E27FC236}">
-                <a16:creationId xmlns:a16="http://schemas.microsoft.com/office/drawing/2014/main" xmlns="" id="{BAEAB90C-1C1D-4D2A-A666-BD11484D8E8C}"/>
+                <a16:creationId xmlns:a16="http://schemas.microsoft.com/office/drawing/2014/main" id="{BAEAB90C-1C1D-4D2A-A666-BD11484D8E8C}"/>
               </a:ext>
             </a:extLst>
           </p:cNvPr>
@@ -7200,7 +7200,7 @@
           <p:cNvPr id="3" name="文本占位符 2">
             <a:extLst>
               <a:ext uri="{FF2B5EF4-FFF2-40B4-BE49-F238E27FC236}">
-                <a16:creationId xmlns:a16="http://schemas.microsoft.com/office/drawing/2014/main" xmlns="" id="{33453BAE-5B56-48B1-823D-D06712952257}"/>
+                <a16:creationId xmlns:a16="http://schemas.microsoft.com/office/drawing/2014/main" id="{33453BAE-5B56-48B1-823D-D06712952257}"/>
               </a:ext>
             </a:extLst>
           </p:cNvPr>
@@ -7255,7 +7255,7 @@
           <p:cNvPr id="2" name="标题 1">
             <a:extLst>
               <a:ext uri="{FF2B5EF4-FFF2-40B4-BE49-F238E27FC236}">
-                <a16:creationId xmlns:a16="http://schemas.microsoft.com/office/drawing/2014/main" xmlns="" id="{B7F27D61-C7B7-4164-82D0-4F7D56D360F4}"/>
+                <a16:creationId xmlns:a16="http://schemas.microsoft.com/office/drawing/2014/main" id="{B7F27D61-C7B7-4164-82D0-4F7D56D360F4}"/>
               </a:ext>
             </a:extLst>
           </p:cNvPr>
@@ -7287,7 +7287,7 @@
           <p:cNvPr id="3" name="内容占位符 2">
             <a:extLst>
               <a:ext uri="{FF2B5EF4-FFF2-40B4-BE49-F238E27FC236}">
-                <a16:creationId xmlns:a16="http://schemas.microsoft.com/office/drawing/2014/main" xmlns="" id="{52E57387-6F0C-496C-9655-45DED2B76AB2}"/>
+                <a16:creationId xmlns:a16="http://schemas.microsoft.com/office/drawing/2014/main" id="{52E57387-6F0C-496C-9655-45DED2B76AB2}"/>
               </a:ext>
             </a:extLst>
           </p:cNvPr>
@@ -7379,7 +7379,7 @@
           <p:cNvPr id="2" name="标题 1">
             <a:extLst>
               <a:ext uri="{FF2B5EF4-FFF2-40B4-BE49-F238E27FC236}">
-                <a16:creationId xmlns:a16="http://schemas.microsoft.com/office/drawing/2014/main" xmlns="" id="{B7F27D61-C7B7-4164-82D0-4F7D56D360F4}"/>
+                <a16:creationId xmlns:a16="http://schemas.microsoft.com/office/drawing/2014/main" id="{B7F27D61-C7B7-4164-82D0-4F7D56D360F4}"/>
               </a:ext>
             </a:extLst>
           </p:cNvPr>
@@ -7411,7 +7411,7 @@
           <p:cNvPr id="3" name="内容占位符 2">
             <a:extLst>
               <a:ext uri="{FF2B5EF4-FFF2-40B4-BE49-F238E27FC236}">
-                <a16:creationId xmlns:a16="http://schemas.microsoft.com/office/drawing/2014/main" xmlns="" id="{52E57387-6F0C-496C-9655-45DED2B76AB2}"/>
+                <a16:creationId xmlns:a16="http://schemas.microsoft.com/office/drawing/2014/main" id="{52E57387-6F0C-496C-9655-45DED2B76AB2}"/>
               </a:ext>
             </a:extLst>
           </p:cNvPr>
@@ -7479,7 +7479,7 @@
           <p:cNvPr id="2" name="标题 1">
             <a:extLst>
               <a:ext uri="{FF2B5EF4-FFF2-40B4-BE49-F238E27FC236}">
-                <a16:creationId xmlns:a16="http://schemas.microsoft.com/office/drawing/2014/main" xmlns="" id="{B7F27D61-C7B7-4164-82D0-4F7D56D360F4}"/>
+                <a16:creationId xmlns:a16="http://schemas.microsoft.com/office/drawing/2014/main" id="{B7F27D61-C7B7-4164-82D0-4F7D56D360F4}"/>
               </a:ext>
             </a:extLst>
           </p:cNvPr>
@@ -7511,7 +7511,7 @@
           <p:cNvPr id="4" name="内容占位符 3">
             <a:extLst>
               <a:ext uri="{FF2B5EF4-FFF2-40B4-BE49-F238E27FC236}">
-                <a16:creationId xmlns:a16="http://schemas.microsoft.com/office/drawing/2014/main" xmlns="" id="{6FEF853C-D01E-4417-805F-1D4F8973774D}"/>
+                <a16:creationId xmlns:a16="http://schemas.microsoft.com/office/drawing/2014/main" id="{6FEF853C-D01E-4417-805F-1D4F8973774D}"/>
               </a:ext>
             </a:extLst>
           </p:cNvPr>
@@ -7543,7 +7543,7 @@
           <p:cNvPr id="5" name="内容占位符 2">
             <a:extLst>
               <a:ext uri="{FF2B5EF4-FFF2-40B4-BE49-F238E27FC236}">
-                <a16:creationId xmlns:a16="http://schemas.microsoft.com/office/drawing/2014/main" xmlns="" id="{69962F2A-F96F-4B5F-9103-FF870032CCBB}"/>
+                <a16:creationId xmlns:a16="http://schemas.microsoft.com/office/drawing/2014/main" id="{69962F2A-F96F-4B5F-9103-FF870032CCBB}"/>
               </a:ext>
             </a:extLst>
           </p:cNvPr>
@@ -7786,7 +7786,7 @@
           <p:cNvPr id="2" name="标题 1">
             <a:extLst>
               <a:ext uri="{FF2B5EF4-FFF2-40B4-BE49-F238E27FC236}">
-                <a16:creationId xmlns:a16="http://schemas.microsoft.com/office/drawing/2014/main" xmlns="" id="{B7F27D61-C7B7-4164-82D0-4F7D56D360F4}"/>
+                <a16:creationId xmlns:a16="http://schemas.microsoft.com/office/drawing/2014/main" id="{B7F27D61-C7B7-4164-82D0-4F7D56D360F4}"/>
               </a:ext>
             </a:extLst>
           </p:cNvPr>
@@ -7815,7 +7815,7 @@
           <p:cNvPr id="3" name="内容占位符 2">
             <a:extLst>
               <a:ext uri="{FF2B5EF4-FFF2-40B4-BE49-F238E27FC236}">
-                <a16:creationId xmlns:a16="http://schemas.microsoft.com/office/drawing/2014/main" xmlns="" id="{52E57387-6F0C-496C-9655-45DED2B76AB2}"/>
+                <a16:creationId xmlns:a16="http://schemas.microsoft.com/office/drawing/2014/main" id="{52E57387-6F0C-496C-9655-45DED2B76AB2}"/>
               </a:ext>
             </a:extLst>
           </p:cNvPr>
@@ -7929,7 +7929,7 @@
           <p:cNvPr id="2" name="标题 1">
             <a:extLst>
               <a:ext uri="{FF2B5EF4-FFF2-40B4-BE49-F238E27FC236}">
-                <a16:creationId xmlns:a16="http://schemas.microsoft.com/office/drawing/2014/main" xmlns="" id="{B7F27D61-C7B7-4164-82D0-4F7D56D360F4}"/>
+                <a16:creationId xmlns:a16="http://schemas.microsoft.com/office/drawing/2014/main" id="{B7F27D61-C7B7-4164-82D0-4F7D56D360F4}"/>
               </a:ext>
             </a:extLst>
           </p:cNvPr>
@@ -7961,7 +7961,7 @@
           <p:cNvPr id="3" name="内容占位符 2">
             <a:extLst>
               <a:ext uri="{FF2B5EF4-FFF2-40B4-BE49-F238E27FC236}">
-                <a16:creationId xmlns:a16="http://schemas.microsoft.com/office/drawing/2014/main" xmlns="" id="{52E57387-6F0C-496C-9655-45DED2B76AB2}"/>
+                <a16:creationId xmlns:a16="http://schemas.microsoft.com/office/drawing/2014/main" id="{52E57387-6F0C-496C-9655-45DED2B76AB2}"/>
               </a:ext>
             </a:extLst>
           </p:cNvPr>
@@ -8058,7 +8058,7 @@
           <p:cNvPr id="2" name="标题 1">
             <a:extLst>
               <a:ext uri="{FF2B5EF4-FFF2-40B4-BE49-F238E27FC236}">
-                <a16:creationId xmlns:a16="http://schemas.microsoft.com/office/drawing/2014/main" xmlns="" id="{B7F27D61-C7B7-4164-82D0-4F7D56D360F4}"/>
+                <a16:creationId xmlns:a16="http://schemas.microsoft.com/office/drawing/2014/main" id="{B7F27D61-C7B7-4164-82D0-4F7D56D360F4}"/>
               </a:ext>
             </a:extLst>
           </p:cNvPr>
@@ -8087,7 +8087,7 @@
           <p:cNvPr id="3" name="内容占位符 2">
             <a:extLst>
               <a:ext uri="{FF2B5EF4-FFF2-40B4-BE49-F238E27FC236}">
-                <a16:creationId xmlns:a16="http://schemas.microsoft.com/office/drawing/2014/main" xmlns="" id="{52E57387-6F0C-496C-9655-45DED2B76AB2}"/>
+                <a16:creationId xmlns:a16="http://schemas.microsoft.com/office/drawing/2014/main" id="{52E57387-6F0C-496C-9655-45DED2B76AB2}"/>
               </a:ext>
             </a:extLst>
           </p:cNvPr>
@@ -8185,7 +8185,7 @@
           <p:cNvPr id="2" name="标题 1">
             <a:extLst>
               <a:ext uri="{FF2B5EF4-FFF2-40B4-BE49-F238E27FC236}">
-                <a16:creationId xmlns:a16="http://schemas.microsoft.com/office/drawing/2014/main" xmlns="" id="{B7F27D61-C7B7-4164-82D0-4F7D56D360F4}"/>
+                <a16:creationId xmlns:a16="http://schemas.microsoft.com/office/drawing/2014/main" id="{B7F27D61-C7B7-4164-82D0-4F7D56D360F4}"/>
               </a:ext>
             </a:extLst>
           </p:cNvPr>
@@ -8214,7 +8214,7 @@
           <p:cNvPr id="3" name="内容占位符 2">
             <a:extLst>
               <a:ext uri="{FF2B5EF4-FFF2-40B4-BE49-F238E27FC236}">
-                <a16:creationId xmlns:a16="http://schemas.microsoft.com/office/drawing/2014/main" xmlns="" id="{52E57387-6F0C-496C-9655-45DED2B76AB2}"/>
+                <a16:creationId xmlns:a16="http://schemas.microsoft.com/office/drawing/2014/main" id="{52E57387-6F0C-496C-9655-45DED2B76AB2}"/>
               </a:ext>
             </a:extLst>
           </p:cNvPr>
@@ -8293,7 +8293,7 @@
           <p:cNvPr id="2" name="标题 1">
             <a:extLst>
               <a:ext uri="{FF2B5EF4-FFF2-40B4-BE49-F238E27FC236}">
-                <a16:creationId xmlns:a16="http://schemas.microsoft.com/office/drawing/2014/main" xmlns="" id="{AF4A9058-0A99-4C34-9A1E-866444B016C5}"/>
+                <a16:creationId xmlns:a16="http://schemas.microsoft.com/office/drawing/2014/main" id="{AF4A9058-0A99-4C34-9A1E-866444B016C5}"/>
               </a:ext>
             </a:extLst>
           </p:cNvPr>
@@ -8331,7 +8331,7 @@
           <p:cNvPr id="3" name="内容占位符 2">
             <a:extLst>
               <a:ext uri="{FF2B5EF4-FFF2-40B4-BE49-F238E27FC236}">
-                <a16:creationId xmlns:a16="http://schemas.microsoft.com/office/drawing/2014/main" xmlns="" id="{72743921-57C6-4090-84A9-CEC673734288}"/>
+                <a16:creationId xmlns:a16="http://schemas.microsoft.com/office/drawing/2014/main" id="{72743921-57C6-4090-84A9-CEC673734288}"/>
               </a:ext>
             </a:extLst>
           </p:cNvPr>
@@ -8449,7 +8449,7 @@
           <p:cNvPr id="2" name="标题 1">
             <a:extLst>
               <a:ext uri="{FF2B5EF4-FFF2-40B4-BE49-F238E27FC236}">
-                <a16:creationId xmlns:a16="http://schemas.microsoft.com/office/drawing/2014/main" xmlns="" id="{B7F27D61-C7B7-4164-82D0-4F7D56D360F4}"/>
+                <a16:creationId xmlns:a16="http://schemas.microsoft.com/office/drawing/2014/main" id="{B7F27D61-C7B7-4164-82D0-4F7D56D360F4}"/>
               </a:ext>
             </a:extLst>
           </p:cNvPr>
@@ -8481,7 +8481,7 @@
           <p:cNvPr id="4" name="内容占位符 3">
             <a:extLst>
               <a:ext uri="{FF2B5EF4-FFF2-40B4-BE49-F238E27FC236}">
-                <a16:creationId xmlns:a16="http://schemas.microsoft.com/office/drawing/2014/main" xmlns="" id="{A2003350-AC6A-4973-AAA5-85523F2FD59C}"/>
+                <a16:creationId xmlns:a16="http://schemas.microsoft.com/office/drawing/2014/main" id="{A2003350-AC6A-4973-AAA5-85523F2FD59C}"/>
               </a:ext>
             </a:extLst>
           </p:cNvPr>
@@ -8543,7 +8543,7 @@
           <p:cNvPr id="2" name="标题 1">
             <a:extLst>
               <a:ext uri="{FF2B5EF4-FFF2-40B4-BE49-F238E27FC236}">
-                <a16:creationId xmlns:a16="http://schemas.microsoft.com/office/drawing/2014/main" xmlns="" id="{B7F27D61-C7B7-4164-82D0-4F7D56D360F4}"/>
+                <a16:creationId xmlns:a16="http://schemas.microsoft.com/office/drawing/2014/main" id="{B7F27D61-C7B7-4164-82D0-4F7D56D360F4}"/>
               </a:ext>
             </a:extLst>
           </p:cNvPr>
@@ -8572,7 +8572,7 @@
           <p:cNvPr id="5" name="内容占位符 4">
             <a:extLst>
               <a:ext uri="{FF2B5EF4-FFF2-40B4-BE49-F238E27FC236}">
-                <a16:creationId xmlns:a16="http://schemas.microsoft.com/office/drawing/2014/main" xmlns="" id="{CC48AD1C-58BF-43BE-BF4C-81E8D6D9AAF0}"/>
+                <a16:creationId xmlns:a16="http://schemas.microsoft.com/office/drawing/2014/main" id="{CC48AD1C-58BF-43BE-BF4C-81E8D6D9AAF0}"/>
               </a:ext>
             </a:extLst>
           </p:cNvPr>
@@ -8598,7 +8598,7 @@
             </a:r>
             <a:r>
               <a:rPr lang="zh-CN" altLang="en-US" dirty="0"/>
-              <a:t>取并，更新为新的</a:t>
+              <a:t>取交，更新为新的</a:t>
             </a:r>
             <a:r>
               <a:rPr lang="en-US" altLang="zh-CN" dirty="0"/>
@@ -8646,7 +8646,7 @@
           <p:cNvPr id="2" name="标题 1">
             <a:extLst>
               <a:ext uri="{FF2B5EF4-FFF2-40B4-BE49-F238E27FC236}">
-                <a16:creationId xmlns:a16="http://schemas.microsoft.com/office/drawing/2014/main" xmlns="" id="{B7F27D61-C7B7-4164-82D0-4F7D56D360F4}"/>
+                <a16:creationId xmlns:a16="http://schemas.microsoft.com/office/drawing/2014/main" id="{B7F27D61-C7B7-4164-82D0-4F7D56D360F4}"/>
               </a:ext>
             </a:extLst>
           </p:cNvPr>
@@ -8674,7 +8674,7 @@
           <p:cNvPr id="6" name="内容占位符 5">
             <a:extLst>
               <a:ext uri="{FF2B5EF4-FFF2-40B4-BE49-F238E27FC236}">
-                <a16:creationId xmlns:a16="http://schemas.microsoft.com/office/drawing/2014/main" xmlns="" id="{A1AE999A-0C87-45FC-A37C-CE787A64EBBB}"/>
+                <a16:creationId xmlns:a16="http://schemas.microsoft.com/office/drawing/2014/main" id="{A1AE999A-0C87-45FC-A37C-CE787A64EBBB}"/>
               </a:ext>
             </a:extLst>
           </p:cNvPr>
@@ -8695,6 +8695,36 @@
           <a:xfrm>
             <a:off x="2225813" y="1055711"/>
             <a:ext cx="7740373" cy="5802289"/>
+          </a:xfrm>
+          <a:prstGeom prst="rect">
+            <a:avLst/>
+          </a:prstGeom>
+        </p:spPr>
+      </p:pic>
+      <p:pic>
+        <p:nvPicPr>
+          <p:cNvPr id="3" name="图片 2">
+            <a:extLst>
+              <a:ext uri="{FF2B5EF4-FFF2-40B4-BE49-F238E27FC236}">
+                <a16:creationId xmlns:a16="http://schemas.microsoft.com/office/drawing/2014/main" id="{9E9E89E9-71C8-452B-A4C8-E705E14B3AC7}"/>
+              </a:ext>
+            </a:extLst>
+          </p:cNvPr>
+          <p:cNvPicPr>
+            <a:picLocks noChangeAspect="1"/>
+          </p:cNvPicPr>
+          <p:nvPr/>
+        </p:nvPicPr>
+        <p:blipFill>
+          <a:blip r:embed="rId4"/>
+          <a:stretch>
+            <a:fillRect/>
+          </a:stretch>
+        </p:blipFill>
+        <p:spPr>
+          <a:xfrm>
+            <a:off x="2539999" y="5059684"/>
+            <a:ext cx="7394007" cy="1080942"/>
           </a:xfrm>
           <a:prstGeom prst="rect">
             <a:avLst/>
@@ -8736,7 +8766,7 @@
           <p:cNvPr id="2" name="标题 1">
             <a:extLst>
               <a:ext uri="{FF2B5EF4-FFF2-40B4-BE49-F238E27FC236}">
-                <a16:creationId xmlns:a16="http://schemas.microsoft.com/office/drawing/2014/main" xmlns="" id="{B7F27D61-C7B7-4164-82D0-4F7D56D360F4}"/>
+                <a16:creationId xmlns:a16="http://schemas.microsoft.com/office/drawing/2014/main" id="{B7F27D61-C7B7-4164-82D0-4F7D56D360F4}"/>
               </a:ext>
             </a:extLst>
           </p:cNvPr>
@@ -8765,7 +8795,7 @@
           <p:cNvPr id="3" name="内容占位符 2">
             <a:extLst>
               <a:ext uri="{FF2B5EF4-FFF2-40B4-BE49-F238E27FC236}">
-                <a16:creationId xmlns:a16="http://schemas.microsoft.com/office/drawing/2014/main" xmlns="" id="{52E57387-6F0C-496C-9655-45DED2B76AB2}"/>
+                <a16:creationId xmlns:a16="http://schemas.microsoft.com/office/drawing/2014/main" id="{52E57387-6F0C-496C-9655-45DED2B76AB2}"/>
               </a:ext>
             </a:extLst>
           </p:cNvPr>
@@ -8853,7 +8883,7 @@
           <p:cNvPr id="2" name="标题 1">
             <a:extLst>
               <a:ext uri="{FF2B5EF4-FFF2-40B4-BE49-F238E27FC236}">
-                <a16:creationId xmlns:a16="http://schemas.microsoft.com/office/drawing/2014/main" xmlns="" id="{BAEAB90C-1C1D-4D2A-A666-BD11484D8E8C}"/>
+                <a16:creationId xmlns:a16="http://schemas.microsoft.com/office/drawing/2014/main" id="{BAEAB90C-1C1D-4D2A-A666-BD11484D8E8C}"/>
               </a:ext>
             </a:extLst>
           </p:cNvPr>
@@ -8938,7 +8968,7 @@
           <p:cNvPr id="3" name="文本占位符 2">
             <a:extLst>
               <a:ext uri="{FF2B5EF4-FFF2-40B4-BE49-F238E27FC236}">
-                <a16:creationId xmlns:a16="http://schemas.microsoft.com/office/drawing/2014/main" xmlns="" id="{33453BAE-5B56-48B1-823D-D06712952257}"/>
+                <a16:creationId xmlns:a16="http://schemas.microsoft.com/office/drawing/2014/main" id="{33453BAE-5B56-48B1-823D-D06712952257}"/>
               </a:ext>
             </a:extLst>
           </p:cNvPr>
@@ -8993,7 +9023,7 @@
           <p:cNvPr id="2" name="标题 1">
             <a:extLst>
               <a:ext uri="{FF2B5EF4-FFF2-40B4-BE49-F238E27FC236}">
-                <a16:creationId xmlns:a16="http://schemas.microsoft.com/office/drawing/2014/main" xmlns="" id="{B7F27D61-C7B7-4164-82D0-4F7D56D360F4}"/>
+                <a16:creationId xmlns:a16="http://schemas.microsoft.com/office/drawing/2014/main" id="{B7F27D61-C7B7-4164-82D0-4F7D56D360F4}"/>
               </a:ext>
             </a:extLst>
           </p:cNvPr>
@@ -9025,7 +9055,7 @@
           <p:cNvPr id="3" name="内容占位符 2">
             <a:extLst>
               <a:ext uri="{FF2B5EF4-FFF2-40B4-BE49-F238E27FC236}">
-                <a16:creationId xmlns:a16="http://schemas.microsoft.com/office/drawing/2014/main" xmlns="" id="{52E57387-6F0C-496C-9655-45DED2B76AB2}"/>
+                <a16:creationId xmlns:a16="http://schemas.microsoft.com/office/drawing/2014/main" id="{52E57387-6F0C-496C-9655-45DED2B76AB2}"/>
               </a:ext>
             </a:extLst>
           </p:cNvPr>
@@ -9045,39 +9075,23 @@
           <a:p>
             <a:r>
               <a:rPr lang="zh-CN" altLang="en-US" sz="3200" dirty="0"/>
-              <a:t>考虑</a:t>
-            </a:r>
-            <a:r>
-              <a:rPr lang="zh-CN" altLang="en-US" sz="3200" dirty="0" smtClean="0"/>
-              <a:t>到</a:t>
-            </a:r>
-            <a:r>
-              <a:rPr lang="en-US" altLang="zh-CN" sz="3200" dirty="0" smtClean="0"/>
+              <a:t>考虑到</a:t>
+            </a:r>
+            <a:r>
+              <a:rPr lang="en-US" altLang="zh-CN" sz="3200" dirty="0"/>
               <a:t>TCP</a:t>
             </a:r>
             <a:r>
-              <a:rPr lang="zh-CN" altLang="en-US" sz="3200" dirty="0" smtClean="0"/>
-              <a:t>的</a:t>
-            </a:r>
-            <a:r>
               <a:rPr lang="zh-CN" altLang="en-US" sz="3200" dirty="0"/>
-              <a:t>协议状态机太过于复杂，我们选择了对无连接不可靠</a:t>
-            </a:r>
-            <a:r>
-              <a:rPr lang="zh-CN" altLang="en-US" sz="3200" dirty="0" smtClean="0"/>
-              <a:t>的</a:t>
-            </a:r>
-            <a:r>
-              <a:rPr lang="en-US" altLang="zh-CN" sz="3200" dirty="0" smtClean="0"/>
+              <a:t>的协议状态机太过于复杂，我们选择了对无连接不可靠的</a:t>
+            </a:r>
+            <a:r>
+              <a:rPr lang="en-US" altLang="zh-CN" sz="3200" dirty="0"/>
               <a:t>UDP</a:t>
             </a:r>
             <a:r>
-              <a:rPr lang="zh-CN" altLang="en-US" sz="3200" dirty="0" smtClean="0"/>
-              <a:t>进行</a:t>
-            </a:r>
-            <a:r>
               <a:rPr lang="zh-CN" altLang="en-US" sz="3200" dirty="0"/>
-              <a:t>建模，主要建模的系统调用有</a:t>
+              <a:t>进行建模，主要建模的系统调用有</a:t>
             </a:r>
             <a:r>
               <a:rPr lang="en-US" altLang="zh-CN" sz="3200" dirty="0"/>
@@ -9197,7 +9211,7 @@
           <p:cNvPr id="2" name="标题 1">
             <a:extLst>
               <a:ext uri="{FF2B5EF4-FFF2-40B4-BE49-F238E27FC236}">
-                <a16:creationId xmlns:a16="http://schemas.microsoft.com/office/drawing/2014/main" xmlns="" id="{B7F27D61-C7B7-4164-82D0-4F7D56D360F4}"/>
+                <a16:creationId xmlns:a16="http://schemas.microsoft.com/office/drawing/2014/main" id="{B7F27D61-C7B7-4164-82D0-4F7D56D360F4}"/>
               </a:ext>
             </a:extLst>
           </p:cNvPr>
@@ -9229,7 +9243,7 @@
           <p:cNvPr id="3" name="内容占位符 2">
             <a:extLst>
               <a:ext uri="{FF2B5EF4-FFF2-40B4-BE49-F238E27FC236}">
-                <a16:creationId xmlns:a16="http://schemas.microsoft.com/office/drawing/2014/main" xmlns="" id="{52E57387-6F0C-496C-9655-45DED2B76AB2}"/>
+                <a16:creationId xmlns:a16="http://schemas.microsoft.com/office/drawing/2014/main" id="{52E57387-6F0C-496C-9655-45DED2B76AB2}"/>
               </a:ext>
             </a:extLst>
           </p:cNvPr>
@@ -9297,7 +9311,7 @@
           <p:cNvPr id="2" name="标题 1">
             <a:extLst>
               <a:ext uri="{FF2B5EF4-FFF2-40B4-BE49-F238E27FC236}">
-                <a16:creationId xmlns:a16="http://schemas.microsoft.com/office/drawing/2014/main" xmlns="" id="{B7F27D61-C7B7-4164-82D0-4F7D56D360F4}"/>
+                <a16:creationId xmlns:a16="http://schemas.microsoft.com/office/drawing/2014/main" id="{B7F27D61-C7B7-4164-82D0-4F7D56D360F4}"/>
               </a:ext>
             </a:extLst>
           </p:cNvPr>
@@ -9326,7 +9340,7 @@
           <p:cNvPr id="3" name="内容占位符 2">
             <a:extLst>
               <a:ext uri="{FF2B5EF4-FFF2-40B4-BE49-F238E27FC236}">
-                <a16:creationId xmlns:a16="http://schemas.microsoft.com/office/drawing/2014/main" xmlns="" id="{52E57387-6F0C-496C-9655-45DED2B76AB2}"/>
+                <a16:creationId xmlns:a16="http://schemas.microsoft.com/office/drawing/2014/main" id="{52E57387-6F0C-496C-9655-45DED2B76AB2}"/>
               </a:ext>
             </a:extLst>
           </p:cNvPr>
@@ -9472,7 +9486,7 @@
           <p:cNvPr id="2" name="标题 1">
             <a:extLst>
               <a:ext uri="{FF2B5EF4-FFF2-40B4-BE49-F238E27FC236}">
-                <a16:creationId xmlns:a16="http://schemas.microsoft.com/office/drawing/2014/main" xmlns="" id="{B7F27D61-C7B7-4164-82D0-4F7D56D360F4}"/>
+                <a16:creationId xmlns:a16="http://schemas.microsoft.com/office/drawing/2014/main" id="{B7F27D61-C7B7-4164-82D0-4F7D56D360F4}"/>
               </a:ext>
             </a:extLst>
           </p:cNvPr>
@@ -9501,7 +9515,7 @@
           <p:cNvPr id="3" name="内容占位符 2">
             <a:extLst>
               <a:ext uri="{FF2B5EF4-FFF2-40B4-BE49-F238E27FC236}">
-                <a16:creationId xmlns:a16="http://schemas.microsoft.com/office/drawing/2014/main" xmlns="" id="{52E57387-6F0C-496C-9655-45DED2B76AB2}"/>
+                <a16:creationId xmlns:a16="http://schemas.microsoft.com/office/drawing/2014/main" id="{52E57387-6F0C-496C-9655-45DED2B76AB2}"/>
               </a:ext>
             </a:extLst>
           </p:cNvPr>
@@ -9664,7 +9678,7 @@
           <p:cNvPr id="2" name="标题 1">
             <a:extLst>
               <a:ext uri="{FF2B5EF4-FFF2-40B4-BE49-F238E27FC236}">
-                <a16:creationId xmlns:a16="http://schemas.microsoft.com/office/drawing/2014/main" xmlns="" id="{1DAB51E8-468B-4288-BC7B-FD3D41CE4EBB}"/>
+                <a16:creationId xmlns:a16="http://schemas.microsoft.com/office/drawing/2014/main" id="{1DAB51E8-468B-4288-BC7B-FD3D41CE4EBB}"/>
               </a:ext>
             </a:extLst>
           </p:cNvPr>
@@ -9709,7 +9723,7 @@
           <p:cNvPr id="3" name="副标题 2">
             <a:extLst>
               <a:ext uri="{FF2B5EF4-FFF2-40B4-BE49-F238E27FC236}">
-                <a16:creationId xmlns:a16="http://schemas.microsoft.com/office/drawing/2014/main" xmlns="" id="{4D8617E2-BAE3-42C5-A2D7-0646ABA9E0A3}"/>
+                <a16:creationId xmlns:a16="http://schemas.microsoft.com/office/drawing/2014/main" id="{4D8617E2-BAE3-42C5-A2D7-0646ABA9E0A3}"/>
               </a:ext>
             </a:extLst>
           </p:cNvPr>
@@ -9787,7 +9801,7 @@
           <p:cNvPr id="2" name="标题 1">
             <a:extLst>
               <a:ext uri="{FF2B5EF4-FFF2-40B4-BE49-F238E27FC236}">
-                <a16:creationId xmlns:a16="http://schemas.microsoft.com/office/drawing/2014/main" xmlns="" id="{B7F27D61-C7B7-4164-82D0-4F7D56D360F4}"/>
+                <a16:creationId xmlns:a16="http://schemas.microsoft.com/office/drawing/2014/main" id="{B7F27D61-C7B7-4164-82D0-4F7D56D360F4}"/>
               </a:ext>
             </a:extLst>
           </p:cNvPr>
@@ -9815,7 +9829,7 @@
           <p:cNvPr id="3" name="内容占位符 2">
             <a:extLst>
               <a:ext uri="{FF2B5EF4-FFF2-40B4-BE49-F238E27FC236}">
-                <a16:creationId xmlns:a16="http://schemas.microsoft.com/office/drawing/2014/main" xmlns="" id="{52E57387-6F0C-496C-9655-45DED2B76AB2}"/>
+                <a16:creationId xmlns:a16="http://schemas.microsoft.com/office/drawing/2014/main" id="{52E57387-6F0C-496C-9655-45DED2B76AB2}"/>
               </a:ext>
             </a:extLst>
           </p:cNvPr>
@@ -9873,7 +9887,7 @@
           <p:cNvPr id="2" name="标题 1">
             <a:extLst>
               <a:ext uri="{FF2B5EF4-FFF2-40B4-BE49-F238E27FC236}">
-                <a16:creationId xmlns:a16="http://schemas.microsoft.com/office/drawing/2014/main" xmlns="" id="{BAEAB90C-1C1D-4D2A-A666-BD11484D8E8C}"/>
+                <a16:creationId xmlns:a16="http://schemas.microsoft.com/office/drawing/2014/main" id="{BAEAB90C-1C1D-4D2A-A666-BD11484D8E8C}"/>
               </a:ext>
             </a:extLst>
           </p:cNvPr>
@@ -9925,7 +9939,7 @@
           <p:cNvPr id="3" name="文本占位符 2">
             <a:extLst>
               <a:ext uri="{FF2B5EF4-FFF2-40B4-BE49-F238E27FC236}">
-                <a16:creationId xmlns:a16="http://schemas.microsoft.com/office/drawing/2014/main" xmlns="" id="{33453BAE-5B56-48B1-823D-D06712952257}"/>
+                <a16:creationId xmlns:a16="http://schemas.microsoft.com/office/drawing/2014/main" id="{33453BAE-5B56-48B1-823D-D06712952257}"/>
               </a:ext>
             </a:extLst>
           </p:cNvPr>
@@ -9980,7 +9994,7 @@
           <p:cNvPr id="2" name="标题 1">
             <a:extLst>
               <a:ext uri="{FF2B5EF4-FFF2-40B4-BE49-F238E27FC236}">
-                <a16:creationId xmlns:a16="http://schemas.microsoft.com/office/drawing/2014/main" xmlns="" id="{B7F27D61-C7B7-4164-82D0-4F7D56D360F4}"/>
+                <a16:creationId xmlns:a16="http://schemas.microsoft.com/office/drawing/2014/main" id="{B7F27D61-C7B7-4164-82D0-4F7D56D360F4}"/>
               </a:ext>
             </a:extLst>
           </p:cNvPr>
@@ -10008,7 +10022,7 @@
           <p:cNvPr id="3" name="内容占位符 2">
             <a:extLst>
               <a:ext uri="{FF2B5EF4-FFF2-40B4-BE49-F238E27FC236}">
-                <a16:creationId xmlns:a16="http://schemas.microsoft.com/office/drawing/2014/main" xmlns="" id="{52E57387-6F0C-496C-9655-45DED2B76AB2}"/>
+                <a16:creationId xmlns:a16="http://schemas.microsoft.com/office/drawing/2014/main" id="{52E57387-6F0C-496C-9655-45DED2B76AB2}"/>
               </a:ext>
             </a:extLst>
           </p:cNvPr>
@@ -10027,38 +10041,38 @@
           <a:lstStyle/>
           <a:p>
             <a:r>
-              <a:rPr lang="zh-CN" altLang="en-US" sz="3200" dirty="0" smtClean="0"/>
+              <a:rPr lang="zh-CN" altLang="en-US" sz="3200" dirty="0"/>
               <a:t>修复</a:t>
             </a:r>
             <a:r>
-              <a:rPr lang="en-US" altLang="zh-CN" sz="3200" dirty="0" smtClean="0"/>
+              <a:rPr lang="en-US" altLang="zh-CN" sz="3200" dirty="0"/>
               <a:t>x86-64</a:t>
             </a:r>
             <a:r>
-              <a:rPr lang="zh-CN" altLang="en-US" sz="3200" dirty="0" smtClean="0"/>
+              <a:rPr lang="zh-CN" altLang="en-US" sz="3200" dirty="0"/>
               <a:t>下的</a:t>
             </a:r>
             <a:r>
-              <a:rPr lang="en-US" altLang="zh-CN" sz="3200" dirty="0" smtClean="0"/>
+              <a:rPr lang="en-US" altLang="zh-CN" sz="3200" dirty="0"/>
               <a:t>sv6</a:t>
             </a:r>
-            <a:endParaRPr lang="zh-CN" altLang="en-US" sz="3200" dirty="0" smtClean="0"/>
-          </a:p>
-          <a:p>
-            <a:r>
-              <a:rPr lang="zh-CN" altLang="en-US" sz="3200" dirty="0" smtClean="0"/>
+            <a:endParaRPr lang="zh-CN" altLang="en-US" sz="3200" dirty="0"/>
+          </a:p>
+          <a:p>
+            <a:r>
+              <a:rPr lang="zh-CN" altLang="en-US" sz="3200" dirty="0"/>
               <a:t>将汇编代码替换为死循环</a:t>
             </a:r>
           </a:p>
           <a:p>
             <a:r>
-              <a:rPr lang="zh-CN" altLang="en-US" sz="3200" dirty="0" smtClean="0"/>
+              <a:rPr lang="zh-CN" altLang="en-US" sz="3200" dirty="0"/>
               <a:t>删除分段相关代码</a:t>
             </a:r>
           </a:p>
           <a:p>
             <a:r>
-              <a:rPr lang="zh-CN" altLang="en-US" sz="3200" dirty="0" smtClean="0"/>
+              <a:rPr lang="zh-CN" altLang="en-US" sz="3200" dirty="0"/>
               <a:t>删除驱动程序</a:t>
             </a:r>
           </a:p>
@@ -10067,7 +10081,6 @@
               <a:rPr lang="zh-CN" altLang="en-US" sz="3200" dirty="0"/>
               <a:t>将其他无法编译的代码变为注释</a:t>
             </a:r>
-            <a:endParaRPr lang="zh-CN" altLang="en-US" sz="3200" dirty="0"/>
           </a:p>
         </p:txBody>
       </p:sp>
@@ -10106,7 +10119,7 @@
           <p:cNvPr id="2" name="标题 1">
             <a:extLst>
               <a:ext uri="{FF2B5EF4-FFF2-40B4-BE49-F238E27FC236}">
-                <a16:creationId xmlns:a16="http://schemas.microsoft.com/office/drawing/2014/main" xmlns="" id="{B7F27D61-C7B7-4164-82D0-4F7D56D360F4}"/>
+                <a16:creationId xmlns:a16="http://schemas.microsoft.com/office/drawing/2014/main" id="{B7F27D61-C7B7-4164-82D0-4F7D56D360F4}"/>
               </a:ext>
             </a:extLst>
           </p:cNvPr>
@@ -10134,7 +10147,7 @@
           <p:cNvPr id="3" name="内容占位符 2">
             <a:extLst>
               <a:ext uri="{FF2B5EF4-FFF2-40B4-BE49-F238E27FC236}">
-                <a16:creationId xmlns:a16="http://schemas.microsoft.com/office/drawing/2014/main" xmlns="" id="{52E57387-6F0C-496C-9655-45DED2B76AB2}"/>
+                <a16:creationId xmlns:a16="http://schemas.microsoft.com/office/drawing/2014/main" id="{52E57387-6F0C-496C-9655-45DED2B76AB2}"/>
               </a:ext>
             </a:extLst>
           </p:cNvPr>
@@ -10153,34 +10166,33 @@
           <a:lstStyle/>
           <a:p>
             <a:r>
-              <a:rPr lang="zh-CN" altLang="en-US" sz="3200" dirty="0" smtClean="0"/>
+              <a:rPr lang="zh-CN" altLang="en-US" sz="3200" dirty="0"/>
               <a:t>运行时库问题</a:t>
             </a:r>
           </a:p>
           <a:p>
             <a:r>
-              <a:rPr lang="en-US" altLang="zh-CN" sz="3200" dirty="0" smtClean="0"/>
+              <a:rPr lang="en-US" altLang="zh-CN" sz="3200" dirty="0"/>
               <a:t>Code</a:t>
             </a:r>
             <a:r>
-              <a:rPr lang="zh-CN" altLang="en-US" sz="3200" dirty="0" smtClean="0"/>
+              <a:rPr lang="zh-CN" altLang="en-US" sz="3200" dirty="0"/>
               <a:t> </a:t>
             </a:r>
             <a:r>
-              <a:rPr lang="en-US" altLang="zh-CN" sz="3200" dirty="0" smtClean="0"/>
+              <a:rPr lang="en-US" altLang="zh-CN" sz="3200" dirty="0"/>
               <a:t>Model</a:t>
             </a:r>
             <a:r>
-              <a:rPr lang="zh-CN" altLang="en-US" sz="3200" dirty="0" smtClean="0"/>
+              <a:rPr lang="zh-CN" altLang="en-US" sz="3200" dirty="0"/>
               <a:t>问题</a:t>
             </a:r>
           </a:p>
           <a:p>
             <a:r>
-              <a:rPr lang="zh-CN" altLang="en-US" sz="3200" dirty="0" smtClean="0"/>
+              <a:rPr lang="zh-CN" altLang="en-US" sz="3200" dirty="0"/>
               <a:t>原子操作问题</a:t>
             </a:r>
-            <a:endParaRPr lang="zh-CN" altLang="en-US" sz="3200" dirty="0"/>
           </a:p>
         </p:txBody>
       </p:sp>
@@ -10219,7 +10231,7 @@
           <p:cNvPr id="2" name="标题 1">
             <a:extLst>
               <a:ext uri="{FF2B5EF4-FFF2-40B4-BE49-F238E27FC236}">
-                <a16:creationId xmlns:a16="http://schemas.microsoft.com/office/drawing/2014/main" xmlns="" id="{B7F27D61-C7B7-4164-82D0-4F7D56D360F4}"/>
+                <a16:creationId xmlns:a16="http://schemas.microsoft.com/office/drawing/2014/main" id="{B7F27D61-C7B7-4164-82D0-4F7D56D360F4}"/>
               </a:ext>
             </a:extLst>
           </p:cNvPr>
@@ -10247,7 +10259,7 @@
           <p:cNvPr id="3" name="内容占位符 2">
             <a:extLst>
               <a:ext uri="{FF2B5EF4-FFF2-40B4-BE49-F238E27FC236}">
-                <a16:creationId xmlns:a16="http://schemas.microsoft.com/office/drawing/2014/main" xmlns="" id="{52E57387-6F0C-496C-9655-45DED2B76AB2}"/>
+                <a16:creationId xmlns:a16="http://schemas.microsoft.com/office/drawing/2014/main" id="{52E57387-6F0C-496C-9655-45DED2B76AB2}"/>
               </a:ext>
             </a:extLst>
           </p:cNvPr>
@@ -10266,7 +10278,7 @@
           <a:lstStyle/>
           <a:p>
             <a:r>
-              <a:rPr lang="zh-CN" altLang="en-US" sz="3200" dirty="0" smtClean="0"/>
+              <a:rPr lang="zh-CN" altLang="en-US" sz="3200" dirty="0"/>
               <a:t>页表填写</a:t>
             </a:r>
           </a:p>
@@ -10285,35 +10297,26 @@
             </a:r>
             <a:r>
               <a:rPr lang="zh-CN" altLang="en-US" sz="3200" dirty="0"/>
-              <a:t>结构</a:t>
-            </a:r>
-            <a:r>
-              <a:rPr lang="zh-CN" altLang="en-US" sz="3200" dirty="0" smtClean="0"/>
-              <a:t>体</a:t>
+              <a:t>结构体</a:t>
             </a:r>
           </a:p>
           <a:p>
             <a:r>
               <a:rPr lang="zh-CN" altLang="en-US" sz="3200" dirty="0"/>
-              <a:t>中断和系统调用的</a:t>
-            </a:r>
-            <a:r>
-              <a:rPr lang="zh-CN" altLang="en-US" sz="3200" dirty="0" smtClean="0"/>
-              <a:t>处理</a:t>
-            </a:r>
-          </a:p>
-          <a:p>
-            <a:r>
-              <a:rPr lang="zh-CN" altLang="en-US" sz="3200" dirty="0" smtClean="0"/>
+              <a:t>中断和系统调用的处理</a:t>
+            </a:r>
+          </a:p>
+          <a:p>
+            <a:r>
+              <a:rPr lang="zh-CN" altLang="en-US" sz="3200" dirty="0"/>
               <a:t>特权指令</a:t>
             </a:r>
           </a:p>
           <a:p>
             <a:r>
-              <a:rPr lang="zh-CN" altLang="en-US" sz="3200" dirty="0" smtClean="0"/>
+              <a:rPr lang="zh-CN" altLang="en-US" sz="3200" dirty="0"/>
               <a:t>其他</a:t>
             </a:r>
-            <a:endParaRPr lang="zh-CN" altLang="en-US" sz="3200" dirty="0"/>
           </a:p>
         </p:txBody>
       </p:sp>
@@ -10352,7 +10355,7 @@
           <p:cNvPr id="2" name="标题 1">
             <a:extLst>
               <a:ext uri="{FF2B5EF4-FFF2-40B4-BE49-F238E27FC236}">
-                <a16:creationId xmlns:a16="http://schemas.microsoft.com/office/drawing/2014/main" xmlns="" id="{B7F27D61-C7B7-4164-82D0-4F7D56D360F4}"/>
+                <a16:creationId xmlns:a16="http://schemas.microsoft.com/office/drawing/2014/main" id="{B7F27D61-C7B7-4164-82D0-4F7D56D360F4}"/>
               </a:ext>
             </a:extLst>
           </p:cNvPr>
@@ -10380,7 +10383,7 @@
           <p:cNvPr id="3" name="内容占位符 2">
             <a:extLst>
               <a:ext uri="{FF2B5EF4-FFF2-40B4-BE49-F238E27FC236}">
-                <a16:creationId xmlns:a16="http://schemas.microsoft.com/office/drawing/2014/main" xmlns="" id="{52E57387-6F0C-496C-9655-45DED2B76AB2}"/>
+                <a16:creationId xmlns:a16="http://schemas.microsoft.com/office/drawing/2014/main" id="{52E57387-6F0C-496C-9655-45DED2B76AB2}"/>
               </a:ext>
             </a:extLst>
           </p:cNvPr>
@@ -10399,38 +10402,38 @@
           <a:lstStyle/>
           <a:p>
             <a:r>
-              <a:rPr lang="zh-CN" altLang="en-US" sz="3200" dirty="0" smtClean="0"/>
+              <a:rPr lang="zh-CN" altLang="en-US" sz="3200" dirty="0"/>
               <a:t>调用</a:t>
             </a:r>
             <a:r>
-              <a:rPr lang="en-US" altLang="zh-CN" sz="3200" dirty="0" err="1" smtClean="0"/>
+              <a:rPr lang="en-US" altLang="zh-CN" sz="3200" dirty="0" err="1"/>
               <a:t>bbl</a:t>
             </a:r>
             <a:r>
-              <a:rPr lang="zh-CN" altLang="en-US" sz="3200" dirty="0" smtClean="0"/>
+              <a:rPr lang="zh-CN" altLang="en-US" sz="3200" dirty="0"/>
               <a:t>提供的</a:t>
             </a:r>
             <a:r>
-              <a:rPr lang="en-US" altLang="zh-CN" sz="3200" dirty="0" smtClean="0"/>
+              <a:rPr lang="en-US" altLang="zh-CN" sz="3200" dirty="0"/>
               <a:t>IPI</a:t>
             </a:r>
             <a:r>
-              <a:rPr lang="zh-CN" altLang="en-US" sz="3200" dirty="0" smtClean="0"/>
+              <a:rPr lang="zh-CN" altLang="en-US" sz="3200" dirty="0"/>
               <a:t>和</a:t>
             </a:r>
             <a:r>
-              <a:rPr lang="en-US" altLang="zh-CN" sz="3200" dirty="0" smtClean="0"/>
+              <a:rPr lang="en-US" altLang="zh-CN" sz="3200" dirty="0"/>
               <a:t>TLB</a:t>
             </a:r>
             <a:r>
-              <a:rPr lang="zh-CN" altLang="en-US" sz="3200" dirty="0" smtClean="0"/>
+              <a:rPr lang="zh-CN" altLang="en-US" sz="3200" dirty="0"/>
               <a:t> </a:t>
             </a:r>
             <a:r>
-              <a:rPr lang="en-US" altLang="zh-CN" sz="3200" dirty="0" err="1" smtClean="0"/>
+              <a:rPr lang="en-US" altLang="zh-CN" sz="3200" dirty="0" err="1"/>
               <a:t>shootdown</a:t>
             </a:r>
-            <a:endParaRPr lang="zh-CN" altLang="en-US" sz="3200" dirty="0" smtClean="0"/>
+            <a:endParaRPr lang="zh-CN" altLang="en-US" sz="3200" dirty="0"/>
           </a:p>
           <a:p>
             <a:r>
@@ -10445,7 +10448,6 @@
               <a:rPr lang="zh-CN" altLang="en-US" sz="3200" dirty="0"/>
               <a:t>本身是多核操作系统，并且我们在单核移植的时候已经考虑到这一点，开启多核就不需要特殊处理了。</a:t>
             </a:r>
-            <a:endParaRPr lang="zh-CN" altLang="en-US" sz="3200" dirty="0"/>
           </a:p>
         </p:txBody>
       </p:sp>
@@ -10484,7 +10486,7 @@
           <p:cNvPr id="2" name="标题 1">
             <a:extLst>
               <a:ext uri="{FF2B5EF4-FFF2-40B4-BE49-F238E27FC236}">
-                <a16:creationId xmlns:a16="http://schemas.microsoft.com/office/drawing/2014/main" xmlns="" id="{B7F27D61-C7B7-4164-82D0-4F7D56D360F4}"/>
+                <a16:creationId xmlns:a16="http://schemas.microsoft.com/office/drawing/2014/main" id="{B7F27D61-C7B7-4164-82D0-4F7D56D360F4}"/>
               </a:ext>
             </a:extLst>
           </p:cNvPr>
@@ -10512,7 +10514,7 @@
           <p:cNvPr id="3" name="内容占位符 2">
             <a:extLst>
               <a:ext uri="{FF2B5EF4-FFF2-40B4-BE49-F238E27FC236}">
-                <a16:creationId xmlns:a16="http://schemas.microsoft.com/office/drawing/2014/main" xmlns="" id="{52E57387-6F0C-496C-9655-45DED2B76AB2}"/>
+                <a16:creationId xmlns:a16="http://schemas.microsoft.com/office/drawing/2014/main" id="{52E57387-6F0C-496C-9655-45DED2B76AB2}"/>
               </a:ext>
             </a:extLst>
           </p:cNvPr>
@@ -10536,17 +10538,13 @@
             </a:r>
             <a:r>
               <a:rPr lang="zh-CN" altLang="en-US" sz="3200"/>
-              <a:t>清零</a:t>
-            </a:r>
-            <a:r>
-              <a:rPr lang="zh-CN" altLang="en-US" sz="3200" smtClean="0"/>
-              <a:t>。</a:t>
+              <a:t>清零。</a:t>
             </a:r>
           </a:p>
           <a:p>
             <a:pPr lvl="1"/>
             <a:r>
-              <a:rPr lang="zh-CN" altLang="en-US" sz="2800" smtClean="0"/>
+              <a:rPr lang="zh-CN" altLang="en-US" sz="2800"/>
               <a:t>为此</a:t>
             </a:r>
             <a:r>
@@ -10559,21 +10557,13 @@
             </a:r>
             <a:r>
               <a:rPr lang="zh-CN" altLang="en-US" sz="2800" dirty="0"/>
-              <a:t>段等内存区域</a:t>
-            </a:r>
-            <a:r>
-              <a:rPr lang="zh-CN" altLang="en-US" sz="2800" dirty="0" smtClean="0"/>
-              <a:t>。</a:t>
-            </a:r>
-          </a:p>
-          <a:p>
-            <a:r>
-              <a:rPr lang="zh-CN" altLang="en-US" sz="3200" dirty="0" smtClean="0"/>
-              <a:t>第二</a:t>
-            </a:r>
+              <a:t>段等内存区域。</a:t>
+            </a:r>
+          </a:p>
+          <a:p>
             <a:r>
               <a:rPr lang="zh-CN" altLang="en-US" sz="3200" dirty="0"/>
-              <a:t>，真实硬件有缓存以及</a:t>
+              <a:t>第二，真实硬件有缓存以及</a:t>
             </a:r>
             <a:r>
               <a:rPr lang="en-US" altLang="zh-CN" sz="3200" dirty="0"/>
@@ -10585,17 +10575,13 @@
             </a:r>
             <a:r>
               <a:rPr lang="zh-CN" altLang="en-US" sz="3200"/>
-              <a:t>特性</a:t>
-            </a:r>
-            <a:r>
-              <a:rPr lang="zh-CN" altLang="en-US" sz="3200" smtClean="0"/>
-              <a:t>。</a:t>
+              <a:t>特性。</a:t>
             </a:r>
           </a:p>
           <a:p>
             <a:pPr lvl="1"/>
             <a:r>
-              <a:rPr lang="zh-CN" altLang="en-US" sz="2800" smtClean="0"/>
+              <a:rPr lang="zh-CN" altLang="en-US" sz="2800"/>
               <a:t>为此</a:t>
             </a:r>
             <a:r>
@@ -10607,16 +10593,15 @@
               <a:t>TLB</a:t>
             </a:r>
             <a:r>
-              <a:rPr lang="zh-CN" altLang="en-US" sz="2800" dirty="0" smtClean="0"/>
+              <a:rPr lang="zh-CN" altLang="en-US" sz="2800" dirty="0"/>
               <a:t>。</a:t>
             </a:r>
           </a:p>
           <a:p>
             <a:r>
-              <a:rPr lang="zh-CN" altLang="en-US" sz="3200" dirty="0" smtClean="0"/>
+              <a:rPr lang="zh-CN" altLang="en-US" sz="3200" dirty="0"/>
               <a:t>此外，有和具体开发板相关的问题。</a:t>
             </a:r>
-            <a:endParaRPr lang="zh-CN" altLang="en-US" sz="3200" dirty="0"/>
           </a:p>
         </p:txBody>
       </p:sp>

--- a/final_report.pptx
+++ b/final_report.pptx
@@ -225,7 +225,7 @@
           <a:p>
             <a:fld id="{7966F250-E1E1-474A-BDFF-A985A8EE7376}" type="datetimeFigureOut">
               <a:rPr lang="zh-CN" altLang="en-US" smtClean="0"/>
-              <a:t>2018/5/26</a:t>
+              <a:t>18/5/26</a:t>
             </a:fld>
             <a:endParaRPr lang="zh-CN" altLang="en-US"/>
           </a:p>
@@ -3781,7 +3781,7 @@
           <a:p>
             <a:fld id="{9ED90016-FE2B-4C93-AEF3-0E4E12969ECA}" type="datetimeFigureOut">
               <a:rPr lang="zh-CN" altLang="en-US" smtClean="0"/>
-              <a:t>2018/5/26</a:t>
+              <a:t>18/5/26</a:t>
             </a:fld>
             <a:endParaRPr lang="zh-CN" altLang="en-US"/>
           </a:p>
@@ -3949,7 +3949,7 @@
           <a:p>
             <a:fld id="{9ED90016-FE2B-4C93-AEF3-0E4E12969ECA}" type="datetimeFigureOut">
               <a:rPr lang="zh-CN" altLang="en-US" smtClean="0"/>
-              <a:t>2018/5/26</a:t>
+              <a:t>18/5/26</a:t>
             </a:fld>
             <a:endParaRPr lang="zh-CN" altLang="en-US"/>
           </a:p>
@@ -4127,7 +4127,7 @@
           <a:p>
             <a:fld id="{9ED90016-FE2B-4C93-AEF3-0E4E12969ECA}" type="datetimeFigureOut">
               <a:rPr lang="zh-CN" altLang="en-US" smtClean="0"/>
-              <a:t>2018/5/26</a:t>
+              <a:t>18/5/26</a:t>
             </a:fld>
             <a:endParaRPr lang="zh-CN" altLang="en-US"/>
           </a:p>
@@ -4503,7 +4503,7 @@
           <a:p>
             <a:fld id="{9ED90016-FE2B-4C93-AEF3-0E4E12969ECA}" type="datetimeFigureOut">
               <a:rPr lang="zh-CN" altLang="en-US" smtClean="0"/>
-              <a:t>2018/5/26</a:t>
+              <a:t>18/5/26</a:t>
             </a:fld>
             <a:endParaRPr lang="zh-CN" altLang="en-US"/>
           </a:p>
@@ -4748,7 +4748,7 @@
           <a:p>
             <a:fld id="{9ED90016-FE2B-4C93-AEF3-0E4E12969ECA}" type="datetimeFigureOut">
               <a:rPr lang="zh-CN" altLang="en-US" smtClean="0"/>
-              <a:t>2018/5/26</a:t>
+              <a:t>18/5/26</a:t>
             </a:fld>
             <a:endParaRPr lang="zh-CN" altLang="en-US"/>
           </a:p>
@@ -4977,7 +4977,7 @@
           <a:p>
             <a:fld id="{9ED90016-FE2B-4C93-AEF3-0E4E12969ECA}" type="datetimeFigureOut">
               <a:rPr lang="zh-CN" altLang="en-US" smtClean="0"/>
-              <a:t>2018/5/26</a:t>
+              <a:t>18/5/26</a:t>
             </a:fld>
             <a:endParaRPr lang="zh-CN" altLang="en-US"/>
           </a:p>
@@ -5342,7 +5342,7 @@
           <a:p>
             <a:fld id="{9ED90016-FE2B-4C93-AEF3-0E4E12969ECA}" type="datetimeFigureOut">
               <a:rPr lang="zh-CN" altLang="en-US" smtClean="0"/>
-              <a:t>2018/5/26</a:t>
+              <a:t>18/5/26</a:t>
             </a:fld>
             <a:endParaRPr lang="zh-CN" altLang="en-US"/>
           </a:p>
@@ -5459,7 +5459,7 @@
           <a:p>
             <a:fld id="{9ED90016-FE2B-4C93-AEF3-0E4E12969ECA}" type="datetimeFigureOut">
               <a:rPr lang="zh-CN" altLang="en-US" smtClean="0"/>
-              <a:t>2018/5/26</a:t>
+              <a:t>18/5/26</a:t>
             </a:fld>
             <a:endParaRPr lang="zh-CN" altLang="en-US"/>
           </a:p>
@@ -5554,7 +5554,7 @@
           <a:p>
             <a:fld id="{9ED90016-FE2B-4C93-AEF3-0E4E12969ECA}" type="datetimeFigureOut">
               <a:rPr lang="zh-CN" altLang="en-US" smtClean="0"/>
-              <a:t>2018/5/26</a:t>
+              <a:t>18/5/26</a:t>
             </a:fld>
             <a:endParaRPr lang="zh-CN" altLang="en-US"/>
           </a:p>
@@ -5832,7 +5832,7 @@
           <a:p>
             <a:fld id="{9ED90016-FE2B-4C93-AEF3-0E4E12969ECA}" type="datetimeFigureOut">
               <a:rPr lang="zh-CN" altLang="en-US" smtClean="0"/>
-              <a:t>2018/5/26</a:t>
+              <a:t>18/5/26</a:t>
             </a:fld>
             <a:endParaRPr lang="zh-CN" altLang="en-US"/>
           </a:p>
@@ -6087,7 +6087,7 @@
           <a:p>
             <a:fld id="{9ED90016-FE2B-4C93-AEF3-0E4E12969ECA}" type="datetimeFigureOut">
               <a:rPr lang="zh-CN" altLang="en-US" smtClean="0"/>
-              <a:t>2018/5/26</a:t>
+              <a:t>18/5/26</a:t>
             </a:fld>
             <a:endParaRPr lang="zh-CN" altLang="en-US"/>
           </a:p>
@@ -6298,7 +6298,7 @@
           <a:p>
             <a:fld id="{9ED90016-FE2B-4C93-AEF3-0E4E12969ECA}" type="datetimeFigureOut">
               <a:rPr lang="zh-CN" altLang="en-US" smtClean="0"/>
-              <a:t>2018/5/26</a:t>
+              <a:t>18/5/26</a:t>
             </a:fld>
             <a:endParaRPr lang="zh-CN" altLang="en-US"/>
           </a:p>
@@ -6766,7 +6766,7 @@
           <p:cNvPr id="2" name="标题 1">
             <a:extLst>
               <a:ext uri="{FF2B5EF4-FFF2-40B4-BE49-F238E27FC236}">
-                <a16:creationId xmlns:a16="http://schemas.microsoft.com/office/drawing/2014/main" id="{585A6C5C-78A9-42A3-B504-FA4747B8A7AC}"/>
+                <a16:creationId xmlns:a16="http://schemas.microsoft.com/office/drawing/2014/main" xmlns="" id="{585A6C5C-78A9-42A3-B504-FA4747B8A7AC}"/>
               </a:ext>
             </a:extLst>
           </p:cNvPr>
@@ -6844,7 +6844,7 @@
           <p:cNvPr id="3" name="副标题 2">
             <a:extLst>
               <a:ext uri="{FF2B5EF4-FFF2-40B4-BE49-F238E27FC236}">
-                <a16:creationId xmlns:a16="http://schemas.microsoft.com/office/drawing/2014/main" id="{FE645471-E7C3-4B41-B02C-E4467F26772C}"/>
+                <a16:creationId xmlns:a16="http://schemas.microsoft.com/office/drawing/2014/main" xmlns="" id="{FE645471-E7C3-4B41-B02C-E4467F26772C}"/>
               </a:ext>
             </a:extLst>
           </p:cNvPr>
@@ -6959,7 +6959,7 @@
           <p:cNvPr id="2" name="标题 1">
             <a:extLst>
               <a:ext uri="{FF2B5EF4-FFF2-40B4-BE49-F238E27FC236}">
-                <a16:creationId xmlns:a16="http://schemas.microsoft.com/office/drawing/2014/main" id="{B7F27D61-C7B7-4164-82D0-4F7D56D360F4}"/>
+                <a16:creationId xmlns:a16="http://schemas.microsoft.com/office/drawing/2014/main" xmlns="" id="{B7F27D61-C7B7-4164-82D0-4F7D56D360F4}"/>
               </a:ext>
             </a:extLst>
           </p:cNvPr>
@@ -6988,7 +6988,7 @@
           <p:cNvPr id="6" name="内容占位符 5">
             <a:extLst>
               <a:ext uri="{FF2B5EF4-FFF2-40B4-BE49-F238E27FC236}">
-                <a16:creationId xmlns:a16="http://schemas.microsoft.com/office/drawing/2014/main" id="{B5068B3A-316B-462B-B79B-E24E8608F761}"/>
+                <a16:creationId xmlns:a16="http://schemas.microsoft.com/office/drawing/2014/main" xmlns="" id="{B5068B3A-316B-462B-B79B-E24E8608F761}"/>
               </a:ext>
             </a:extLst>
           </p:cNvPr>
@@ -7053,7 +7053,7 @@
           <p:cNvPr id="2" name="标题 1">
             <a:extLst>
               <a:ext uri="{FF2B5EF4-FFF2-40B4-BE49-F238E27FC236}">
-                <a16:creationId xmlns:a16="http://schemas.microsoft.com/office/drawing/2014/main" id="{B7F27D61-C7B7-4164-82D0-4F7D56D360F4}"/>
+                <a16:creationId xmlns:a16="http://schemas.microsoft.com/office/drawing/2014/main" xmlns="" id="{B7F27D61-C7B7-4164-82D0-4F7D56D360F4}"/>
               </a:ext>
             </a:extLst>
           </p:cNvPr>
@@ -7082,7 +7082,7 @@
           <p:cNvPr id="8" name="图片 7">
             <a:extLst>
               <a:ext uri="{FF2B5EF4-FFF2-40B4-BE49-F238E27FC236}">
-                <a16:creationId xmlns:a16="http://schemas.microsoft.com/office/drawing/2014/main" id="{A39D554E-D686-4155-9691-14409EB60799}"/>
+                <a16:creationId xmlns:a16="http://schemas.microsoft.com/office/drawing/2014/main" xmlns="" id="{A39D554E-D686-4155-9691-14409EB60799}"/>
               </a:ext>
             </a:extLst>
           </p:cNvPr>
@@ -7148,7 +7148,7 @@
           <p:cNvPr id="2" name="标题 1">
             <a:extLst>
               <a:ext uri="{FF2B5EF4-FFF2-40B4-BE49-F238E27FC236}">
-                <a16:creationId xmlns:a16="http://schemas.microsoft.com/office/drawing/2014/main" id="{BAEAB90C-1C1D-4D2A-A666-BD11484D8E8C}"/>
+                <a16:creationId xmlns:a16="http://schemas.microsoft.com/office/drawing/2014/main" xmlns="" id="{BAEAB90C-1C1D-4D2A-A666-BD11484D8E8C}"/>
               </a:ext>
             </a:extLst>
           </p:cNvPr>
@@ -7200,7 +7200,7 @@
           <p:cNvPr id="3" name="文本占位符 2">
             <a:extLst>
               <a:ext uri="{FF2B5EF4-FFF2-40B4-BE49-F238E27FC236}">
-                <a16:creationId xmlns:a16="http://schemas.microsoft.com/office/drawing/2014/main" id="{33453BAE-5B56-48B1-823D-D06712952257}"/>
+                <a16:creationId xmlns:a16="http://schemas.microsoft.com/office/drawing/2014/main" xmlns="" id="{33453BAE-5B56-48B1-823D-D06712952257}"/>
               </a:ext>
             </a:extLst>
           </p:cNvPr>
@@ -7255,7 +7255,7 @@
           <p:cNvPr id="2" name="标题 1">
             <a:extLst>
               <a:ext uri="{FF2B5EF4-FFF2-40B4-BE49-F238E27FC236}">
-                <a16:creationId xmlns:a16="http://schemas.microsoft.com/office/drawing/2014/main" id="{B7F27D61-C7B7-4164-82D0-4F7D56D360F4}"/>
+                <a16:creationId xmlns:a16="http://schemas.microsoft.com/office/drawing/2014/main" xmlns="" id="{B7F27D61-C7B7-4164-82D0-4F7D56D360F4}"/>
               </a:ext>
             </a:extLst>
           </p:cNvPr>
@@ -7287,7 +7287,7 @@
           <p:cNvPr id="3" name="内容占位符 2">
             <a:extLst>
               <a:ext uri="{FF2B5EF4-FFF2-40B4-BE49-F238E27FC236}">
-                <a16:creationId xmlns:a16="http://schemas.microsoft.com/office/drawing/2014/main" id="{52E57387-6F0C-496C-9655-45DED2B76AB2}"/>
+                <a16:creationId xmlns:a16="http://schemas.microsoft.com/office/drawing/2014/main" xmlns="" id="{52E57387-6F0C-496C-9655-45DED2B76AB2}"/>
               </a:ext>
             </a:extLst>
           </p:cNvPr>
@@ -7379,7 +7379,7 @@
           <p:cNvPr id="2" name="标题 1">
             <a:extLst>
               <a:ext uri="{FF2B5EF4-FFF2-40B4-BE49-F238E27FC236}">
-                <a16:creationId xmlns:a16="http://schemas.microsoft.com/office/drawing/2014/main" id="{B7F27D61-C7B7-4164-82D0-4F7D56D360F4}"/>
+                <a16:creationId xmlns:a16="http://schemas.microsoft.com/office/drawing/2014/main" xmlns="" id="{B7F27D61-C7B7-4164-82D0-4F7D56D360F4}"/>
               </a:ext>
             </a:extLst>
           </p:cNvPr>
@@ -7411,7 +7411,7 @@
           <p:cNvPr id="3" name="内容占位符 2">
             <a:extLst>
               <a:ext uri="{FF2B5EF4-FFF2-40B4-BE49-F238E27FC236}">
-                <a16:creationId xmlns:a16="http://schemas.microsoft.com/office/drawing/2014/main" id="{52E57387-6F0C-496C-9655-45DED2B76AB2}"/>
+                <a16:creationId xmlns:a16="http://schemas.microsoft.com/office/drawing/2014/main" xmlns="" id="{52E57387-6F0C-496C-9655-45DED2B76AB2}"/>
               </a:ext>
             </a:extLst>
           </p:cNvPr>
@@ -7479,7 +7479,7 @@
           <p:cNvPr id="2" name="标题 1">
             <a:extLst>
               <a:ext uri="{FF2B5EF4-FFF2-40B4-BE49-F238E27FC236}">
-                <a16:creationId xmlns:a16="http://schemas.microsoft.com/office/drawing/2014/main" id="{B7F27D61-C7B7-4164-82D0-4F7D56D360F4}"/>
+                <a16:creationId xmlns:a16="http://schemas.microsoft.com/office/drawing/2014/main" xmlns="" id="{B7F27D61-C7B7-4164-82D0-4F7D56D360F4}"/>
               </a:ext>
             </a:extLst>
           </p:cNvPr>
@@ -7511,7 +7511,7 @@
           <p:cNvPr id="4" name="内容占位符 3">
             <a:extLst>
               <a:ext uri="{FF2B5EF4-FFF2-40B4-BE49-F238E27FC236}">
-                <a16:creationId xmlns:a16="http://schemas.microsoft.com/office/drawing/2014/main" id="{6FEF853C-D01E-4417-805F-1D4F8973774D}"/>
+                <a16:creationId xmlns:a16="http://schemas.microsoft.com/office/drawing/2014/main" xmlns="" id="{6FEF853C-D01E-4417-805F-1D4F8973774D}"/>
               </a:ext>
             </a:extLst>
           </p:cNvPr>
@@ -7543,7 +7543,7 @@
           <p:cNvPr id="5" name="内容占位符 2">
             <a:extLst>
               <a:ext uri="{FF2B5EF4-FFF2-40B4-BE49-F238E27FC236}">
-                <a16:creationId xmlns:a16="http://schemas.microsoft.com/office/drawing/2014/main" id="{69962F2A-F96F-4B5F-9103-FF870032CCBB}"/>
+                <a16:creationId xmlns:a16="http://schemas.microsoft.com/office/drawing/2014/main" xmlns="" id="{69962F2A-F96F-4B5F-9103-FF870032CCBB}"/>
               </a:ext>
             </a:extLst>
           </p:cNvPr>
@@ -7786,7 +7786,7 @@
           <p:cNvPr id="2" name="标题 1">
             <a:extLst>
               <a:ext uri="{FF2B5EF4-FFF2-40B4-BE49-F238E27FC236}">
-                <a16:creationId xmlns:a16="http://schemas.microsoft.com/office/drawing/2014/main" id="{B7F27D61-C7B7-4164-82D0-4F7D56D360F4}"/>
+                <a16:creationId xmlns:a16="http://schemas.microsoft.com/office/drawing/2014/main" xmlns="" id="{B7F27D61-C7B7-4164-82D0-4F7D56D360F4}"/>
               </a:ext>
             </a:extLst>
           </p:cNvPr>
@@ -7815,7 +7815,7 @@
           <p:cNvPr id="3" name="内容占位符 2">
             <a:extLst>
               <a:ext uri="{FF2B5EF4-FFF2-40B4-BE49-F238E27FC236}">
-                <a16:creationId xmlns:a16="http://schemas.microsoft.com/office/drawing/2014/main" id="{52E57387-6F0C-496C-9655-45DED2B76AB2}"/>
+                <a16:creationId xmlns:a16="http://schemas.microsoft.com/office/drawing/2014/main" xmlns="" id="{52E57387-6F0C-496C-9655-45DED2B76AB2}"/>
               </a:ext>
             </a:extLst>
           </p:cNvPr>
@@ -7929,7 +7929,7 @@
           <p:cNvPr id="2" name="标题 1">
             <a:extLst>
               <a:ext uri="{FF2B5EF4-FFF2-40B4-BE49-F238E27FC236}">
-                <a16:creationId xmlns:a16="http://schemas.microsoft.com/office/drawing/2014/main" id="{B7F27D61-C7B7-4164-82D0-4F7D56D360F4}"/>
+                <a16:creationId xmlns:a16="http://schemas.microsoft.com/office/drawing/2014/main" xmlns="" id="{B7F27D61-C7B7-4164-82D0-4F7D56D360F4}"/>
               </a:ext>
             </a:extLst>
           </p:cNvPr>
@@ -7961,7 +7961,7 @@
           <p:cNvPr id="3" name="内容占位符 2">
             <a:extLst>
               <a:ext uri="{FF2B5EF4-FFF2-40B4-BE49-F238E27FC236}">
-                <a16:creationId xmlns:a16="http://schemas.microsoft.com/office/drawing/2014/main" id="{52E57387-6F0C-496C-9655-45DED2B76AB2}"/>
+                <a16:creationId xmlns:a16="http://schemas.microsoft.com/office/drawing/2014/main" xmlns="" id="{52E57387-6F0C-496C-9655-45DED2B76AB2}"/>
               </a:ext>
             </a:extLst>
           </p:cNvPr>
@@ -8002,15 +8002,12 @@
           </a:p>
           <a:p>
             <a:r>
+              <a:rPr lang="zh-CN" altLang="en-US" sz="3200" smtClean="0"/>
+              <a:t>我们</a:t>
+            </a:r>
+            <a:r>
               <a:rPr lang="zh-CN" altLang="en-US" sz="3200" dirty="0"/>
-              <a:t>没有其他相关的文献参考</a:t>
-            </a:r>
-            <a:endParaRPr lang="en-US" altLang="zh-CN" sz="3200" dirty="0"/>
-          </a:p>
-          <a:p>
-            <a:r>
-              <a:rPr lang="zh-CN" altLang="en-US" sz="3200" dirty="0"/>
-              <a:t>我们是唯一一组对</a:t>
+              <a:t>是唯一一组对</a:t>
             </a:r>
             <a:r>
               <a:rPr lang="en-US" altLang="zh-CN" sz="3200" dirty="0"/>
@@ -8058,7 +8055,7 @@
           <p:cNvPr id="2" name="标题 1">
             <a:extLst>
               <a:ext uri="{FF2B5EF4-FFF2-40B4-BE49-F238E27FC236}">
-                <a16:creationId xmlns:a16="http://schemas.microsoft.com/office/drawing/2014/main" id="{B7F27D61-C7B7-4164-82D0-4F7D56D360F4}"/>
+                <a16:creationId xmlns:a16="http://schemas.microsoft.com/office/drawing/2014/main" xmlns="" id="{B7F27D61-C7B7-4164-82D0-4F7D56D360F4}"/>
               </a:ext>
             </a:extLst>
           </p:cNvPr>
@@ -8087,7 +8084,7 @@
           <p:cNvPr id="3" name="内容占位符 2">
             <a:extLst>
               <a:ext uri="{FF2B5EF4-FFF2-40B4-BE49-F238E27FC236}">
-                <a16:creationId xmlns:a16="http://schemas.microsoft.com/office/drawing/2014/main" id="{52E57387-6F0C-496C-9655-45DED2B76AB2}"/>
+                <a16:creationId xmlns:a16="http://schemas.microsoft.com/office/drawing/2014/main" xmlns="" id="{52E57387-6F0C-496C-9655-45DED2B76AB2}"/>
               </a:ext>
             </a:extLst>
           </p:cNvPr>
@@ -8185,7 +8182,7 @@
           <p:cNvPr id="2" name="标题 1">
             <a:extLst>
               <a:ext uri="{FF2B5EF4-FFF2-40B4-BE49-F238E27FC236}">
-                <a16:creationId xmlns:a16="http://schemas.microsoft.com/office/drawing/2014/main" id="{B7F27D61-C7B7-4164-82D0-4F7D56D360F4}"/>
+                <a16:creationId xmlns:a16="http://schemas.microsoft.com/office/drawing/2014/main" xmlns="" id="{B7F27D61-C7B7-4164-82D0-4F7D56D360F4}"/>
               </a:ext>
             </a:extLst>
           </p:cNvPr>
@@ -8214,7 +8211,7 @@
           <p:cNvPr id="3" name="内容占位符 2">
             <a:extLst>
               <a:ext uri="{FF2B5EF4-FFF2-40B4-BE49-F238E27FC236}">
-                <a16:creationId xmlns:a16="http://schemas.microsoft.com/office/drawing/2014/main" id="{52E57387-6F0C-496C-9655-45DED2B76AB2}"/>
+                <a16:creationId xmlns:a16="http://schemas.microsoft.com/office/drawing/2014/main" xmlns="" id="{52E57387-6F0C-496C-9655-45DED2B76AB2}"/>
               </a:ext>
             </a:extLst>
           </p:cNvPr>
@@ -8293,7 +8290,7 @@
           <p:cNvPr id="2" name="标题 1">
             <a:extLst>
               <a:ext uri="{FF2B5EF4-FFF2-40B4-BE49-F238E27FC236}">
-                <a16:creationId xmlns:a16="http://schemas.microsoft.com/office/drawing/2014/main" id="{AF4A9058-0A99-4C34-9A1E-866444B016C5}"/>
+                <a16:creationId xmlns:a16="http://schemas.microsoft.com/office/drawing/2014/main" xmlns="" id="{AF4A9058-0A99-4C34-9A1E-866444B016C5}"/>
               </a:ext>
             </a:extLst>
           </p:cNvPr>
@@ -8331,7 +8328,7 @@
           <p:cNvPr id="3" name="内容占位符 2">
             <a:extLst>
               <a:ext uri="{FF2B5EF4-FFF2-40B4-BE49-F238E27FC236}">
-                <a16:creationId xmlns:a16="http://schemas.microsoft.com/office/drawing/2014/main" id="{72743921-57C6-4090-84A9-CEC673734288}"/>
+                <a16:creationId xmlns:a16="http://schemas.microsoft.com/office/drawing/2014/main" xmlns="" id="{72743921-57C6-4090-84A9-CEC673734288}"/>
               </a:ext>
             </a:extLst>
           </p:cNvPr>
@@ -8449,7 +8446,7 @@
           <p:cNvPr id="2" name="标题 1">
             <a:extLst>
               <a:ext uri="{FF2B5EF4-FFF2-40B4-BE49-F238E27FC236}">
-                <a16:creationId xmlns:a16="http://schemas.microsoft.com/office/drawing/2014/main" id="{B7F27D61-C7B7-4164-82D0-4F7D56D360F4}"/>
+                <a16:creationId xmlns:a16="http://schemas.microsoft.com/office/drawing/2014/main" xmlns="" id="{B7F27D61-C7B7-4164-82D0-4F7D56D360F4}"/>
               </a:ext>
             </a:extLst>
           </p:cNvPr>
@@ -8481,7 +8478,7 @@
           <p:cNvPr id="4" name="内容占位符 3">
             <a:extLst>
               <a:ext uri="{FF2B5EF4-FFF2-40B4-BE49-F238E27FC236}">
-                <a16:creationId xmlns:a16="http://schemas.microsoft.com/office/drawing/2014/main" id="{A2003350-AC6A-4973-AAA5-85523F2FD59C}"/>
+                <a16:creationId xmlns:a16="http://schemas.microsoft.com/office/drawing/2014/main" xmlns="" id="{A2003350-AC6A-4973-AAA5-85523F2FD59C}"/>
               </a:ext>
             </a:extLst>
           </p:cNvPr>
@@ -8543,7 +8540,7 @@
           <p:cNvPr id="2" name="标题 1">
             <a:extLst>
               <a:ext uri="{FF2B5EF4-FFF2-40B4-BE49-F238E27FC236}">
-                <a16:creationId xmlns:a16="http://schemas.microsoft.com/office/drawing/2014/main" id="{B7F27D61-C7B7-4164-82D0-4F7D56D360F4}"/>
+                <a16:creationId xmlns:a16="http://schemas.microsoft.com/office/drawing/2014/main" xmlns="" id="{B7F27D61-C7B7-4164-82D0-4F7D56D360F4}"/>
               </a:ext>
             </a:extLst>
           </p:cNvPr>
@@ -8572,7 +8569,7 @@
           <p:cNvPr id="5" name="内容占位符 4">
             <a:extLst>
               <a:ext uri="{FF2B5EF4-FFF2-40B4-BE49-F238E27FC236}">
-                <a16:creationId xmlns:a16="http://schemas.microsoft.com/office/drawing/2014/main" id="{CC48AD1C-58BF-43BE-BF4C-81E8D6D9AAF0}"/>
+                <a16:creationId xmlns:a16="http://schemas.microsoft.com/office/drawing/2014/main" xmlns="" id="{CC48AD1C-58BF-43BE-BF4C-81E8D6D9AAF0}"/>
               </a:ext>
             </a:extLst>
           </p:cNvPr>
@@ -8646,7 +8643,7 @@
           <p:cNvPr id="2" name="标题 1">
             <a:extLst>
               <a:ext uri="{FF2B5EF4-FFF2-40B4-BE49-F238E27FC236}">
-                <a16:creationId xmlns:a16="http://schemas.microsoft.com/office/drawing/2014/main" id="{B7F27D61-C7B7-4164-82D0-4F7D56D360F4}"/>
+                <a16:creationId xmlns:a16="http://schemas.microsoft.com/office/drawing/2014/main" xmlns="" id="{B7F27D61-C7B7-4164-82D0-4F7D56D360F4}"/>
               </a:ext>
             </a:extLst>
           </p:cNvPr>
@@ -8674,7 +8671,7 @@
           <p:cNvPr id="6" name="内容占位符 5">
             <a:extLst>
               <a:ext uri="{FF2B5EF4-FFF2-40B4-BE49-F238E27FC236}">
-                <a16:creationId xmlns:a16="http://schemas.microsoft.com/office/drawing/2014/main" id="{A1AE999A-0C87-45FC-A37C-CE787A64EBBB}"/>
+                <a16:creationId xmlns:a16="http://schemas.microsoft.com/office/drawing/2014/main" xmlns="" id="{A1AE999A-0C87-45FC-A37C-CE787A64EBBB}"/>
               </a:ext>
             </a:extLst>
           </p:cNvPr>
@@ -8706,7 +8703,7 @@
           <p:cNvPr id="3" name="图片 2">
             <a:extLst>
               <a:ext uri="{FF2B5EF4-FFF2-40B4-BE49-F238E27FC236}">
-                <a16:creationId xmlns:a16="http://schemas.microsoft.com/office/drawing/2014/main" id="{9E9E89E9-71C8-452B-A4C8-E705E14B3AC7}"/>
+                <a16:creationId xmlns:a16="http://schemas.microsoft.com/office/drawing/2014/main" xmlns="" id="{9E9E89E9-71C8-452B-A4C8-E705E14B3AC7}"/>
               </a:ext>
             </a:extLst>
           </p:cNvPr>
@@ -8766,7 +8763,7 @@
           <p:cNvPr id="2" name="标题 1">
             <a:extLst>
               <a:ext uri="{FF2B5EF4-FFF2-40B4-BE49-F238E27FC236}">
-                <a16:creationId xmlns:a16="http://schemas.microsoft.com/office/drawing/2014/main" id="{B7F27D61-C7B7-4164-82D0-4F7D56D360F4}"/>
+                <a16:creationId xmlns:a16="http://schemas.microsoft.com/office/drawing/2014/main" xmlns="" id="{B7F27D61-C7B7-4164-82D0-4F7D56D360F4}"/>
               </a:ext>
             </a:extLst>
           </p:cNvPr>
@@ -8795,7 +8792,7 @@
           <p:cNvPr id="3" name="内容占位符 2">
             <a:extLst>
               <a:ext uri="{FF2B5EF4-FFF2-40B4-BE49-F238E27FC236}">
-                <a16:creationId xmlns:a16="http://schemas.microsoft.com/office/drawing/2014/main" id="{52E57387-6F0C-496C-9655-45DED2B76AB2}"/>
+                <a16:creationId xmlns:a16="http://schemas.microsoft.com/office/drawing/2014/main" xmlns="" id="{52E57387-6F0C-496C-9655-45DED2B76AB2}"/>
               </a:ext>
             </a:extLst>
           </p:cNvPr>
@@ -8835,7 +8832,23 @@
             </a:r>
             <a:r>
               <a:rPr lang="zh-CN" altLang="en-US" sz="3200" dirty="0"/>
-              <a:t>会查看每个测试代码是否会有访问冲突。通过</a:t>
+              <a:t>会查看每个测试代码</a:t>
+            </a:r>
+            <a:r>
+              <a:rPr lang="zh-CN" altLang="en-US" sz="3200" dirty="0" smtClean="0"/>
+              <a:t>是否</a:t>
+            </a:r>
+            <a:r>
+              <a:rPr lang="zh-CN" altLang="en-US" sz="3200" dirty="0" smtClean="0"/>
+              <a:t>让内核</a:t>
+            </a:r>
+            <a:r>
+              <a:rPr lang="zh-CN" altLang="en-US" sz="3200" dirty="0" smtClean="0"/>
+              <a:t>有</a:t>
+            </a:r>
+            <a:r>
+              <a:rPr lang="zh-CN" altLang="en-US" sz="3200" dirty="0"/>
+              <a:t>访问冲突。通过</a:t>
             </a:r>
             <a:r>
               <a:rPr lang="en-US" altLang="zh-CN" sz="3200" dirty="0" err="1"/>
@@ -8883,7 +8896,7 @@
           <p:cNvPr id="2" name="标题 1">
             <a:extLst>
               <a:ext uri="{FF2B5EF4-FFF2-40B4-BE49-F238E27FC236}">
-                <a16:creationId xmlns:a16="http://schemas.microsoft.com/office/drawing/2014/main" id="{BAEAB90C-1C1D-4D2A-A666-BD11484D8E8C}"/>
+                <a16:creationId xmlns:a16="http://schemas.microsoft.com/office/drawing/2014/main" xmlns="" id="{BAEAB90C-1C1D-4D2A-A666-BD11484D8E8C}"/>
               </a:ext>
             </a:extLst>
           </p:cNvPr>
@@ -8968,7 +8981,7 @@
           <p:cNvPr id="3" name="文本占位符 2">
             <a:extLst>
               <a:ext uri="{FF2B5EF4-FFF2-40B4-BE49-F238E27FC236}">
-                <a16:creationId xmlns:a16="http://schemas.microsoft.com/office/drawing/2014/main" id="{33453BAE-5B56-48B1-823D-D06712952257}"/>
+                <a16:creationId xmlns:a16="http://schemas.microsoft.com/office/drawing/2014/main" xmlns="" id="{33453BAE-5B56-48B1-823D-D06712952257}"/>
               </a:ext>
             </a:extLst>
           </p:cNvPr>
@@ -9023,7 +9036,7 @@
           <p:cNvPr id="2" name="标题 1">
             <a:extLst>
               <a:ext uri="{FF2B5EF4-FFF2-40B4-BE49-F238E27FC236}">
-                <a16:creationId xmlns:a16="http://schemas.microsoft.com/office/drawing/2014/main" id="{B7F27D61-C7B7-4164-82D0-4F7D56D360F4}"/>
+                <a16:creationId xmlns:a16="http://schemas.microsoft.com/office/drawing/2014/main" xmlns="" id="{B7F27D61-C7B7-4164-82D0-4F7D56D360F4}"/>
               </a:ext>
             </a:extLst>
           </p:cNvPr>
@@ -9055,7 +9068,7 @@
           <p:cNvPr id="3" name="内容占位符 2">
             <a:extLst>
               <a:ext uri="{FF2B5EF4-FFF2-40B4-BE49-F238E27FC236}">
-                <a16:creationId xmlns:a16="http://schemas.microsoft.com/office/drawing/2014/main" id="{52E57387-6F0C-496C-9655-45DED2B76AB2}"/>
+                <a16:creationId xmlns:a16="http://schemas.microsoft.com/office/drawing/2014/main" xmlns="" id="{52E57387-6F0C-496C-9655-45DED2B76AB2}"/>
               </a:ext>
             </a:extLst>
           </p:cNvPr>
@@ -9211,7 +9224,7 @@
           <p:cNvPr id="2" name="标题 1">
             <a:extLst>
               <a:ext uri="{FF2B5EF4-FFF2-40B4-BE49-F238E27FC236}">
-                <a16:creationId xmlns:a16="http://schemas.microsoft.com/office/drawing/2014/main" id="{B7F27D61-C7B7-4164-82D0-4F7D56D360F4}"/>
+                <a16:creationId xmlns:a16="http://schemas.microsoft.com/office/drawing/2014/main" xmlns="" id="{B7F27D61-C7B7-4164-82D0-4F7D56D360F4}"/>
               </a:ext>
             </a:extLst>
           </p:cNvPr>
@@ -9243,7 +9256,7 @@
           <p:cNvPr id="3" name="内容占位符 2">
             <a:extLst>
               <a:ext uri="{FF2B5EF4-FFF2-40B4-BE49-F238E27FC236}">
-                <a16:creationId xmlns:a16="http://schemas.microsoft.com/office/drawing/2014/main" id="{52E57387-6F0C-496C-9655-45DED2B76AB2}"/>
+                <a16:creationId xmlns:a16="http://schemas.microsoft.com/office/drawing/2014/main" xmlns="" id="{52E57387-6F0C-496C-9655-45DED2B76AB2}"/>
               </a:ext>
             </a:extLst>
           </p:cNvPr>
@@ -9311,7 +9324,7 @@
           <p:cNvPr id="2" name="标题 1">
             <a:extLst>
               <a:ext uri="{FF2B5EF4-FFF2-40B4-BE49-F238E27FC236}">
-                <a16:creationId xmlns:a16="http://schemas.microsoft.com/office/drawing/2014/main" id="{B7F27D61-C7B7-4164-82D0-4F7D56D360F4}"/>
+                <a16:creationId xmlns:a16="http://schemas.microsoft.com/office/drawing/2014/main" xmlns="" id="{B7F27D61-C7B7-4164-82D0-4F7D56D360F4}"/>
               </a:ext>
             </a:extLst>
           </p:cNvPr>
@@ -9340,7 +9353,7 @@
           <p:cNvPr id="3" name="内容占位符 2">
             <a:extLst>
               <a:ext uri="{FF2B5EF4-FFF2-40B4-BE49-F238E27FC236}">
-                <a16:creationId xmlns:a16="http://schemas.microsoft.com/office/drawing/2014/main" id="{52E57387-6F0C-496C-9655-45DED2B76AB2}"/>
+                <a16:creationId xmlns:a16="http://schemas.microsoft.com/office/drawing/2014/main" xmlns="" id="{52E57387-6F0C-496C-9655-45DED2B76AB2}"/>
               </a:ext>
             </a:extLst>
           </p:cNvPr>
@@ -9393,9 +9406,14 @@
               <a:t>了解了</a:t>
             </a:r>
             <a:r>
-              <a:rPr lang="en-US" altLang="zh-CN" sz="3200" dirty="0"/>
+              <a:rPr lang="en-US" altLang="zh-CN" sz="3200" dirty="0" smtClean="0"/>
               <a:t>sv6</a:t>
             </a:r>
+            <a:r>
+              <a:rPr lang="zh-CN" altLang="en-US" sz="3200" dirty="0" smtClean="0"/>
+              <a:t>的设计与实现</a:t>
+            </a:r>
+            <a:endParaRPr lang="en-US" altLang="zh-CN" sz="3200" dirty="0"/>
           </a:p>
           <a:p>
             <a:r>
@@ -9486,7 +9504,7 @@
           <p:cNvPr id="2" name="标题 1">
             <a:extLst>
               <a:ext uri="{FF2B5EF4-FFF2-40B4-BE49-F238E27FC236}">
-                <a16:creationId xmlns:a16="http://schemas.microsoft.com/office/drawing/2014/main" id="{B7F27D61-C7B7-4164-82D0-4F7D56D360F4}"/>
+                <a16:creationId xmlns:a16="http://schemas.microsoft.com/office/drawing/2014/main" xmlns="" id="{B7F27D61-C7B7-4164-82D0-4F7D56D360F4}"/>
               </a:ext>
             </a:extLst>
           </p:cNvPr>
@@ -9515,7 +9533,7 @@
           <p:cNvPr id="3" name="内容占位符 2">
             <a:extLst>
               <a:ext uri="{FF2B5EF4-FFF2-40B4-BE49-F238E27FC236}">
-                <a16:creationId xmlns:a16="http://schemas.microsoft.com/office/drawing/2014/main" id="{52E57387-6F0C-496C-9655-45DED2B76AB2}"/>
+                <a16:creationId xmlns:a16="http://schemas.microsoft.com/office/drawing/2014/main" xmlns="" id="{52E57387-6F0C-496C-9655-45DED2B76AB2}"/>
               </a:ext>
             </a:extLst>
           </p:cNvPr>
@@ -9678,7 +9696,7 @@
           <p:cNvPr id="2" name="标题 1">
             <a:extLst>
               <a:ext uri="{FF2B5EF4-FFF2-40B4-BE49-F238E27FC236}">
-                <a16:creationId xmlns:a16="http://schemas.microsoft.com/office/drawing/2014/main" id="{1DAB51E8-468B-4288-BC7B-FD3D41CE4EBB}"/>
+                <a16:creationId xmlns:a16="http://schemas.microsoft.com/office/drawing/2014/main" xmlns="" id="{1DAB51E8-468B-4288-BC7B-FD3D41CE4EBB}"/>
               </a:ext>
             </a:extLst>
           </p:cNvPr>
@@ -9723,7 +9741,7 @@
           <p:cNvPr id="3" name="副标题 2">
             <a:extLst>
               <a:ext uri="{FF2B5EF4-FFF2-40B4-BE49-F238E27FC236}">
-                <a16:creationId xmlns:a16="http://schemas.microsoft.com/office/drawing/2014/main" id="{4D8617E2-BAE3-42C5-A2D7-0646ABA9E0A3}"/>
+                <a16:creationId xmlns:a16="http://schemas.microsoft.com/office/drawing/2014/main" xmlns="" id="{4D8617E2-BAE3-42C5-A2D7-0646ABA9E0A3}"/>
               </a:ext>
             </a:extLst>
           </p:cNvPr>
@@ -9801,7 +9819,7 @@
           <p:cNvPr id="2" name="标题 1">
             <a:extLst>
               <a:ext uri="{FF2B5EF4-FFF2-40B4-BE49-F238E27FC236}">
-                <a16:creationId xmlns:a16="http://schemas.microsoft.com/office/drawing/2014/main" id="{B7F27D61-C7B7-4164-82D0-4F7D56D360F4}"/>
+                <a16:creationId xmlns:a16="http://schemas.microsoft.com/office/drawing/2014/main" xmlns="" id="{B7F27D61-C7B7-4164-82D0-4F7D56D360F4}"/>
               </a:ext>
             </a:extLst>
           </p:cNvPr>
@@ -9829,7 +9847,7 @@
           <p:cNvPr id="3" name="内容占位符 2">
             <a:extLst>
               <a:ext uri="{FF2B5EF4-FFF2-40B4-BE49-F238E27FC236}">
-                <a16:creationId xmlns:a16="http://schemas.microsoft.com/office/drawing/2014/main" id="{52E57387-6F0C-496C-9655-45DED2B76AB2}"/>
+                <a16:creationId xmlns:a16="http://schemas.microsoft.com/office/drawing/2014/main" xmlns="" id="{52E57387-6F0C-496C-9655-45DED2B76AB2}"/>
               </a:ext>
             </a:extLst>
           </p:cNvPr>
@@ -9887,7 +9905,7 @@
           <p:cNvPr id="2" name="标题 1">
             <a:extLst>
               <a:ext uri="{FF2B5EF4-FFF2-40B4-BE49-F238E27FC236}">
-                <a16:creationId xmlns:a16="http://schemas.microsoft.com/office/drawing/2014/main" id="{BAEAB90C-1C1D-4D2A-A666-BD11484D8E8C}"/>
+                <a16:creationId xmlns:a16="http://schemas.microsoft.com/office/drawing/2014/main" xmlns="" id="{BAEAB90C-1C1D-4D2A-A666-BD11484D8E8C}"/>
               </a:ext>
             </a:extLst>
           </p:cNvPr>
@@ -9939,7 +9957,7 @@
           <p:cNvPr id="3" name="文本占位符 2">
             <a:extLst>
               <a:ext uri="{FF2B5EF4-FFF2-40B4-BE49-F238E27FC236}">
-                <a16:creationId xmlns:a16="http://schemas.microsoft.com/office/drawing/2014/main" id="{33453BAE-5B56-48B1-823D-D06712952257}"/>
+                <a16:creationId xmlns:a16="http://schemas.microsoft.com/office/drawing/2014/main" xmlns="" id="{33453BAE-5B56-48B1-823D-D06712952257}"/>
               </a:ext>
             </a:extLst>
           </p:cNvPr>
@@ -9994,7 +10012,7 @@
           <p:cNvPr id="2" name="标题 1">
             <a:extLst>
               <a:ext uri="{FF2B5EF4-FFF2-40B4-BE49-F238E27FC236}">
-                <a16:creationId xmlns:a16="http://schemas.microsoft.com/office/drawing/2014/main" id="{B7F27D61-C7B7-4164-82D0-4F7D56D360F4}"/>
+                <a16:creationId xmlns:a16="http://schemas.microsoft.com/office/drawing/2014/main" xmlns="" id="{B7F27D61-C7B7-4164-82D0-4F7D56D360F4}"/>
               </a:ext>
             </a:extLst>
           </p:cNvPr>
@@ -10022,7 +10040,7 @@
           <p:cNvPr id="3" name="内容占位符 2">
             <a:extLst>
               <a:ext uri="{FF2B5EF4-FFF2-40B4-BE49-F238E27FC236}">
-                <a16:creationId xmlns:a16="http://schemas.microsoft.com/office/drawing/2014/main" id="{52E57387-6F0C-496C-9655-45DED2B76AB2}"/>
+                <a16:creationId xmlns:a16="http://schemas.microsoft.com/office/drawing/2014/main" xmlns="" id="{52E57387-6F0C-496C-9655-45DED2B76AB2}"/>
               </a:ext>
             </a:extLst>
           </p:cNvPr>
@@ -10119,7 +10137,7 @@
           <p:cNvPr id="2" name="标题 1">
             <a:extLst>
               <a:ext uri="{FF2B5EF4-FFF2-40B4-BE49-F238E27FC236}">
-                <a16:creationId xmlns:a16="http://schemas.microsoft.com/office/drawing/2014/main" id="{B7F27D61-C7B7-4164-82D0-4F7D56D360F4}"/>
+                <a16:creationId xmlns:a16="http://schemas.microsoft.com/office/drawing/2014/main" xmlns="" id="{B7F27D61-C7B7-4164-82D0-4F7D56D360F4}"/>
               </a:ext>
             </a:extLst>
           </p:cNvPr>
@@ -10147,7 +10165,7 @@
           <p:cNvPr id="3" name="内容占位符 2">
             <a:extLst>
               <a:ext uri="{FF2B5EF4-FFF2-40B4-BE49-F238E27FC236}">
-                <a16:creationId xmlns:a16="http://schemas.microsoft.com/office/drawing/2014/main" id="{52E57387-6F0C-496C-9655-45DED2B76AB2}"/>
+                <a16:creationId xmlns:a16="http://schemas.microsoft.com/office/drawing/2014/main" xmlns="" id="{52E57387-6F0C-496C-9655-45DED2B76AB2}"/>
               </a:ext>
             </a:extLst>
           </p:cNvPr>
@@ -10231,7 +10249,7 @@
           <p:cNvPr id="2" name="标题 1">
             <a:extLst>
               <a:ext uri="{FF2B5EF4-FFF2-40B4-BE49-F238E27FC236}">
-                <a16:creationId xmlns:a16="http://schemas.microsoft.com/office/drawing/2014/main" id="{B7F27D61-C7B7-4164-82D0-4F7D56D360F4}"/>
+                <a16:creationId xmlns:a16="http://schemas.microsoft.com/office/drawing/2014/main" xmlns="" id="{B7F27D61-C7B7-4164-82D0-4F7D56D360F4}"/>
               </a:ext>
             </a:extLst>
           </p:cNvPr>
@@ -10259,7 +10277,7 @@
           <p:cNvPr id="3" name="内容占位符 2">
             <a:extLst>
               <a:ext uri="{FF2B5EF4-FFF2-40B4-BE49-F238E27FC236}">
-                <a16:creationId xmlns:a16="http://schemas.microsoft.com/office/drawing/2014/main" id="{52E57387-6F0C-496C-9655-45DED2B76AB2}"/>
+                <a16:creationId xmlns:a16="http://schemas.microsoft.com/office/drawing/2014/main" xmlns="" id="{52E57387-6F0C-496C-9655-45DED2B76AB2}"/>
               </a:ext>
             </a:extLst>
           </p:cNvPr>
@@ -10355,7 +10373,7 @@
           <p:cNvPr id="2" name="标题 1">
             <a:extLst>
               <a:ext uri="{FF2B5EF4-FFF2-40B4-BE49-F238E27FC236}">
-                <a16:creationId xmlns:a16="http://schemas.microsoft.com/office/drawing/2014/main" id="{B7F27D61-C7B7-4164-82D0-4F7D56D360F4}"/>
+                <a16:creationId xmlns:a16="http://schemas.microsoft.com/office/drawing/2014/main" xmlns="" id="{B7F27D61-C7B7-4164-82D0-4F7D56D360F4}"/>
               </a:ext>
             </a:extLst>
           </p:cNvPr>
@@ -10383,7 +10401,7 @@
           <p:cNvPr id="3" name="内容占位符 2">
             <a:extLst>
               <a:ext uri="{FF2B5EF4-FFF2-40B4-BE49-F238E27FC236}">
-                <a16:creationId xmlns:a16="http://schemas.microsoft.com/office/drawing/2014/main" id="{52E57387-6F0C-496C-9655-45DED2B76AB2}"/>
+                <a16:creationId xmlns:a16="http://schemas.microsoft.com/office/drawing/2014/main" xmlns="" id="{52E57387-6F0C-496C-9655-45DED2B76AB2}"/>
               </a:ext>
             </a:extLst>
           </p:cNvPr>
@@ -10486,7 +10504,7 @@
           <p:cNvPr id="2" name="标题 1">
             <a:extLst>
               <a:ext uri="{FF2B5EF4-FFF2-40B4-BE49-F238E27FC236}">
-                <a16:creationId xmlns:a16="http://schemas.microsoft.com/office/drawing/2014/main" id="{B7F27D61-C7B7-4164-82D0-4F7D56D360F4}"/>
+                <a16:creationId xmlns:a16="http://schemas.microsoft.com/office/drawing/2014/main" xmlns="" id="{B7F27D61-C7B7-4164-82D0-4F7D56D360F4}"/>
               </a:ext>
             </a:extLst>
           </p:cNvPr>
@@ -10514,7 +10532,7 @@
           <p:cNvPr id="3" name="内容占位符 2">
             <a:extLst>
               <a:ext uri="{FF2B5EF4-FFF2-40B4-BE49-F238E27FC236}">
-                <a16:creationId xmlns:a16="http://schemas.microsoft.com/office/drawing/2014/main" id="{52E57387-6F0C-496C-9655-45DED2B76AB2}"/>
+                <a16:creationId xmlns:a16="http://schemas.microsoft.com/office/drawing/2014/main" xmlns="" id="{52E57387-6F0C-496C-9655-45DED2B76AB2}"/>
               </a:ext>
             </a:extLst>
           </p:cNvPr>
